--- a/Slides/FHDS_Exploratory_Data_Analysis_Part2.pptx
+++ b/Slides/FHDS_Exploratory_Data_Analysis_Part2.pptx
@@ -5,7 +5,7 @@
     <p:sldMasterId id="2147483648" r:id="rId4"/>
   </p:sldMasterIdLst>
   <p:notesMasterIdLst>
-    <p:notesMasterId r:id="rId43"/>
+    <p:notesMasterId r:id="rId45"/>
   </p:notesMasterIdLst>
   <p:sldIdLst>
     <p:sldId id="279" r:id="rId5"/>
@@ -29,59 +29,61 @@
     <p:sldId id="6028" r:id="rId23"/>
     <p:sldId id="5981" r:id="rId24"/>
     <p:sldId id="5975" r:id="rId25"/>
-    <p:sldId id="298" r:id="rId26"/>
-    <p:sldId id="6017" r:id="rId27"/>
-    <p:sldId id="6019" r:id="rId28"/>
-    <p:sldId id="6020" r:id="rId29"/>
-    <p:sldId id="6022" r:id="rId30"/>
-    <p:sldId id="6023" r:id="rId31"/>
-    <p:sldId id="6021" r:id="rId32"/>
-    <p:sldId id="5976" r:id="rId33"/>
-    <p:sldId id="5982" r:id="rId34"/>
-    <p:sldId id="5984" r:id="rId35"/>
-    <p:sldId id="6029" r:id="rId36"/>
-    <p:sldId id="6030" r:id="rId37"/>
-    <p:sldId id="6031" r:id="rId38"/>
-    <p:sldId id="6026" r:id="rId39"/>
-    <p:sldId id="6032" r:id="rId40"/>
-    <p:sldId id="6033" r:id="rId41"/>
-    <p:sldId id="364" r:id="rId42"/>
+    <p:sldId id="6035" r:id="rId26"/>
+    <p:sldId id="6036" r:id="rId27"/>
+    <p:sldId id="298" r:id="rId28"/>
+    <p:sldId id="6017" r:id="rId29"/>
+    <p:sldId id="6019" r:id="rId30"/>
+    <p:sldId id="6020" r:id="rId31"/>
+    <p:sldId id="6022" r:id="rId32"/>
+    <p:sldId id="6023" r:id="rId33"/>
+    <p:sldId id="6021" r:id="rId34"/>
+    <p:sldId id="5976" r:id="rId35"/>
+    <p:sldId id="5982" r:id="rId36"/>
+    <p:sldId id="5984" r:id="rId37"/>
+    <p:sldId id="6029" r:id="rId38"/>
+    <p:sldId id="6030" r:id="rId39"/>
+    <p:sldId id="6031" r:id="rId40"/>
+    <p:sldId id="6026" r:id="rId41"/>
+    <p:sldId id="6032" r:id="rId42"/>
+    <p:sldId id="6033" r:id="rId43"/>
+    <p:sldId id="364" r:id="rId44"/>
   </p:sldIdLst>
   <p:sldSz cx="18288000" cy="10287000"/>
   <p:notesSz cx="6858000" cy="9144000"/>
   <p:embeddedFontLst>
     <p:embeddedFont>
       <p:font typeface="Calibri" panose="020F0502020204030204" pitchFamily="34" charset="0"/>
-      <p:regular r:id="rId44"/>
-      <p:bold r:id="rId45"/>
-      <p:italic r:id="rId46"/>
-      <p:boldItalic r:id="rId47"/>
+      <p:regular r:id="rId46"/>
+      <p:bold r:id="rId47"/>
+      <p:italic r:id="rId48"/>
+      <p:boldItalic r:id="rId49"/>
     </p:embeddedFont>
     <p:embeddedFont>
       <p:font typeface="Montserrat" panose="00000500000000000000" pitchFamily="2" charset="0"/>
-      <p:regular r:id="rId48"/>
-      <p:bold r:id="rId49"/>
-      <p:italic r:id="rId50"/>
-      <p:boldItalic r:id="rId51"/>
+      <p:regular r:id="rId50"/>
+      <p:bold r:id="rId51"/>
+      <p:italic r:id="rId52"/>
+      <p:boldItalic r:id="rId53"/>
     </p:embeddedFont>
     <p:embeddedFont>
       <p:font typeface="Montserrat Bold" panose="00000800000000000000" charset="0"/>
-      <p:bold r:id="rId52"/>
-      <p:italic r:id="rId53"/>
-      <p:boldItalic r:id="rId54"/>
+      <p:bold r:id="rId54"/>
+      <p:italic r:id="rId55"/>
+      <p:boldItalic r:id="rId56"/>
     </p:embeddedFont>
     <p:embeddedFont>
       <p:font typeface="Now" panose="020B0604020202020204" charset="0"/>
-      <p:regular r:id="rId55"/>
+      <p:regular r:id="rId57"/>
     </p:embeddedFont>
     <p:embeddedFont>
       <p:font typeface="Now Bold" panose="020B0604020202020204" charset="0"/>
-      <p:regular r:id="rId56"/>
-      <p:bold r:id="rId57"/>
+      <p:regular r:id="rId58"/>
+      <p:bold r:id="rId59"/>
     </p:embeddedFont>
   </p:embeddedFontLst>
   <p:custDataLst>
-    <p:tags r:id="rId58"/>
+    <p:tags r:id="rId60"/>
   </p:custDataLst>
   <p:defaultTextStyle>
     <a:defPPr>
@@ -206,292 +208,6 @@
 </p1510:revInfo>
 </file>
 
-<file path=ppt/changesInfos/changesInfo1.xml><?xml version="1.0" encoding="utf-8"?>
-<pc:chgInfo xmlns:a="http://schemas.openxmlformats.org/drawingml/2006/main" xmlns:r="http://schemas.openxmlformats.org/officeDocument/2006/relationships" xmlns:ac="http://schemas.microsoft.com/office/drawing/2013/main/command" xmlns:pc="http://schemas.microsoft.com/office/powerpoint/2013/main/command">
-  <pc:docChgLst>
-    <pc:chgData name="Rita Isabel Spínola E Silva" userId="S::zbc283@ku.dk::ba5000cd-55e1-4b11-ab9b-9a1c49cf6f11" providerId="AD" clId="Web-{3C4F04DD-59C3-F159-768B-DBF0EFF8090C}"/>
-    <pc:docChg chg="modSld">
-      <pc:chgData name="Rita Isabel Spínola E Silva" userId="S::zbc283@ku.dk::ba5000cd-55e1-4b11-ab9b-9a1c49cf6f11" providerId="AD" clId="Web-{3C4F04DD-59C3-F159-768B-DBF0EFF8090C}" dt="2023-10-10T12:22:23.850" v="119" actId="20577"/>
-      <pc:docMkLst>
-        <pc:docMk/>
-      </pc:docMkLst>
-      <pc:sldChg chg="modSp">
-        <pc:chgData name="Rita Isabel Spínola E Silva" userId="S::zbc283@ku.dk::ba5000cd-55e1-4b11-ab9b-9a1c49cf6f11" providerId="AD" clId="Web-{3C4F04DD-59C3-F159-768B-DBF0EFF8090C}" dt="2023-10-10T09:30:28.467" v="8" actId="20577"/>
-        <pc:sldMkLst>
-          <pc:docMk/>
-          <pc:sldMk cId="0" sldId="282"/>
-        </pc:sldMkLst>
-        <pc:spChg chg="mod">
-          <ac:chgData name="Rita Isabel Spínola E Silva" userId="S::zbc283@ku.dk::ba5000cd-55e1-4b11-ab9b-9a1c49cf6f11" providerId="AD" clId="Web-{3C4F04DD-59C3-F159-768B-DBF0EFF8090C}" dt="2023-10-10T09:30:28.467" v="8" actId="20577"/>
-          <ac:spMkLst>
-            <pc:docMk/>
-            <pc:sldMk cId="0" sldId="282"/>
-            <ac:spMk id="8" creationId="{00000000-0000-0000-0000-000000000000}"/>
-          </ac:spMkLst>
-        </pc:spChg>
-      </pc:sldChg>
-      <pc:sldChg chg="modSp">
-        <pc:chgData name="Rita Isabel Spínola E Silva" userId="S::zbc283@ku.dk::ba5000cd-55e1-4b11-ab9b-9a1c49cf6f11" providerId="AD" clId="Web-{3C4F04DD-59C3-F159-768B-DBF0EFF8090C}" dt="2023-10-10T09:27:28.308" v="1" actId="14100"/>
-        <pc:sldMkLst>
-          <pc:docMk/>
-          <pc:sldMk cId="56251559" sldId="353"/>
-        </pc:sldMkLst>
-        <pc:spChg chg="mod">
-          <ac:chgData name="Rita Isabel Spínola E Silva" userId="S::zbc283@ku.dk::ba5000cd-55e1-4b11-ab9b-9a1c49cf6f11" providerId="AD" clId="Web-{3C4F04DD-59C3-F159-768B-DBF0EFF8090C}" dt="2023-10-10T09:27:28.308" v="1" actId="14100"/>
-          <ac:spMkLst>
-            <pc:docMk/>
-            <pc:sldMk cId="56251559" sldId="353"/>
-            <ac:spMk id="27" creationId="{4B54D961-E6A3-7A6F-B8C4-D6B4CDC49E72}"/>
-          </ac:spMkLst>
-        </pc:spChg>
-      </pc:sldChg>
-      <pc:sldChg chg="modSp">
-        <pc:chgData name="Rita Isabel Spínola E Silva" userId="S::zbc283@ku.dk::ba5000cd-55e1-4b11-ab9b-9a1c49cf6f11" providerId="AD" clId="Web-{3C4F04DD-59C3-F159-768B-DBF0EFF8090C}" dt="2023-10-10T09:48:28.237" v="24" actId="20577"/>
-        <pc:sldMkLst>
-          <pc:docMk/>
-          <pc:sldMk cId="1669216558" sldId="5954"/>
-        </pc:sldMkLst>
-        <pc:spChg chg="mod">
-          <ac:chgData name="Rita Isabel Spínola E Silva" userId="S::zbc283@ku.dk::ba5000cd-55e1-4b11-ab9b-9a1c49cf6f11" providerId="AD" clId="Web-{3C4F04DD-59C3-F159-768B-DBF0EFF8090C}" dt="2023-10-10T09:48:28.237" v="24" actId="20577"/>
-          <ac:spMkLst>
-            <pc:docMk/>
-            <pc:sldMk cId="1669216558" sldId="5954"/>
-            <ac:spMk id="32" creationId="{A73F6C27-6AC6-0B73-2798-FA6043795C17}"/>
-          </ac:spMkLst>
-        </pc:spChg>
-      </pc:sldChg>
-      <pc:sldChg chg="modSp">
-        <pc:chgData name="Rita Isabel Spínola E Silva" userId="S::zbc283@ku.dk::ba5000cd-55e1-4b11-ab9b-9a1c49cf6f11" providerId="AD" clId="Web-{3C4F04DD-59C3-F159-768B-DBF0EFF8090C}" dt="2023-10-10T09:46:47.173" v="15" actId="1076"/>
-        <pc:sldMkLst>
-          <pc:docMk/>
-          <pc:sldMk cId="991345357" sldId="5957"/>
-        </pc:sldMkLst>
-        <pc:spChg chg="mod">
-          <ac:chgData name="Rita Isabel Spínola E Silva" userId="S::zbc283@ku.dk::ba5000cd-55e1-4b11-ab9b-9a1c49cf6f11" providerId="AD" clId="Web-{3C4F04DD-59C3-F159-768B-DBF0EFF8090C}" dt="2023-10-10T09:46:47.173" v="15" actId="1076"/>
-          <ac:spMkLst>
-            <pc:docMk/>
-            <pc:sldMk cId="991345357" sldId="5957"/>
-            <ac:spMk id="70" creationId="{CF57BE68-5DFC-B19E-5379-D42B1D6DD4E7}"/>
-          </ac:spMkLst>
-        </pc:spChg>
-      </pc:sldChg>
-      <pc:sldChg chg="modSp">
-        <pc:chgData name="Rita Isabel Spínola E Silva" userId="S::zbc283@ku.dk::ba5000cd-55e1-4b11-ab9b-9a1c49cf6f11" providerId="AD" clId="Web-{3C4F04DD-59C3-F159-768B-DBF0EFF8090C}" dt="2023-10-10T09:36:45.755" v="13" actId="20577"/>
-        <pc:sldMkLst>
-          <pc:docMk/>
-          <pc:sldMk cId="1261164073" sldId="5965"/>
-        </pc:sldMkLst>
-        <pc:spChg chg="mod">
-          <ac:chgData name="Rita Isabel Spínola E Silva" userId="S::zbc283@ku.dk::ba5000cd-55e1-4b11-ab9b-9a1c49cf6f11" providerId="AD" clId="Web-{3C4F04DD-59C3-F159-768B-DBF0EFF8090C}" dt="2023-10-10T09:36:45.755" v="13" actId="20577"/>
-          <ac:spMkLst>
-            <pc:docMk/>
-            <pc:sldMk cId="1261164073" sldId="5965"/>
-            <ac:spMk id="8" creationId="{00000000-0000-0000-0000-000000000000}"/>
-          </ac:spMkLst>
-        </pc:spChg>
-      </pc:sldChg>
-      <pc:sldChg chg="modSp">
-        <pc:chgData name="Rita Isabel Spínola E Silva" userId="S::zbc283@ku.dk::ba5000cd-55e1-4b11-ab9b-9a1c49cf6f11" providerId="AD" clId="Web-{3C4F04DD-59C3-F159-768B-DBF0EFF8090C}" dt="2023-10-10T09:50:13.661" v="45" actId="20577"/>
-        <pc:sldMkLst>
-          <pc:docMk/>
-          <pc:sldMk cId="1804343770" sldId="5967"/>
-        </pc:sldMkLst>
-        <pc:spChg chg="mod">
-          <ac:chgData name="Rita Isabel Spínola E Silva" userId="S::zbc283@ku.dk::ba5000cd-55e1-4b11-ab9b-9a1c49cf6f11" providerId="AD" clId="Web-{3C4F04DD-59C3-F159-768B-DBF0EFF8090C}" dt="2023-10-10T09:50:13.661" v="45" actId="20577"/>
-          <ac:spMkLst>
-            <pc:docMk/>
-            <pc:sldMk cId="1804343770" sldId="5967"/>
-            <ac:spMk id="14" creationId="{0DCF739A-945C-88DF-8EE5-F63DD1281201}"/>
-          </ac:spMkLst>
-        </pc:spChg>
-      </pc:sldChg>
-      <pc:sldChg chg="modSp">
-        <pc:chgData name="Rita Isabel Spínola E Silva" userId="S::zbc283@ku.dk::ba5000cd-55e1-4b11-ab9b-9a1c49cf6f11" providerId="AD" clId="Web-{3C4F04DD-59C3-F159-768B-DBF0EFF8090C}" dt="2023-10-10T09:52:27.819" v="65" actId="20577"/>
-        <pc:sldMkLst>
-          <pc:docMk/>
-          <pc:sldMk cId="1798697129" sldId="5975"/>
-        </pc:sldMkLst>
-        <pc:spChg chg="mod">
-          <ac:chgData name="Rita Isabel Spínola E Silva" userId="S::zbc283@ku.dk::ba5000cd-55e1-4b11-ab9b-9a1c49cf6f11" providerId="AD" clId="Web-{3C4F04DD-59C3-F159-768B-DBF0EFF8090C}" dt="2023-10-10T09:51:12.521" v="52" actId="20577"/>
-          <ac:spMkLst>
-            <pc:docMk/>
-            <pc:sldMk cId="1798697129" sldId="5975"/>
-            <ac:spMk id="8" creationId="{00000000-0000-0000-0000-000000000000}"/>
-          </ac:spMkLst>
-        </pc:spChg>
-        <pc:spChg chg="mod">
-          <ac:chgData name="Rita Isabel Spínola E Silva" userId="S::zbc283@ku.dk::ba5000cd-55e1-4b11-ab9b-9a1c49cf6f11" providerId="AD" clId="Web-{3C4F04DD-59C3-F159-768B-DBF0EFF8090C}" dt="2023-10-10T09:52:27.819" v="65" actId="20577"/>
-          <ac:spMkLst>
-            <pc:docMk/>
-            <pc:sldMk cId="1798697129" sldId="5975"/>
-            <ac:spMk id="14" creationId="{0DCF739A-945C-88DF-8EE5-F63DD1281201}"/>
-          </ac:spMkLst>
-        </pc:spChg>
-      </pc:sldChg>
-      <pc:sldChg chg="modSp">
-        <pc:chgData name="Rita Isabel Spínola E Silva" userId="S::zbc283@ku.dk::ba5000cd-55e1-4b11-ab9b-9a1c49cf6f11" providerId="AD" clId="Web-{3C4F04DD-59C3-F159-768B-DBF0EFF8090C}" dt="2023-10-10T09:55:54.745" v="77" actId="20577"/>
-        <pc:sldMkLst>
-          <pc:docMk/>
-          <pc:sldMk cId="2952143303" sldId="5976"/>
-        </pc:sldMkLst>
-        <pc:spChg chg="mod">
-          <ac:chgData name="Rita Isabel Spínola E Silva" userId="S::zbc283@ku.dk::ba5000cd-55e1-4b11-ab9b-9a1c49cf6f11" providerId="AD" clId="Web-{3C4F04DD-59C3-F159-768B-DBF0EFF8090C}" dt="2023-10-10T09:55:54.745" v="77" actId="20577"/>
-          <ac:spMkLst>
-            <pc:docMk/>
-            <pc:sldMk cId="2952143303" sldId="5976"/>
-            <ac:spMk id="8" creationId="{00000000-0000-0000-0000-000000000000}"/>
-          </ac:spMkLst>
-        </pc:spChg>
-        <pc:spChg chg="mod">
-          <ac:chgData name="Rita Isabel Spínola E Silva" userId="S::zbc283@ku.dk::ba5000cd-55e1-4b11-ab9b-9a1c49cf6f11" providerId="AD" clId="Web-{3C4F04DD-59C3-F159-768B-DBF0EFF8090C}" dt="2023-10-10T09:55:28.870" v="73" actId="14100"/>
-          <ac:spMkLst>
-            <pc:docMk/>
-            <pc:sldMk cId="2952143303" sldId="5976"/>
-            <ac:spMk id="24" creationId="{FE3D4999-62D0-A413-2C3D-8DF7C5CE9300}"/>
-          </ac:spMkLst>
-        </pc:spChg>
-      </pc:sldChg>
-      <pc:sldChg chg="modSp">
-        <pc:chgData name="Rita Isabel Spínola E Silva" userId="S::zbc283@ku.dk::ba5000cd-55e1-4b11-ab9b-9a1c49cf6f11" providerId="AD" clId="Web-{3C4F04DD-59C3-F159-768B-DBF0EFF8090C}" dt="2023-10-10T09:58:08.732" v="83" actId="20577"/>
-        <pc:sldMkLst>
-          <pc:docMk/>
-          <pc:sldMk cId="697197632" sldId="5982"/>
-        </pc:sldMkLst>
-        <pc:spChg chg="mod">
-          <ac:chgData name="Rita Isabel Spínola E Silva" userId="S::zbc283@ku.dk::ba5000cd-55e1-4b11-ab9b-9a1c49cf6f11" providerId="AD" clId="Web-{3C4F04DD-59C3-F159-768B-DBF0EFF8090C}" dt="2023-10-10T09:58:08.732" v="83" actId="20577"/>
-          <ac:spMkLst>
-            <pc:docMk/>
-            <pc:sldMk cId="697197632" sldId="5982"/>
-            <ac:spMk id="8" creationId="{00000000-0000-0000-0000-000000000000}"/>
-          </ac:spMkLst>
-        </pc:spChg>
-      </pc:sldChg>
-      <pc:sldChg chg="modSp">
-        <pc:chgData name="Rita Isabel Spínola E Silva" userId="S::zbc283@ku.dk::ba5000cd-55e1-4b11-ab9b-9a1c49cf6f11" providerId="AD" clId="Web-{3C4F04DD-59C3-F159-768B-DBF0EFF8090C}" dt="2023-10-10T12:18:55.857" v="90" actId="20577"/>
-        <pc:sldMkLst>
-          <pc:docMk/>
-          <pc:sldMk cId="734308487" sldId="5983"/>
-        </pc:sldMkLst>
-        <pc:spChg chg="mod">
-          <ac:chgData name="Rita Isabel Spínola E Silva" userId="S::zbc283@ku.dk::ba5000cd-55e1-4b11-ab9b-9a1c49cf6f11" providerId="AD" clId="Web-{3C4F04DD-59C3-F159-768B-DBF0EFF8090C}" dt="2023-10-10T12:18:55.857" v="90" actId="20577"/>
-          <ac:spMkLst>
-            <pc:docMk/>
-            <pc:sldMk cId="734308487" sldId="5983"/>
-            <ac:spMk id="8" creationId="{00000000-0000-0000-0000-000000000000}"/>
-          </ac:spMkLst>
-        </pc:spChg>
-      </pc:sldChg>
-      <pc:sldChg chg="modSp">
-        <pc:chgData name="Rita Isabel Spínola E Silva" userId="S::zbc283@ku.dk::ba5000cd-55e1-4b11-ab9b-9a1c49cf6f11" providerId="AD" clId="Web-{3C4F04DD-59C3-F159-768B-DBF0EFF8090C}" dt="2023-10-10T09:53:29.852" v="69" actId="14100"/>
-        <pc:sldMkLst>
-          <pc:docMk/>
-          <pc:sldMk cId="2181528722" sldId="6017"/>
-        </pc:sldMkLst>
-        <pc:spChg chg="mod">
-          <ac:chgData name="Rita Isabel Spínola E Silva" userId="S::zbc283@ku.dk::ba5000cd-55e1-4b11-ab9b-9a1c49cf6f11" providerId="AD" clId="Web-{3C4F04DD-59C3-F159-768B-DBF0EFF8090C}" dt="2023-10-10T09:53:29.852" v="69" actId="14100"/>
-          <ac:spMkLst>
-            <pc:docMk/>
-            <pc:sldMk cId="2181528722" sldId="6017"/>
-            <ac:spMk id="11" creationId="{00000000-0000-0000-0000-000000000000}"/>
-          </ac:spMkLst>
-        </pc:spChg>
-        <pc:spChg chg="mod">
-          <ac:chgData name="Rita Isabel Spínola E Silva" userId="S::zbc283@ku.dk::ba5000cd-55e1-4b11-ab9b-9a1c49cf6f11" providerId="AD" clId="Web-{3C4F04DD-59C3-F159-768B-DBF0EFF8090C}" dt="2023-10-10T09:53:21.649" v="68" actId="20577"/>
-          <ac:spMkLst>
-            <pc:docMk/>
-            <pc:sldMk cId="2181528722" sldId="6017"/>
-            <ac:spMk id="22" creationId="{8761F81E-0EF6-6424-B05F-C285EAD80934}"/>
-          </ac:spMkLst>
-        </pc:spChg>
-      </pc:sldChg>
-      <pc:sldChg chg="modSp">
-        <pc:chgData name="Rita Isabel Spínola E Silva" userId="S::zbc283@ku.dk::ba5000cd-55e1-4b11-ab9b-9a1c49cf6f11" providerId="AD" clId="Web-{3C4F04DD-59C3-F159-768B-DBF0EFF8090C}" dt="2023-10-10T09:54:13.337" v="72" actId="20577"/>
-        <pc:sldMkLst>
-          <pc:docMk/>
-          <pc:sldMk cId="1669856012" sldId="6019"/>
-        </pc:sldMkLst>
-        <pc:spChg chg="mod">
-          <ac:chgData name="Rita Isabel Spínola E Silva" userId="S::zbc283@ku.dk::ba5000cd-55e1-4b11-ab9b-9a1c49cf6f11" providerId="AD" clId="Web-{3C4F04DD-59C3-F159-768B-DBF0EFF8090C}" dt="2023-10-10T09:54:13.337" v="72" actId="20577"/>
-          <ac:spMkLst>
-            <pc:docMk/>
-            <pc:sldMk cId="1669856012" sldId="6019"/>
-            <ac:spMk id="10" creationId="{00000000-0000-0000-0000-000000000000}"/>
-          </ac:spMkLst>
-        </pc:spChg>
-      </pc:sldChg>
-      <pc:sldChg chg="modSp">
-        <pc:chgData name="Rita Isabel Spínola E Silva" userId="S::zbc283@ku.dk::ba5000cd-55e1-4b11-ab9b-9a1c49cf6f11" providerId="AD" clId="Web-{3C4F04DD-59C3-F159-768B-DBF0EFF8090C}" dt="2023-10-10T12:19:50.968" v="97" actId="14100"/>
-        <pc:sldMkLst>
-          <pc:docMk/>
-          <pc:sldMk cId="293912351" sldId="6025"/>
-        </pc:sldMkLst>
-        <pc:spChg chg="mod">
-          <ac:chgData name="Rita Isabel Spínola E Silva" userId="S::zbc283@ku.dk::ba5000cd-55e1-4b11-ab9b-9a1c49cf6f11" providerId="AD" clId="Web-{3C4F04DD-59C3-F159-768B-DBF0EFF8090C}" dt="2023-10-10T12:19:50.968" v="97" actId="14100"/>
-          <ac:spMkLst>
-            <pc:docMk/>
-            <pc:sldMk cId="293912351" sldId="6025"/>
-            <ac:spMk id="33" creationId="{D22CB690-2E8A-89D3-C035-497D64F11EAC}"/>
-          </ac:spMkLst>
-        </pc:spChg>
-        <pc:spChg chg="mod">
-          <ac:chgData name="Rita Isabel Spínola E Silva" userId="S::zbc283@ku.dk::ba5000cd-55e1-4b11-ab9b-9a1c49cf6f11" providerId="AD" clId="Web-{3C4F04DD-59C3-F159-768B-DBF0EFF8090C}" dt="2023-10-10T12:19:35.030" v="96" actId="20577"/>
-          <ac:spMkLst>
-            <pc:docMk/>
-            <pc:sldMk cId="293912351" sldId="6025"/>
-            <ac:spMk id="47" creationId="{40CD1FD2-2CDF-5B97-A005-2F04FA2764FC}"/>
-          </ac:spMkLst>
-        </pc:spChg>
-      </pc:sldChg>
-      <pc:sldChg chg="modSp">
-        <pc:chgData name="Rita Isabel Spínola E Silva" userId="S::zbc283@ku.dk::ba5000cd-55e1-4b11-ab9b-9a1c49cf6f11" providerId="AD" clId="Web-{3C4F04DD-59C3-F159-768B-DBF0EFF8090C}" dt="2023-10-10T12:22:23.850" v="119" actId="20577"/>
-        <pc:sldMkLst>
-          <pc:docMk/>
-          <pc:sldMk cId="2868738024" sldId="6026"/>
-        </pc:sldMkLst>
-        <pc:spChg chg="mod">
-          <ac:chgData name="Rita Isabel Spínola E Silva" userId="S::zbc283@ku.dk::ba5000cd-55e1-4b11-ab9b-9a1c49cf6f11" providerId="AD" clId="Web-{3C4F04DD-59C3-F159-768B-DBF0EFF8090C}" dt="2023-10-10T12:22:23.850" v="119" actId="20577"/>
-          <ac:spMkLst>
-            <pc:docMk/>
-            <pc:sldMk cId="2868738024" sldId="6026"/>
-            <ac:spMk id="2" creationId="{F5FC4DD1-F21C-4C38-9C4F-5F86D04CF90F}"/>
-          </ac:spMkLst>
-        </pc:spChg>
-      </pc:sldChg>
-    </pc:docChg>
-  </pc:docChgLst>
-  <pc:docChgLst>
-    <pc:chgData name="Thilde Bagger Terkelsen" userId="S::kgx936@ku.dk::eece9da5-2d05-4270-8484-0664b55ddcfa" providerId="AD" clId="Web-{8F519C14-1043-9EBB-BF21-57DCD9AEE44D}"/>
-    <pc:docChg chg="delSld">
-      <pc:chgData name="Thilde Bagger Terkelsen" userId="S::kgx936@ku.dk::eece9da5-2d05-4270-8484-0664b55ddcfa" providerId="AD" clId="Web-{8F519C14-1043-9EBB-BF21-57DCD9AEE44D}" dt="2023-10-11T12:08:10.861" v="2"/>
-      <pc:docMkLst>
-        <pc:docMk/>
-      </pc:docMkLst>
-      <pc:sldChg chg="del">
-        <pc:chgData name="Thilde Bagger Terkelsen" userId="S::kgx936@ku.dk::eece9da5-2d05-4270-8484-0664b55ddcfa" providerId="AD" clId="Web-{8F519C14-1043-9EBB-BF21-57DCD9AEE44D}" dt="2023-10-11T12:08:10.861" v="2"/>
-        <pc:sldMkLst>
-          <pc:docMk/>
-          <pc:sldMk cId="4092236278" sldId="5962"/>
-        </pc:sldMkLst>
-      </pc:sldChg>
-      <pc:sldChg chg="del">
-        <pc:chgData name="Thilde Bagger Terkelsen" userId="S::kgx936@ku.dk::eece9da5-2d05-4270-8484-0664b55ddcfa" providerId="AD" clId="Web-{8F519C14-1043-9EBB-BF21-57DCD9AEE44D}" dt="2023-10-11T12:07:57.611" v="0"/>
-        <pc:sldMkLst>
-          <pc:docMk/>
-          <pc:sldMk cId="2063158017" sldId="5978"/>
-        </pc:sldMkLst>
-      </pc:sldChg>
-      <pc:sldChg chg="del">
-        <pc:chgData name="Thilde Bagger Terkelsen" userId="S::kgx936@ku.dk::eece9da5-2d05-4270-8484-0664b55ddcfa" providerId="AD" clId="Web-{8F519C14-1043-9EBB-BF21-57DCD9AEE44D}" dt="2023-10-11T12:08:00.767" v="1"/>
-        <pc:sldMkLst>
-          <pc:docMk/>
-          <pc:sldMk cId="4223374449" sldId="5979"/>
-        </pc:sldMkLst>
-      </pc:sldChg>
-    </pc:docChg>
-  </pc:docChgLst>
-</pc:chgInfo>
-</file>
-
 <file path=ppt/notesMasters/notesMaster1.xml><?xml version="1.0" encoding="utf-8"?>
 <p:notesMaster xmlns:a="http://schemas.openxmlformats.org/drawingml/2006/main" xmlns:r="http://schemas.openxmlformats.org/officeDocument/2006/relationships" xmlns:p="http://schemas.openxmlformats.org/presentationml/2006/main">
   <p:cSld>
@@ -574,7 +290,7 @@
           <a:p>
             <a:fld id="{B7268E1E-0E44-426D-905E-8AD9B19D2182}" type="datetimeFigureOut">
               <a:rPr lang="cs-CZ" smtClean="0"/>
-              <a:t>19.10.2023</a:t>
+              <a:t>02.11.2023</a:t>
             </a:fld>
             <a:endParaRPr lang="cs-CZ"/>
           </a:p>
@@ -3033,7 +2749,210 @@
           <a:bodyPr/>
           <a:lstStyle/>
           <a:p>
-            <a:endParaRPr lang="en-GB" dirty="0"/>
+            <a:pPr>
+              <a:lnSpc>
+                <a:spcPts val="4480"/>
+              </a:lnSpc>
+            </a:pPr>
+            <a:endParaRPr lang="en-US" sz="1200" dirty="0">
+              <a:solidFill>
+                <a:srgbClr val="404040"/>
+              </a:solidFill>
+              <a:latin typeface="Now"/>
+            </a:endParaRPr>
+          </a:p>
+          <a:p>
+            <a:pPr>
+              <a:lnSpc>
+                <a:spcPts val="4480"/>
+              </a:lnSpc>
+            </a:pPr>
+            <a:r>
+              <a:rPr lang="en-US" sz="1200" dirty="0">
+                <a:solidFill>
+                  <a:srgbClr val="404040"/>
+                </a:solidFill>
+                <a:latin typeface="Now"/>
+              </a:rPr>
+              <a:t>In fact, PCA plots are often the bearer of bad news before you have even started your analysis. Consider the following scenarios:</a:t>
+            </a:r>
+          </a:p>
+          <a:p>
+            <a:pPr marL="0" marR="0" lvl="0" indent="0" algn="l" defTabSz="914400" rtl="0" eaLnBrk="1" fontAlgn="auto" latinLnBrk="0" hangingPunct="1">
+              <a:lnSpc>
+                <a:spcPts val="4480"/>
+              </a:lnSpc>
+              <a:spcBef>
+                <a:spcPts val="0"/>
+              </a:spcBef>
+              <a:spcAft>
+                <a:spcPts val="0"/>
+              </a:spcAft>
+              <a:buClrTx/>
+              <a:buSzTx/>
+              <a:buFontTx/>
+              <a:buNone/>
+              <a:tabLst/>
+              <a:defRPr/>
+            </a:pPr>
+            <a:endParaRPr lang="en-US" sz="1200" dirty="0">
+              <a:solidFill>
+                <a:srgbClr val="404040"/>
+              </a:solidFill>
+              <a:latin typeface="Montserrat" pitchFamily="2" charset="77"/>
+            </a:endParaRPr>
+          </a:p>
+          <a:p>
+            <a:pPr marL="0" marR="0" lvl="0" indent="0" algn="l" defTabSz="914400" rtl="0" eaLnBrk="1" fontAlgn="auto" latinLnBrk="0" hangingPunct="1">
+              <a:lnSpc>
+                <a:spcPts val="4480"/>
+              </a:lnSpc>
+              <a:spcBef>
+                <a:spcPts val="0"/>
+              </a:spcBef>
+              <a:spcAft>
+                <a:spcPts val="0"/>
+              </a:spcAft>
+              <a:buClrTx/>
+              <a:buSzTx/>
+              <a:buFontTx/>
+              <a:buNone/>
+              <a:tabLst/>
+              <a:defRPr/>
+            </a:pPr>
+            <a:r>
+              <a:rPr lang="en-US" sz="1200" b="1" dirty="0">
+                <a:solidFill>
+                  <a:srgbClr val="404040"/>
+                </a:solidFill>
+                <a:latin typeface="Montserrat" pitchFamily="2" charset="77"/>
+              </a:rPr>
+              <a:t>Unreasonable values: </a:t>
+            </a:r>
+            <a:r>
+              <a:rPr lang="en-US" sz="1200" dirty="0">
+                <a:solidFill>
+                  <a:srgbClr val="404040"/>
+                </a:solidFill>
+                <a:latin typeface="Montserrat" pitchFamily="2" charset="77"/>
+              </a:rPr>
+              <a:t>Do you have i.e. patients with a negative age, an age over 100 or a pulse of 20? </a:t>
+            </a:r>
+          </a:p>
+          <a:p>
+            <a:pPr marL="0" marR="0" lvl="0" indent="0" algn="l" defTabSz="914400" rtl="0" eaLnBrk="1" fontAlgn="auto" latinLnBrk="0" hangingPunct="1">
+              <a:lnSpc>
+                <a:spcPts val="4480"/>
+              </a:lnSpc>
+              <a:spcBef>
+                <a:spcPts val="0"/>
+              </a:spcBef>
+              <a:spcAft>
+                <a:spcPts val="0"/>
+              </a:spcAft>
+              <a:buClrTx/>
+              <a:buSzTx/>
+              <a:buFontTx/>
+              <a:buNone/>
+              <a:tabLst/>
+              <a:defRPr/>
+            </a:pPr>
+            <a:endParaRPr lang="en-US" sz="1200" dirty="0">
+              <a:solidFill>
+                <a:srgbClr val="404040"/>
+              </a:solidFill>
+              <a:latin typeface="Montserrat" pitchFamily="2" charset="77"/>
+            </a:endParaRPr>
+          </a:p>
+          <a:p>
+            <a:pPr marL="0" marR="0" lvl="0" indent="0" algn="l" defTabSz="914400" rtl="0" eaLnBrk="1" fontAlgn="auto" latinLnBrk="0" hangingPunct="1">
+              <a:lnSpc>
+                <a:spcPts val="4480"/>
+              </a:lnSpc>
+              <a:spcBef>
+                <a:spcPts val="0"/>
+              </a:spcBef>
+              <a:spcAft>
+                <a:spcPts val="0"/>
+              </a:spcAft>
+              <a:buClrTx/>
+              <a:buSzTx/>
+              <a:buFontTx/>
+              <a:buNone/>
+              <a:tabLst/>
+              <a:defRPr/>
+            </a:pPr>
+            <a:r>
+              <a:rPr lang="en-US" sz="1200" b="1" dirty="0">
+                <a:solidFill>
+                  <a:srgbClr val="404040"/>
+                </a:solidFill>
+                <a:latin typeface="Montserrat" pitchFamily="2" charset="77"/>
+              </a:rPr>
+              <a:t>Unreasonable combinations: </a:t>
+            </a:r>
+            <a:r>
+              <a:rPr lang="en-US" sz="1200" dirty="0">
+                <a:solidFill>
+                  <a:srgbClr val="404040"/>
+                </a:solidFill>
+                <a:latin typeface="Montserrat" pitchFamily="2" charset="77"/>
+              </a:rPr>
+              <a:t>children who are also former smokers (this is a real example from a heart disease dataset).</a:t>
+            </a:r>
+          </a:p>
+          <a:p>
+            <a:pPr marL="457200" indent="-457200">
+              <a:lnSpc>
+                <a:spcPts val="4480"/>
+              </a:lnSpc>
+              <a:buFont typeface="Arial" panose="020B0604020202020204" pitchFamily="34" charset="0"/>
+              <a:buChar char="•"/>
+            </a:pPr>
+            <a:endParaRPr lang="en-US" sz="1200" dirty="0">
+              <a:solidFill>
+                <a:srgbClr val="404040"/>
+              </a:solidFill>
+              <a:latin typeface="Montserrat" pitchFamily="2" charset="77"/>
+            </a:endParaRPr>
+          </a:p>
+          <a:p>
+            <a:pPr marL="0" marR="0" lvl="0" indent="0" algn="l" defTabSz="914400" rtl="0" eaLnBrk="1" fontAlgn="auto" latinLnBrk="0" hangingPunct="1">
+              <a:lnSpc>
+                <a:spcPts val="4480"/>
+              </a:lnSpc>
+              <a:spcBef>
+                <a:spcPts val="0"/>
+              </a:spcBef>
+              <a:spcAft>
+                <a:spcPts val="0"/>
+              </a:spcAft>
+              <a:buClrTx/>
+              <a:buSzTx/>
+              <a:buFontTx/>
+              <a:buNone/>
+              <a:tabLst/>
+              <a:defRPr/>
+            </a:pPr>
+            <a:endParaRPr lang="en-US" sz="1200" dirty="0">
+              <a:solidFill>
+                <a:srgbClr val="404040"/>
+              </a:solidFill>
+              <a:latin typeface="Montserrat" pitchFamily="2" charset="77"/>
+            </a:endParaRPr>
+          </a:p>
+          <a:p>
+            <a:pPr>
+              <a:lnSpc>
+                <a:spcPts val="4480"/>
+              </a:lnSpc>
+            </a:pPr>
+            <a:endParaRPr lang="en-US" sz="1200" dirty="0">
+              <a:solidFill>
+                <a:srgbClr val="404040"/>
+              </a:solidFill>
+              <a:latin typeface="Now"/>
+            </a:endParaRPr>
           </a:p>
         </p:txBody>
       </p:sp>
@@ -3063,7 +2982,7 @@
     </p:spTree>
     <p:extLst>
       <p:ext uri="{BB962C8B-B14F-4D97-AF65-F5344CB8AC3E}">
-        <p14:creationId xmlns:p14="http://schemas.microsoft.com/office/powerpoint/2010/main" val="2008314851"/>
+        <p14:creationId xmlns:p14="http://schemas.microsoft.com/office/powerpoint/2010/main" val="2990494641"/>
       </p:ext>
     </p:extLst>
   </p:cSld>
@@ -3122,6 +3041,86 @@
           <a:bodyPr/>
           <a:lstStyle/>
           <a:p>
+            <a:pPr>
+              <a:lnSpc>
+                <a:spcPts val="4480"/>
+              </a:lnSpc>
+            </a:pPr>
+            <a:endParaRPr lang="en-US" sz="1200" dirty="0">
+              <a:solidFill>
+                <a:srgbClr val="404040"/>
+              </a:solidFill>
+              <a:latin typeface="Now"/>
+            </a:endParaRPr>
+          </a:p>
+          <a:p>
+            <a:pPr>
+              <a:lnSpc>
+                <a:spcPts val="4480"/>
+              </a:lnSpc>
+            </a:pPr>
+            <a:r>
+              <a:rPr lang="en-US" sz="1200" dirty="0">
+                <a:solidFill>
+                  <a:srgbClr val="404040"/>
+                </a:solidFill>
+                <a:latin typeface="Now"/>
+              </a:rPr>
+              <a:t>In fact, PCA plots are often the bearer of bad news before you have even started your analysis. Consider the following scenarios:</a:t>
+            </a:r>
+          </a:p>
+          <a:p>
+            <a:pPr marL="0" marR="0" lvl="0" indent="0" algn="l" defTabSz="914400" rtl="0" eaLnBrk="1" fontAlgn="auto" latinLnBrk="0" hangingPunct="1">
+              <a:lnSpc>
+                <a:spcPts val="4480"/>
+              </a:lnSpc>
+              <a:spcBef>
+                <a:spcPts val="0"/>
+              </a:spcBef>
+              <a:spcAft>
+                <a:spcPts val="0"/>
+              </a:spcAft>
+              <a:buClrTx/>
+              <a:buSzTx/>
+              <a:buFontTx/>
+              <a:buNone/>
+              <a:tabLst/>
+              <a:defRPr/>
+            </a:pPr>
+            <a:endParaRPr lang="en-US" sz="1200" dirty="0">
+              <a:solidFill>
+                <a:srgbClr val="404040"/>
+              </a:solidFill>
+              <a:latin typeface="Montserrat" pitchFamily="2" charset="77"/>
+            </a:endParaRPr>
+          </a:p>
+          <a:p>
+            <a:pPr marL="0" marR="0" lvl="0" indent="0" algn="l" defTabSz="914400" rtl="0" eaLnBrk="1" fontAlgn="auto" latinLnBrk="0" hangingPunct="1">
+              <a:lnSpc>
+                <a:spcPts val="4480"/>
+              </a:lnSpc>
+              <a:spcBef>
+                <a:spcPts val="0"/>
+              </a:spcBef>
+              <a:spcAft>
+                <a:spcPts val="0"/>
+              </a:spcAft>
+              <a:buClrTx/>
+              <a:buSzTx/>
+              <a:buFontTx/>
+              <a:buNone/>
+              <a:tabLst/>
+              <a:defRPr/>
+            </a:pPr>
+            <a:r>
+              <a:rPr lang="en-US" sz="1200" b="1" dirty="0">
+                <a:solidFill>
+                  <a:srgbClr val="404040"/>
+                </a:solidFill>
+                <a:latin typeface="Montserrat" pitchFamily="2" charset="77"/>
+              </a:rPr>
+              <a:t>Unreasonable values: </a:t>
+            </a:r>
             <a:r>
               <a:rPr lang="en-US" sz="1200" dirty="0">
                 <a:solidFill>
@@ -3129,9 +3128,123 @@
                 </a:solidFill>
                 <a:latin typeface="Montserrat" pitchFamily="2" charset="77"/>
               </a:rPr>
-              <a:t>Patterns are high dimensional, hierarchical, several variables</a:t>
-            </a:r>
-            <a:endParaRPr lang="en-GB" dirty="0"/>
+              <a:t>Do you have i.e. patients with a negative age, an age over 100 or a pulse of 20? </a:t>
+            </a:r>
+          </a:p>
+          <a:p>
+            <a:pPr marL="0" marR="0" lvl="0" indent="0" algn="l" defTabSz="914400" rtl="0" eaLnBrk="1" fontAlgn="auto" latinLnBrk="0" hangingPunct="1">
+              <a:lnSpc>
+                <a:spcPts val="4480"/>
+              </a:lnSpc>
+              <a:spcBef>
+                <a:spcPts val="0"/>
+              </a:spcBef>
+              <a:spcAft>
+                <a:spcPts val="0"/>
+              </a:spcAft>
+              <a:buClrTx/>
+              <a:buSzTx/>
+              <a:buFontTx/>
+              <a:buNone/>
+              <a:tabLst/>
+              <a:defRPr/>
+            </a:pPr>
+            <a:endParaRPr lang="en-US" sz="1200" dirty="0">
+              <a:solidFill>
+                <a:srgbClr val="404040"/>
+              </a:solidFill>
+              <a:latin typeface="Montserrat" pitchFamily="2" charset="77"/>
+            </a:endParaRPr>
+          </a:p>
+          <a:p>
+            <a:pPr marL="0" marR="0" lvl="0" indent="0" algn="l" defTabSz="914400" rtl="0" eaLnBrk="1" fontAlgn="auto" latinLnBrk="0" hangingPunct="1">
+              <a:lnSpc>
+                <a:spcPts val="4480"/>
+              </a:lnSpc>
+              <a:spcBef>
+                <a:spcPts val="0"/>
+              </a:spcBef>
+              <a:spcAft>
+                <a:spcPts val="0"/>
+              </a:spcAft>
+              <a:buClrTx/>
+              <a:buSzTx/>
+              <a:buFontTx/>
+              <a:buNone/>
+              <a:tabLst/>
+              <a:defRPr/>
+            </a:pPr>
+            <a:r>
+              <a:rPr lang="en-US" sz="1200" b="1" dirty="0">
+                <a:solidFill>
+                  <a:srgbClr val="404040"/>
+                </a:solidFill>
+                <a:latin typeface="Montserrat" pitchFamily="2" charset="77"/>
+              </a:rPr>
+              <a:t>Unreasonable combinations: </a:t>
+            </a:r>
+            <a:r>
+              <a:rPr lang="en-US" sz="1200" dirty="0">
+                <a:solidFill>
+                  <a:srgbClr val="404040"/>
+                </a:solidFill>
+                <a:latin typeface="Montserrat" pitchFamily="2" charset="77"/>
+              </a:rPr>
+              <a:t>children who are also former smokers (this is a real example from a heart disease dataset).</a:t>
+            </a:r>
+          </a:p>
+          <a:p>
+            <a:pPr marL="457200" indent="-457200">
+              <a:lnSpc>
+                <a:spcPts val="4480"/>
+              </a:lnSpc>
+              <a:buFont typeface="Arial" panose="020B0604020202020204" pitchFamily="34" charset="0"/>
+              <a:buChar char="•"/>
+            </a:pPr>
+            <a:endParaRPr lang="en-US" sz="1200" dirty="0">
+              <a:solidFill>
+                <a:srgbClr val="404040"/>
+              </a:solidFill>
+              <a:latin typeface="Montserrat" pitchFamily="2" charset="77"/>
+            </a:endParaRPr>
+          </a:p>
+          <a:p>
+            <a:pPr marL="0" marR="0" lvl="0" indent="0" algn="l" defTabSz="914400" rtl="0" eaLnBrk="1" fontAlgn="auto" latinLnBrk="0" hangingPunct="1">
+              <a:lnSpc>
+                <a:spcPts val="4480"/>
+              </a:lnSpc>
+              <a:spcBef>
+                <a:spcPts val="0"/>
+              </a:spcBef>
+              <a:spcAft>
+                <a:spcPts val="0"/>
+              </a:spcAft>
+              <a:buClrTx/>
+              <a:buSzTx/>
+              <a:buFontTx/>
+              <a:buNone/>
+              <a:tabLst/>
+              <a:defRPr/>
+            </a:pPr>
+            <a:endParaRPr lang="en-US" sz="1200" dirty="0">
+              <a:solidFill>
+                <a:srgbClr val="404040"/>
+              </a:solidFill>
+              <a:latin typeface="Montserrat" pitchFamily="2" charset="77"/>
+            </a:endParaRPr>
+          </a:p>
+          <a:p>
+            <a:pPr>
+              <a:lnSpc>
+                <a:spcPts val="4480"/>
+              </a:lnSpc>
+            </a:pPr>
+            <a:endParaRPr lang="en-US" sz="1200" dirty="0">
+              <a:solidFill>
+                <a:srgbClr val="404040"/>
+              </a:solidFill>
+              <a:latin typeface="Now"/>
+            </a:endParaRPr>
           </a:p>
         </p:txBody>
       </p:sp>
@@ -3161,7 +3274,7 @@
     </p:spTree>
     <p:extLst>
       <p:ext uri="{BB962C8B-B14F-4D97-AF65-F5344CB8AC3E}">
-        <p14:creationId xmlns:p14="http://schemas.microsoft.com/office/powerpoint/2010/main" val="2595537372"/>
+        <p14:creationId xmlns:p14="http://schemas.microsoft.com/office/powerpoint/2010/main" val="879536479"/>
       </p:ext>
     </p:extLst>
   </p:cSld>
@@ -3220,278 +3333,6 @@
           <a:bodyPr/>
           <a:lstStyle/>
           <a:p>
-            <a:r>
-              <a:rPr lang="en-US" dirty="0"/>
-              <a:t>Need to check both your own data and data you find somewhere else (</a:t>
-            </a:r>
-            <a:r>
-              <a:rPr lang="en-US" dirty="0" err="1"/>
-              <a:t>repositories,ect</a:t>
-            </a:r>
-            <a:r>
-              <a:rPr lang="en-US" dirty="0"/>
-              <a:t>)</a:t>
-            </a:r>
-          </a:p>
-          <a:p>
-            <a:endParaRPr lang="en-US" dirty="0"/>
-          </a:p>
-          <a:p>
-            <a:r>
-              <a:rPr lang="en-US" dirty="0"/>
-              <a:t>It’s important to find good data</a:t>
-            </a:r>
-          </a:p>
-          <a:p>
-            <a:endParaRPr lang="en-US" dirty="0"/>
-          </a:p>
-          <a:p>
-            <a:r>
-              <a:rPr lang="en-US" dirty="0"/>
-              <a:t>Examples of ‘bad’ stuff: </a:t>
-            </a:r>
-          </a:p>
-          <a:p>
-            <a:r>
-              <a:rPr lang="en-US" dirty="0"/>
-              <a:t>Linear regression on 3 data points</a:t>
-            </a:r>
-          </a:p>
-          <a:p>
-            <a:r>
-              <a:rPr lang="en-US" dirty="0"/>
-              <a:t>T-test on 5 data points</a:t>
-            </a:r>
-          </a:p>
-          <a:p>
-            <a:endParaRPr lang="en-US" dirty="0"/>
-          </a:p>
-          <a:p>
-            <a:r>
-              <a:rPr lang="en-US" dirty="0"/>
-              <a:t>Confirm that data is suitable for planned analysis</a:t>
-            </a:r>
-          </a:p>
-          <a:p>
-            <a:r>
-              <a:rPr lang="en-US" dirty="0"/>
-              <a:t>Or</a:t>
-            </a:r>
-          </a:p>
-          <a:p>
-            <a:r>
-              <a:rPr lang="en-US" dirty="0"/>
-              <a:t>Help with idea generation(patterns, relationships between variables) </a:t>
-            </a:r>
-          </a:p>
-          <a:p>
-            <a:endParaRPr lang="en-GB" dirty="0"/>
-          </a:p>
-          <a:p>
-            <a:r>
-              <a:rPr lang="en-GB" dirty="0"/>
-              <a:t>Establish whether:</a:t>
-            </a:r>
-          </a:p>
-          <a:p>
-            <a:pPr marL="171450" indent="-171450">
-              <a:buFontTx/>
-              <a:buChar char="-"/>
-            </a:pPr>
-            <a:r>
-              <a:rPr lang="en-GB" dirty="0"/>
-              <a:t>Data looks as expected</a:t>
-            </a:r>
-          </a:p>
-          <a:p>
-            <a:pPr marL="171450" indent="-171450">
-              <a:buFontTx/>
-              <a:buChar char="-"/>
-            </a:pPr>
-            <a:r>
-              <a:rPr lang="en-AU" noProof="0" dirty="0"/>
-              <a:t>identify</a:t>
-            </a:r>
-            <a:r>
-              <a:rPr lang="da-DK" dirty="0"/>
-              <a:t> </a:t>
-            </a:r>
-            <a:r>
-              <a:rPr lang="en-US" noProof="0" dirty="0"/>
-              <a:t>obvious</a:t>
-            </a:r>
-            <a:r>
-              <a:rPr lang="da-DK" dirty="0"/>
-              <a:t> </a:t>
-            </a:r>
-            <a:r>
-              <a:rPr lang="en-US" noProof="0" dirty="0"/>
-              <a:t>errors</a:t>
-            </a:r>
-            <a:r>
-              <a:rPr lang="da-DK" dirty="0"/>
-              <a:t>: </a:t>
-            </a:r>
-            <a:r>
-              <a:rPr lang="en-US" noProof="0" dirty="0"/>
-              <a:t>outliers</a:t>
-            </a:r>
-            <a:r>
-              <a:rPr lang="da-DK" dirty="0"/>
-              <a:t>, label </a:t>
-            </a:r>
-            <a:r>
-              <a:rPr lang="en-US" noProof="0" dirty="0"/>
-              <a:t>swaps</a:t>
-            </a:r>
-            <a:r>
-              <a:rPr lang="da-DK" dirty="0"/>
-              <a:t> </a:t>
-            </a:r>
-            <a:r>
-              <a:rPr lang="en-GB" dirty="0"/>
-              <a:t> </a:t>
-            </a:r>
-          </a:p>
-          <a:p>
-            <a:pPr marL="171450" indent="-171450">
-              <a:buFontTx/>
-              <a:buChar char="-"/>
-            </a:pPr>
-            <a:r>
-              <a:rPr lang="en-GB" dirty="0"/>
-              <a:t>Something needs to be corrected</a:t>
-            </a:r>
-          </a:p>
-          <a:p>
-            <a:pPr marL="171450" indent="-171450">
-              <a:buFontTx/>
-              <a:buChar char="-"/>
-            </a:pPr>
-            <a:r>
-              <a:rPr lang="en-GB" dirty="0"/>
-              <a:t>Preparation method</a:t>
-            </a:r>
-          </a:p>
-          <a:p>
-            <a:pPr marL="171450" indent="-171450">
-              <a:buFontTx/>
-              <a:buChar char="-"/>
-            </a:pPr>
-            <a:r>
-              <a:rPr lang="en-GB" dirty="0"/>
-              <a:t>(normalization is needed?)</a:t>
-            </a:r>
-          </a:p>
-          <a:p>
-            <a:pPr marL="171450" marR="0" lvl="0" indent="-171450" algn="l" defTabSz="914400" rtl="0" eaLnBrk="1" fontAlgn="auto" latinLnBrk="0" hangingPunct="1">
-              <a:lnSpc>
-                <a:spcPct val="100000"/>
-              </a:lnSpc>
-              <a:spcBef>
-                <a:spcPts val="0"/>
-              </a:spcBef>
-              <a:spcAft>
-                <a:spcPts val="0"/>
-              </a:spcAft>
-              <a:buClrTx/>
-              <a:buSzTx/>
-              <a:buFontTx/>
-              <a:buChar char="-"/>
-              <a:tabLst/>
-              <a:defRPr/>
-            </a:pPr>
-            <a:r>
-              <a:rPr lang="en-US" sz="1200" dirty="0">
-                <a:solidFill>
-                  <a:srgbClr val="404040"/>
-                </a:solidFill>
-                <a:latin typeface="Now"/>
-              </a:rPr>
-              <a:t>Are there patterns between variables?</a:t>
-            </a:r>
-          </a:p>
-          <a:p>
-            <a:pPr marL="171450" indent="-171450">
-              <a:buFontTx/>
-              <a:buChar char="-"/>
-            </a:pPr>
-            <a:r>
-              <a:rPr lang="en-GB" dirty="0"/>
-              <a:t>What is the relationship between variables</a:t>
-            </a:r>
-          </a:p>
-          <a:p>
-            <a:pPr marL="171450" indent="-171450">
-              <a:buFontTx/>
-              <a:buChar char="-"/>
-            </a:pPr>
-            <a:r>
-              <a:rPr lang="en-US" sz="1200" dirty="0">
-                <a:solidFill>
-                  <a:srgbClr val="404040"/>
-                </a:solidFill>
-                <a:latin typeface="Now"/>
-              </a:rPr>
-              <a:t>How do we need to prepare the data for analysis?</a:t>
-            </a:r>
-          </a:p>
-          <a:p>
-            <a:pPr marL="171450" indent="-171450">
-              <a:buFontTx/>
-              <a:buChar char="-"/>
-            </a:pPr>
-            <a:r>
-              <a:rPr lang="en-US" sz="1200" dirty="0">
-                <a:solidFill>
-                  <a:srgbClr val="404040"/>
-                </a:solidFill>
-                <a:latin typeface="Now"/>
-              </a:rPr>
-              <a:t>What kind of analysis can we do?</a:t>
-            </a:r>
-          </a:p>
-          <a:p>
-            <a:pPr marL="171450" indent="-171450">
-              <a:buFontTx/>
-              <a:buChar char="-"/>
-            </a:pPr>
-            <a:endParaRPr lang="en-GB" dirty="0"/>
-          </a:p>
-          <a:p>
-            <a:pPr marL="171450" indent="-171450">
-              <a:buFontTx/>
-              <a:buChar char="-"/>
-            </a:pPr>
-            <a:r>
-              <a:rPr lang="en-GB" dirty="0"/>
-              <a:t> </a:t>
-            </a:r>
-          </a:p>
-          <a:p>
-            <a:pPr marL="171450" indent="-171450">
-              <a:buFontTx/>
-              <a:buChar char="-"/>
-            </a:pPr>
-            <a:endParaRPr lang="en-GB" dirty="0"/>
-          </a:p>
-          <a:p>
-            <a:endParaRPr lang="en-GB" dirty="0"/>
-          </a:p>
-          <a:p>
-            <a:r>
-              <a:rPr lang="en-GB" dirty="0"/>
-              <a:t>https://www.ibm.com/topics/exploratory-data-analysis</a:t>
-            </a:r>
-          </a:p>
-          <a:p>
-            <a:r>
-              <a:rPr lang="en-US" dirty="0"/>
-              <a:t>Originally developed by American mathematician John Tukey in the 1970s, EDA techniques continue to be a widely used method in the data discovery process today.</a:t>
-            </a:r>
-            <a:endParaRPr lang="en-GB" dirty="0"/>
-          </a:p>
-          <a:p>
             <a:endParaRPr lang="en-GB" dirty="0"/>
           </a:p>
         </p:txBody>
@@ -3522,7 +3363,7 @@
     </p:spTree>
     <p:extLst>
       <p:ext uri="{BB962C8B-B14F-4D97-AF65-F5344CB8AC3E}">
-        <p14:creationId xmlns:p14="http://schemas.microsoft.com/office/powerpoint/2010/main" val="510103211"/>
+        <p14:creationId xmlns:p14="http://schemas.microsoft.com/office/powerpoint/2010/main" val="2008314851"/>
       </p:ext>
     </p:extLst>
   </p:cSld>
@@ -3582,277 +3423,14 @@
           <a:lstStyle/>
           <a:p>
             <a:r>
-              <a:rPr lang="en-US" dirty="0"/>
-              <a:t>Need to check both your own data and data you find somewhere else (</a:t>
-            </a:r>
-            <a:r>
-              <a:rPr lang="en-US" dirty="0" err="1"/>
-              <a:t>repositories,ect</a:t>
-            </a:r>
-            <a:r>
-              <a:rPr lang="en-US" dirty="0"/>
-              <a:t>)</a:t>
-            </a:r>
-          </a:p>
-          <a:p>
-            <a:endParaRPr lang="en-US" dirty="0"/>
-          </a:p>
-          <a:p>
-            <a:r>
-              <a:rPr lang="en-US" dirty="0"/>
-              <a:t>It’s important to find good data</a:t>
-            </a:r>
-          </a:p>
-          <a:p>
-            <a:endParaRPr lang="en-US" dirty="0"/>
-          </a:p>
-          <a:p>
-            <a:r>
-              <a:rPr lang="en-US" dirty="0"/>
-              <a:t>Examples of ‘bad’ stuff: </a:t>
-            </a:r>
-          </a:p>
-          <a:p>
-            <a:r>
-              <a:rPr lang="en-US" dirty="0"/>
-              <a:t>Linear regression on 3 data points</a:t>
-            </a:r>
-          </a:p>
-          <a:p>
-            <a:r>
-              <a:rPr lang="en-US" dirty="0"/>
-              <a:t>T-test on 5 data points</a:t>
-            </a:r>
-          </a:p>
-          <a:p>
-            <a:endParaRPr lang="en-US" dirty="0"/>
-          </a:p>
-          <a:p>
-            <a:r>
-              <a:rPr lang="en-US" dirty="0"/>
-              <a:t>Confirm that data is suitable for planned analysis</a:t>
-            </a:r>
-          </a:p>
-          <a:p>
-            <a:r>
-              <a:rPr lang="en-US" dirty="0"/>
-              <a:t>Or</a:t>
-            </a:r>
-          </a:p>
-          <a:p>
-            <a:r>
-              <a:rPr lang="en-US" dirty="0"/>
-              <a:t>Help with idea generation(patterns, relationships between variables) </a:t>
-            </a:r>
-          </a:p>
-          <a:p>
-            <a:endParaRPr lang="en-GB" dirty="0"/>
-          </a:p>
-          <a:p>
-            <a:r>
-              <a:rPr lang="en-GB" dirty="0"/>
-              <a:t>Establish whether:</a:t>
-            </a:r>
-          </a:p>
-          <a:p>
-            <a:pPr marL="171450" indent="-171450">
-              <a:buFontTx/>
-              <a:buChar char="-"/>
-            </a:pPr>
-            <a:r>
-              <a:rPr lang="en-GB" dirty="0"/>
-              <a:t>Data looks as expected</a:t>
-            </a:r>
-          </a:p>
-          <a:p>
-            <a:pPr marL="171450" indent="-171450">
-              <a:buFontTx/>
-              <a:buChar char="-"/>
-            </a:pPr>
-            <a:r>
-              <a:rPr lang="en-AU" noProof="0" dirty="0"/>
-              <a:t>identify</a:t>
-            </a:r>
-            <a:r>
-              <a:rPr lang="da-DK" dirty="0"/>
-              <a:t> </a:t>
-            </a:r>
-            <a:r>
-              <a:rPr lang="en-US" noProof="0" dirty="0"/>
-              <a:t>obvious</a:t>
-            </a:r>
-            <a:r>
-              <a:rPr lang="da-DK" dirty="0"/>
-              <a:t> </a:t>
-            </a:r>
-            <a:r>
-              <a:rPr lang="en-US" noProof="0" dirty="0"/>
-              <a:t>errors</a:t>
-            </a:r>
-            <a:r>
-              <a:rPr lang="da-DK" dirty="0"/>
-              <a:t>: </a:t>
-            </a:r>
-            <a:r>
-              <a:rPr lang="en-US" noProof="0" dirty="0"/>
-              <a:t>outliers</a:t>
-            </a:r>
-            <a:r>
-              <a:rPr lang="da-DK" dirty="0"/>
-              <a:t>, label </a:t>
-            </a:r>
-            <a:r>
-              <a:rPr lang="en-US" noProof="0" dirty="0"/>
-              <a:t>swaps</a:t>
-            </a:r>
-            <a:r>
-              <a:rPr lang="da-DK" dirty="0"/>
-              <a:t> </a:t>
-            </a:r>
-            <a:r>
-              <a:rPr lang="en-GB" dirty="0"/>
-              <a:t> </a:t>
-            </a:r>
-          </a:p>
-          <a:p>
-            <a:pPr marL="171450" indent="-171450">
-              <a:buFontTx/>
-              <a:buChar char="-"/>
-            </a:pPr>
-            <a:r>
-              <a:rPr lang="en-GB" dirty="0"/>
-              <a:t>Something needs to be corrected</a:t>
-            </a:r>
-          </a:p>
-          <a:p>
-            <a:pPr marL="171450" indent="-171450">
-              <a:buFontTx/>
-              <a:buChar char="-"/>
-            </a:pPr>
-            <a:r>
-              <a:rPr lang="en-GB" dirty="0"/>
-              <a:t>Preparation method</a:t>
-            </a:r>
-          </a:p>
-          <a:p>
-            <a:pPr marL="171450" indent="-171450">
-              <a:buFontTx/>
-              <a:buChar char="-"/>
-            </a:pPr>
-            <a:r>
-              <a:rPr lang="en-GB" dirty="0"/>
-              <a:t>(normalization is needed?)</a:t>
-            </a:r>
-          </a:p>
-          <a:p>
-            <a:pPr marL="171450" marR="0" lvl="0" indent="-171450" algn="l" defTabSz="914400" rtl="0" eaLnBrk="1" fontAlgn="auto" latinLnBrk="0" hangingPunct="1">
-              <a:lnSpc>
-                <a:spcPct val="100000"/>
-              </a:lnSpc>
-              <a:spcBef>
-                <a:spcPts val="0"/>
-              </a:spcBef>
-              <a:spcAft>
-                <a:spcPts val="0"/>
-              </a:spcAft>
-              <a:buClrTx/>
-              <a:buSzTx/>
-              <a:buFontTx/>
-              <a:buChar char="-"/>
-              <a:tabLst/>
-              <a:defRPr/>
-            </a:pPr>
-            <a:r>
               <a:rPr lang="en-US" sz="1200" dirty="0">
                 <a:solidFill>
                   <a:srgbClr val="404040"/>
                 </a:solidFill>
-                <a:latin typeface="Now"/>
+                <a:latin typeface="Montserrat" pitchFamily="2" charset="77"/>
               </a:rPr>
-              <a:t>Are there patterns between variables?</a:t>
-            </a:r>
-          </a:p>
-          <a:p>
-            <a:pPr marL="171450" indent="-171450">
-              <a:buFontTx/>
-              <a:buChar char="-"/>
-            </a:pPr>
-            <a:r>
-              <a:rPr lang="en-GB" dirty="0"/>
-              <a:t>What is the relationship between variables</a:t>
-            </a:r>
-          </a:p>
-          <a:p>
-            <a:pPr marL="171450" indent="-171450">
-              <a:buFontTx/>
-              <a:buChar char="-"/>
-            </a:pPr>
-            <a:r>
-              <a:rPr lang="en-US" sz="1200" dirty="0">
-                <a:solidFill>
-                  <a:srgbClr val="404040"/>
-                </a:solidFill>
-                <a:latin typeface="Now"/>
-              </a:rPr>
-              <a:t>How do we need to prepare the data for analysis?</a:t>
-            </a:r>
-          </a:p>
-          <a:p>
-            <a:pPr marL="171450" indent="-171450">
-              <a:buFontTx/>
-              <a:buChar char="-"/>
-            </a:pPr>
-            <a:r>
-              <a:rPr lang="en-US" sz="1200" dirty="0">
-                <a:solidFill>
-                  <a:srgbClr val="404040"/>
-                </a:solidFill>
-                <a:latin typeface="Now"/>
-              </a:rPr>
-              <a:t>What kind of analysis can we do?</a:t>
-            </a:r>
-          </a:p>
-          <a:p>
-            <a:pPr marL="171450" indent="-171450">
-              <a:buFontTx/>
-              <a:buChar char="-"/>
-            </a:pPr>
-            <a:endParaRPr lang="en-GB" dirty="0"/>
-          </a:p>
-          <a:p>
-            <a:pPr marL="171450" indent="-171450">
-              <a:buFontTx/>
-              <a:buChar char="-"/>
-            </a:pPr>
-            <a:r>
-              <a:rPr lang="en-GB" dirty="0"/>
-              <a:t> </a:t>
-            </a:r>
-          </a:p>
-          <a:p>
-            <a:pPr marL="171450" indent="-171450">
-              <a:buFontTx/>
-              <a:buChar char="-"/>
-            </a:pPr>
-            <a:endParaRPr lang="en-GB" dirty="0"/>
-          </a:p>
-          <a:p>
-            <a:endParaRPr lang="en-GB" dirty="0"/>
-          </a:p>
-          <a:p>
-            <a:r>
-              <a:rPr lang="en-GB" dirty="0"/>
-              <a:t>https://www.ibm.com/topics/exploratory-data-analysis</a:t>
-            </a:r>
-          </a:p>
-          <a:p>
-            <a:r>
-              <a:rPr lang="en-US" dirty="0"/>
-              <a:t>Originally developed by American mathematician John Tukey in the 1970s, EDA techniques continue to be a widely used method in the data discovery process today.</a:t>
-            </a:r>
-            <a:endParaRPr lang="en-GB" dirty="0"/>
-          </a:p>
-          <a:p>
+              <a:t>Patterns are high dimensional, hierarchical, several variables</a:t>
+            </a:r>
             <a:endParaRPr lang="en-GB" dirty="0"/>
           </a:p>
         </p:txBody>
@@ -3883,7 +3461,7 @@
     </p:spTree>
     <p:extLst>
       <p:ext uri="{BB962C8B-B14F-4D97-AF65-F5344CB8AC3E}">
-        <p14:creationId xmlns:p14="http://schemas.microsoft.com/office/powerpoint/2010/main" val="1697135769"/>
+        <p14:creationId xmlns:p14="http://schemas.microsoft.com/office/powerpoint/2010/main" val="2595537372"/>
       </p:ext>
     </p:extLst>
   </p:cSld>
@@ -3942,7 +3520,279 @@
           <a:bodyPr/>
           <a:lstStyle/>
           <a:p>
-            <a:endParaRPr lang="en-GB"/>
+            <a:r>
+              <a:rPr lang="en-US" dirty="0"/>
+              <a:t>Need to check both your own data and data you find somewhere else (</a:t>
+            </a:r>
+            <a:r>
+              <a:rPr lang="en-US" dirty="0" err="1"/>
+              <a:t>repositories,ect</a:t>
+            </a:r>
+            <a:r>
+              <a:rPr lang="en-US" dirty="0"/>
+              <a:t>)</a:t>
+            </a:r>
+          </a:p>
+          <a:p>
+            <a:endParaRPr lang="en-US" dirty="0"/>
+          </a:p>
+          <a:p>
+            <a:r>
+              <a:rPr lang="en-US" dirty="0"/>
+              <a:t>It’s important to find good data</a:t>
+            </a:r>
+          </a:p>
+          <a:p>
+            <a:endParaRPr lang="en-US" dirty="0"/>
+          </a:p>
+          <a:p>
+            <a:r>
+              <a:rPr lang="en-US" dirty="0"/>
+              <a:t>Examples of ‘bad’ stuff: </a:t>
+            </a:r>
+          </a:p>
+          <a:p>
+            <a:r>
+              <a:rPr lang="en-US" dirty="0"/>
+              <a:t>Linear regression on 3 data points</a:t>
+            </a:r>
+          </a:p>
+          <a:p>
+            <a:r>
+              <a:rPr lang="en-US" dirty="0"/>
+              <a:t>T-test on 5 data points</a:t>
+            </a:r>
+          </a:p>
+          <a:p>
+            <a:endParaRPr lang="en-US" dirty="0"/>
+          </a:p>
+          <a:p>
+            <a:r>
+              <a:rPr lang="en-US" dirty="0"/>
+              <a:t>Confirm that data is suitable for planned analysis</a:t>
+            </a:r>
+          </a:p>
+          <a:p>
+            <a:r>
+              <a:rPr lang="en-US" dirty="0"/>
+              <a:t>Or</a:t>
+            </a:r>
+          </a:p>
+          <a:p>
+            <a:r>
+              <a:rPr lang="en-US" dirty="0"/>
+              <a:t>Help with idea generation(patterns, relationships between variables) </a:t>
+            </a:r>
+          </a:p>
+          <a:p>
+            <a:endParaRPr lang="en-GB" dirty="0"/>
+          </a:p>
+          <a:p>
+            <a:r>
+              <a:rPr lang="en-GB" dirty="0"/>
+              <a:t>Establish whether:</a:t>
+            </a:r>
+          </a:p>
+          <a:p>
+            <a:pPr marL="171450" indent="-171450">
+              <a:buFontTx/>
+              <a:buChar char="-"/>
+            </a:pPr>
+            <a:r>
+              <a:rPr lang="en-GB" dirty="0"/>
+              <a:t>Data looks as expected</a:t>
+            </a:r>
+          </a:p>
+          <a:p>
+            <a:pPr marL="171450" indent="-171450">
+              <a:buFontTx/>
+              <a:buChar char="-"/>
+            </a:pPr>
+            <a:r>
+              <a:rPr lang="en-AU" noProof="0" dirty="0"/>
+              <a:t>identify</a:t>
+            </a:r>
+            <a:r>
+              <a:rPr lang="da-DK" dirty="0"/>
+              <a:t> </a:t>
+            </a:r>
+            <a:r>
+              <a:rPr lang="en-US" noProof="0" dirty="0"/>
+              <a:t>obvious</a:t>
+            </a:r>
+            <a:r>
+              <a:rPr lang="da-DK" dirty="0"/>
+              <a:t> </a:t>
+            </a:r>
+            <a:r>
+              <a:rPr lang="en-US" noProof="0" dirty="0"/>
+              <a:t>errors</a:t>
+            </a:r>
+            <a:r>
+              <a:rPr lang="da-DK" dirty="0"/>
+              <a:t>: </a:t>
+            </a:r>
+            <a:r>
+              <a:rPr lang="en-US" noProof="0" dirty="0"/>
+              <a:t>outliers</a:t>
+            </a:r>
+            <a:r>
+              <a:rPr lang="da-DK" dirty="0"/>
+              <a:t>, label </a:t>
+            </a:r>
+            <a:r>
+              <a:rPr lang="en-US" noProof="0" dirty="0"/>
+              <a:t>swaps</a:t>
+            </a:r>
+            <a:r>
+              <a:rPr lang="da-DK" dirty="0"/>
+              <a:t> </a:t>
+            </a:r>
+            <a:r>
+              <a:rPr lang="en-GB" dirty="0"/>
+              <a:t> </a:t>
+            </a:r>
+          </a:p>
+          <a:p>
+            <a:pPr marL="171450" indent="-171450">
+              <a:buFontTx/>
+              <a:buChar char="-"/>
+            </a:pPr>
+            <a:r>
+              <a:rPr lang="en-GB" dirty="0"/>
+              <a:t>Something needs to be corrected</a:t>
+            </a:r>
+          </a:p>
+          <a:p>
+            <a:pPr marL="171450" indent="-171450">
+              <a:buFontTx/>
+              <a:buChar char="-"/>
+            </a:pPr>
+            <a:r>
+              <a:rPr lang="en-GB" dirty="0"/>
+              <a:t>Preparation method</a:t>
+            </a:r>
+          </a:p>
+          <a:p>
+            <a:pPr marL="171450" indent="-171450">
+              <a:buFontTx/>
+              <a:buChar char="-"/>
+            </a:pPr>
+            <a:r>
+              <a:rPr lang="en-GB" dirty="0"/>
+              <a:t>(normalization is needed?)</a:t>
+            </a:r>
+          </a:p>
+          <a:p>
+            <a:pPr marL="171450" marR="0" lvl="0" indent="-171450" algn="l" defTabSz="914400" rtl="0" eaLnBrk="1" fontAlgn="auto" latinLnBrk="0" hangingPunct="1">
+              <a:lnSpc>
+                <a:spcPct val="100000"/>
+              </a:lnSpc>
+              <a:spcBef>
+                <a:spcPts val="0"/>
+              </a:spcBef>
+              <a:spcAft>
+                <a:spcPts val="0"/>
+              </a:spcAft>
+              <a:buClrTx/>
+              <a:buSzTx/>
+              <a:buFontTx/>
+              <a:buChar char="-"/>
+              <a:tabLst/>
+              <a:defRPr/>
+            </a:pPr>
+            <a:r>
+              <a:rPr lang="en-US" sz="1200" dirty="0">
+                <a:solidFill>
+                  <a:srgbClr val="404040"/>
+                </a:solidFill>
+                <a:latin typeface="Now"/>
+              </a:rPr>
+              <a:t>Are there patterns between variables?</a:t>
+            </a:r>
+          </a:p>
+          <a:p>
+            <a:pPr marL="171450" indent="-171450">
+              <a:buFontTx/>
+              <a:buChar char="-"/>
+            </a:pPr>
+            <a:r>
+              <a:rPr lang="en-GB" dirty="0"/>
+              <a:t>What is the relationship between variables</a:t>
+            </a:r>
+          </a:p>
+          <a:p>
+            <a:pPr marL="171450" indent="-171450">
+              <a:buFontTx/>
+              <a:buChar char="-"/>
+            </a:pPr>
+            <a:r>
+              <a:rPr lang="en-US" sz="1200" dirty="0">
+                <a:solidFill>
+                  <a:srgbClr val="404040"/>
+                </a:solidFill>
+                <a:latin typeface="Now"/>
+              </a:rPr>
+              <a:t>How do we need to prepare the data for analysis?</a:t>
+            </a:r>
+          </a:p>
+          <a:p>
+            <a:pPr marL="171450" indent="-171450">
+              <a:buFontTx/>
+              <a:buChar char="-"/>
+            </a:pPr>
+            <a:r>
+              <a:rPr lang="en-US" sz="1200" dirty="0">
+                <a:solidFill>
+                  <a:srgbClr val="404040"/>
+                </a:solidFill>
+                <a:latin typeface="Now"/>
+              </a:rPr>
+              <a:t>What kind of analysis can we do?</a:t>
+            </a:r>
+          </a:p>
+          <a:p>
+            <a:pPr marL="171450" indent="-171450">
+              <a:buFontTx/>
+              <a:buChar char="-"/>
+            </a:pPr>
+            <a:endParaRPr lang="en-GB" dirty="0"/>
+          </a:p>
+          <a:p>
+            <a:pPr marL="171450" indent="-171450">
+              <a:buFontTx/>
+              <a:buChar char="-"/>
+            </a:pPr>
+            <a:r>
+              <a:rPr lang="en-GB" dirty="0"/>
+              <a:t> </a:t>
+            </a:r>
+          </a:p>
+          <a:p>
+            <a:pPr marL="171450" indent="-171450">
+              <a:buFontTx/>
+              <a:buChar char="-"/>
+            </a:pPr>
+            <a:endParaRPr lang="en-GB" dirty="0"/>
+          </a:p>
+          <a:p>
+            <a:endParaRPr lang="en-GB" dirty="0"/>
+          </a:p>
+          <a:p>
+            <a:r>
+              <a:rPr lang="en-GB" dirty="0"/>
+              <a:t>https://www.ibm.com/topics/exploratory-data-analysis</a:t>
+            </a:r>
+          </a:p>
+          <a:p>
+            <a:r>
+              <a:rPr lang="en-US" dirty="0"/>
+              <a:t>Originally developed by American mathematician John Tukey in the 1970s, EDA techniques continue to be a widely used method in the data discovery process today.</a:t>
+            </a:r>
+            <a:endParaRPr lang="en-GB" dirty="0"/>
+          </a:p>
+          <a:p>
+            <a:endParaRPr lang="en-GB" dirty="0"/>
           </a:p>
         </p:txBody>
       </p:sp>
@@ -3972,7 +3822,7 @@
     </p:spTree>
     <p:extLst>
       <p:ext uri="{BB962C8B-B14F-4D97-AF65-F5344CB8AC3E}">
-        <p14:creationId xmlns:p14="http://schemas.microsoft.com/office/powerpoint/2010/main" val="2849291950"/>
+        <p14:creationId xmlns:p14="http://schemas.microsoft.com/office/powerpoint/2010/main" val="510103211"/>
       </p:ext>
     </p:extLst>
   </p:cSld>
@@ -4031,7 +3881,279 @@
           <a:bodyPr/>
           <a:lstStyle/>
           <a:p>
+            <a:r>
+              <a:rPr lang="en-US" dirty="0"/>
+              <a:t>Need to check both your own data and data you find somewhere else (</a:t>
+            </a:r>
+            <a:r>
+              <a:rPr lang="en-US" dirty="0" err="1"/>
+              <a:t>repositories,ect</a:t>
+            </a:r>
+            <a:r>
+              <a:rPr lang="en-US" dirty="0"/>
+              <a:t>)</a:t>
+            </a:r>
+          </a:p>
+          <a:p>
             <a:endParaRPr lang="en-US" dirty="0"/>
+          </a:p>
+          <a:p>
+            <a:r>
+              <a:rPr lang="en-US" dirty="0"/>
+              <a:t>It’s important to find good data</a:t>
+            </a:r>
+          </a:p>
+          <a:p>
+            <a:endParaRPr lang="en-US" dirty="0"/>
+          </a:p>
+          <a:p>
+            <a:r>
+              <a:rPr lang="en-US" dirty="0"/>
+              <a:t>Examples of ‘bad’ stuff: </a:t>
+            </a:r>
+          </a:p>
+          <a:p>
+            <a:r>
+              <a:rPr lang="en-US" dirty="0"/>
+              <a:t>Linear regression on 3 data points</a:t>
+            </a:r>
+          </a:p>
+          <a:p>
+            <a:r>
+              <a:rPr lang="en-US" dirty="0"/>
+              <a:t>T-test on 5 data points</a:t>
+            </a:r>
+          </a:p>
+          <a:p>
+            <a:endParaRPr lang="en-US" dirty="0"/>
+          </a:p>
+          <a:p>
+            <a:r>
+              <a:rPr lang="en-US" dirty="0"/>
+              <a:t>Confirm that data is suitable for planned analysis</a:t>
+            </a:r>
+          </a:p>
+          <a:p>
+            <a:r>
+              <a:rPr lang="en-US" dirty="0"/>
+              <a:t>Or</a:t>
+            </a:r>
+          </a:p>
+          <a:p>
+            <a:r>
+              <a:rPr lang="en-US" dirty="0"/>
+              <a:t>Help with idea generation(patterns, relationships between variables) </a:t>
+            </a:r>
+          </a:p>
+          <a:p>
+            <a:endParaRPr lang="en-GB" dirty="0"/>
+          </a:p>
+          <a:p>
+            <a:r>
+              <a:rPr lang="en-GB" dirty="0"/>
+              <a:t>Establish whether:</a:t>
+            </a:r>
+          </a:p>
+          <a:p>
+            <a:pPr marL="171450" indent="-171450">
+              <a:buFontTx/>
+              <a:buChar char="-"/>
+            </a:pPr>
+            <a:r>
+              <a:rPr lang="en-GB" dirty="0"/>
+              <a:t>Data looks as expected</a:t>
+            </a:r>
+          </a:p>
+          <a:p>
+            <a:pPr marL="171450" indent="-171450">
+              <a:buFontTx/>
+              <a:buChar char="-"/>
+            </a:pPr>
+            <a:r>
+              <a:rPr lang="en-AU" noProof="0" dirty="0"/>
+              <a:t>identify</a:t>
+            </a:r>
+            <a:r>
+              <a:rPr lang="da-DK" dirty="0"/>
+              <a:t> </a:t>
+            </a:r>
+            <a:r>
+              <a:rPr lang="en-US" noProof="0" dirty="0"/>
+              <a:t>obvious</a:t>
+            </a:r>
+            <a:r>
+              <a:rPr lang="da-DK" dirty="0"/>
+              <a:t> </a:t>
+            </a:r>
+            <a:r>
+              <a:rPr lang="en-US" noProof="0" dirty="0"/>
+              <a:t>errors</a:t>
+            </a:r>
+            <a:r>
+              <a:rPr lang="da-DK" dirty="0"/>
+              <a:t>: </a:t>
+            </a:r>
+            <a:r>
+              <a:rPr lang="en-US" noProof="0" dirty="0"/>
+              <a:t>outliers</a:t>
+            </a:r>
+            <a:r>
+              <a:rPr lang="da-DK" dirty="0"/>
+              <a:t>, label </a:t>
+            </a:r>
+            <a:r>
+              <a:rPr lang="en-US" noProof="0" dirty="0"/>
+              <a:t>swaps</a:t>
+            </a:r>
+            <a:r>
+              <a:rPr lang="da-DK" dirty="0"/>
+              <a:t> </a:t>
+            </a:r>
+            <a:r>
+              <a:rPr lang="en-GB" dirty="0"/>
+              <a:t> </a:t>
+            </a:r>
+          </a:p>
+          <a:p>
+            <a:pPr marL="171450" indent="-171450">
+              <a:buFontTx/>
+              <a:buChar char="-"/>
+            </a:pPr>
+            <a:r>
+              <a:rPr lang="en-GB" dirty="0"/>
+              <a:t>Something needs to be corrected</a:t>
+            </a:r>
+          </a:p>
+          <a:p>
+            <a:pPr marL="171450" indent="-171450">
+              <a:buFontTx/>
+              <a:buChar char="-"/>
+            </a:pPr>
+            <a:r>
+              <a:rPr lang="en-GB" dirty="0"/>
+              <a:t>Preparation method</a:t>
+            </a:r>
+          </a:p>
+          <a:p>
+            <a:pPr marL="171450" indent="-171450">
+              <a:buFontTx/>
+              <a:buChar char="-"/>
+            </a:pPr>
+            <a:r>
+              <a:rPr lang="en-GB" dirty="0"/>
+              <a:t>(normalization is needed?)</a:t>
+            </a:r>
+          </a:p>
+          <a:p>
+            <a:pPr marL="171450" marR="0" lvl="0" indent="-171450" algn="l" defTabSz="914400" rtl="0" eaLnBrk="1" fontAlgn="auto" latinLnBrk="0" hangingPunct="1">
+              <a:lnSpc>
+                <a:spcPct val="100000"/>
+              </a:lnSpc>
+              <a:spcBef>
+                <a:spcPts val="0"/>
+              </a:spcBef>
+              <a:spcAft>
+                <a:spcPts val="0"/>
+              </a:spcAft>
+              <a:buClrTx/>
+              <a:buSzTx/>
+              <a:buFontTx/>
+              <a:buChar char="-"/>
+              <a:tabLst/>
+              <a:defRPr/>
+            </a:pPr>
+            <a:r>
+              <a:rPr lang="en-US" sz="1200" dirty="0">
+                <a:solidFill>
+                  <a:srgbClr val="404040"/>
+                </a:solidFill>
+                <a:latin typeface="Now"/>
+              </a:rPr>
+              <a:t>Are there patterns between variables?</a:t>
+            </a:r>
+          </a:p>
+          <a:p>
+            <a:pPr marL="171450" indent="-171450">
+              <a:buFontTx/>
+              <a:buChar char="-"/>
+            </a:pPr>
+            <a:r>
+              <a:rPr lang="en-GB" dirty="0"/>
+              <a:t>What is the relationship between variables</a:t>
+            </a:r>
+          </a:p>
+          <a:p>
+            <a:pPr marL="171450" indent="-171450">
+              <a:buFontTx/>
+              <a:buChar char="-"/>
+            </a:pPr>
+            <a:r>
+              <a:rPr lang="en-US" sz="1200" dirty="0">
+                <a:solidFill>
+                  <a:srgbClr val="404040"/>
+                </a:solidFill>
+                <a:latin typeface="Now"/>
+              </a:rPr>
+              <a:t>How do we need to prepare the data for analysis?</a:t>
+            </a:r>
+          </a:p>
+          <a:p>
+            <a:pPr marL="171450" indent="-171450">
+              <a:buFontTx/>
+              <a:buChar char="-"/>
+            </a:pPr>
+            <a:r>
+              <a:rPr lang="en-US" sz="1200" dirty="0">
+                <a:solidFill>
+                  <a:srgbClr val="404040"/>
+                </a:solidFill>
+                <a:latin typeface="Now"/>
+              </a:rPr>
+              <a:t>What kind of analysis can we do?</a:t>
+            </a:r>
+          </a:p>
+          <a:p>
+            <a:pPr marL="171450" indent="-171450">
+              <a:buFontTx/>
+              <a:buChar char="-"/>
+            </a:pPr>
+            <a:endParaRPr lang="en-GB" dirty="0"/>
+          </a:p>
+          <a:p>
+            <a:pPr marL="171450" indent="-171450">
+              <a:buFontTx/>
+              <a:buChar char="-"/>
+            </a:pPr>
+            <a:r>
+              <a:rPr lang="en-GB" dirty="0"/>
+              <a:t> </a:t>
+            </a:r>
+          </a:p>
+          <a:p>
+            <a:pPr marL="171450" indent="-171450">
+              <a:buFontTx/>
+              <a:buChar char="-"/>
+            </a:pPr>
+            <a:endParaRPr lang="en-GB" dirty="0"/>
+          </a:p>
+          <a:p>
+            <a:endParaRPr lang="en-GB" dirty="0"/>
+          </a:p>
+          <a:p>
+            <a:r>
+              <a:rPr lang="en-GB" dirty="0"/>
+              <a:t>https://www.ibm.com/topics/exploratory-data-analysis</a:t>
+            </a:r>
+          </a:p>
+          <a:p>
+            <a:r>
+              <a:rPr lang="en-US" dirty="0"/>
+              <a:t>Originally developed by American mathematician John Tukey in the 1970s, EDA techniques continue to be a widely used method in the data discovery process today.</a:t>
+            </a:r>
+            <a:endParaRPr lang="en-GB" dirty="0"/>
+          </a:p>
+          <a:p>
+            <a:endParaRPr lang="en-GB" dirty="0"/>
           </a:p>
         </p:txBody>
       </p:sp>
@@ -4061,7 +4183,7 @@
     </p:spTree>
     <p:extLst>
       <p:ext uri="{BB962C8B-B14F-4D97-AF65-F5344CB8AC3E}">
-        <p14:creationId xmlns:p14="http://schemas.microsoft.com/office/powerpoint/2010/main" val="3142273838"/>
+        <p14:creationId xmlns:p14="http://schemas.microsoft.com/office/powerpoint/2010/main" val="1697135769"/>
       </p:ext>
     </p:extLst>
   </p:cSld>
@@ -4120,7 +4242,7 @@
           <a:bodyPr/>
           <a:lstStyle/>
           <a:p>
-            <a:endParaRPr lang="en-US" dirty="0"/>
+            <a:endParaRPr lang="en-GB"/>
           </a:p>
         </p:txBody>
       </p:sp>
@@ -4150,7 +4272,7 @@
     </p:spTree>
     <p:extLst>
       <p:ext uri="{BB962C8B-B14F-4D97-AF65-F5344CB8AC3E}">
-        <p14:creationId xmlns:p14="http://schemas.microsoft.com/office/powerpoint/2010/main" val="1068720389"/>
+        <p14:creationId xmlns:p14="http://schemas.microsoft.com/office/powerpoint/2010/main" val="2849291950"/>
       </p:ext>
     </p:extLst>
   </p:cSld>
@@ -4209,20 +4331,7 @@
           <a:bodyPr/>
           <a:lstStyle/>
           <a:p>
-            <a:pPr>
-              <a:lnSpc>
-                <a:spcPts val="4480"/>
-              </a:lnSpc>
-            </a:pPr>
-            <a:r>
-              <a:rPr lang="en-US" sz="1200" dirty="0">
-                <a:solidFill>
-                  <a:srgbClr val="404040"/>
-                </a:solidFill>
-                <a:latin typeface="Now"/>
-              </a:rPr>
-              <a:t>Types of variables: factors, binary, characters, numerical, integers</a:t>
-            </a:r>
+            <a:endParaRPr lang="en-US" dirty="0"/>
           </a:p>
         </p:txBody>
       </p:sp>
@@ -4252,7 +4361,7 @@
     </p:spTree>
     <p:extLst>
       <p:ext uri="{BB962C8B-B14F-4D97-AF65-F5344CB8AC3E}">
-        <p14:creationId xmlns:p14="http://schemas.microsoft.com/office/powerpoint/2010/main" val="4033922310"/>
+        <p14:creationId xmlns:p14="http://schemas.microsoft.com/office/powerpoint/2010/main" val="3142273838"/>
       </p:ext>
     </p:extLst>
   </p:cSld>
@@ -4672,120 +4781,7 @@
           <a:bodyPr/>
           <a:lstStyle/>
           <a:p>
-            <a:pPr>
-              <a:lnSpc>
-                <a:spcPts val="4480"/>
-              </a:lnSpc>
-            </a:pPr>
-            <a:endParaRPr lang="en-US" sz="1200" dirty="0">
-              <a:solidFill>
-                <a:srgbClr val="404040"/>
-              </a:solidFill>
-              <a:latin typeface="Now"/>
-            </a:endParaRPr>
-          </a:p>
-          <a:p>
-            <a:pPr>
-              <a:lnSpc>
-                <a:spcPts val="4480"/>
-              </a:lnSpc>
-            </a:pPr>
-            <a:r>
-              <a:rPr lang="en-US" sz="1200" dirty="0">
-                <a:solidFill>
-                  <a:srgbClr val="404040"/>
-                </a:solidFill>
-                <a:latin typeface="Now"/>
-              </a:rPr>
-              <a:t>Technical variation that affect different samples differently</a:t>
-            </a:r>
-          </a:p>
-          <a:p>
-            <a:pPr>
-              <a:lnSpc>
-                <a:spcPts val="4480"/>
-              </a:lnSpc>
-            </a:pPr>
-            <a:r>
-              <a:rPr lang="en-US" sz="1200" dirty="0">
-                <a:solidFill>
-                  <a:srgbClr val="404040"/>
-                </a:solidFill>
-                <a:latin typeface="Now"/>
-              </a:rPr>
-              <a:t>This can obscure difference or create differences that are not real</a:t>
-            </a:r>
-          </a:p>
-          <a:p>
-            <a:pPr>
-              <a:lnSpc>
-                <a:spcPts val="4480"/>
-              </a:lnSpc>
-            </a:pPr>
-            <a:endParaRPr lang="en-US" sz="1200" dirty="0">
-              <a:solidFill>
-                <a:srgbClr val="404040"/>
-              </a:solidFill>
-              <a:latin typeface="Now"/>
-            </a:endParaRPr>
-          </a:p>
-          <a:p>
-            <a:pPr>
-              <a:lnSpc>
-                <a:spcPts val="4480"/>
-              </a:lnSpc>
-            </a:pPr>
-            <a:r>
-              <a:rPr lang="en-US" sz="1200" dirty="0">
-                <a:solidFill>
-                  <a:srgbClr val="404040"/>
-                </a:solidFill>
-                <a:latin typeface="Now"/>
-              </a:rPr>
-              <a:t>We want to remove this variation as much as possible since we are interested in biological variation</a:t>
-            </a:r>
-          </a:p>
-          <a:p>
-            <a:pPr>
-              <a:lnSpc>
-                <a:spcPts val="4480"/>
-              </a:lnSpc>
-            </a:pPr>
-            <a:endParaRPr lang="en-US" sz="1200" dirty="0">
-              <a:solidFill>
-                <a:srgbClr val="404040"/>
-              </a:solidFill>
-              <a:latin typeface="Now"/>
-            </a:endParaRPr>
-          </a:p>
-          <a:p>
-            <a:pPr>
-              <a:lnSpc>
-                <a:spcPts val="4480"/>
-              </a:lnSpc>
-            </a:pPr>
-            <a:r>
-              <a:rPr lang="en-US" sz="1200" dirty="0">
-                <a:solidFill>
-                  <a:srgbClr val="404040"/>
-                </a:solidFill>
-                <a:latin typeface="Now"/>
-              </a:rPr>
-              <a:t>Critically important for omics data analysis</a:t>
-            </a:r>
-          </a:p>
-          <a:p>
-            <a:pPr>
-              <a:lnSpc>
-                <a:spcPts val="4480"/>
-              </a:lnSpc>
-            </a:pPr>
-            <a:endParaRPr lang="en-US" sz="1200" dirty="0">
-              <a:solidFill>
-                <a:srgbClr val="404040"/>
-              </a:solidFill>
-              <a:latin typeface="Now"/>
-            </a:endParaRPr>
+            <a:endParaRPr lang="en-US" dirty="0"/>
           </a:p>
         </p:txBody>
       </p:sp>
@@ -4815,7 +4811,7 @@
     </p:spTree>
     <p:extLst>
       <p:ext uri="{BB962C8B-B14F-4D97-AF65-F5344CB8AC3E}">
-        <p14:creationId xmlns:p14="http://schemas.microsoft.com/office/powerpoint/2010/main" val="2386086166"/>
+        <p14:creationId xmlns:p14="http://schemas.microsoft.com/office/powerpoint/2010/main" val="1068720389"/>
       </p:ext>
     </p:extLst>
   </p:cSld>
@@ -4879,19 +4875,6 @@
                 <a:spcPts val="4480"/>
               </a:lnSpc>
             </a:pPr>
-            <a:endParaRPr lang="en-US" sz="1200" dirty="0">
-              <a:solidFill>
-                <a:srgbClr val="404040"/>
-              </a:solidFill>
-              <a:latin typeface="Now"/>
-            </a:endParaRPr>
-          </a:p>
-          <a:p>
-            <a:pPr>
-              <a:lnSpc>
-                <a:spcPts val="4480"/>
-              </a:lnSpc>
-            </a:pPr>
             <a:r>
               <a:rPr lang="en-US" sz="1200" dirty="0">
                 <a:solidFill>
@@ -4899,81 +4882,7 @@
                 </a:solidFill>
                 <a:latin typeface="Now"/>
               </a:rPr>
-              <a:t>Technical variation that affect different samples differently</a:t>
-            </a:r>
-          </a:p>
-          <a:p>
-            <a:pPr>
-              <a:lnSpc>
-                <a:spcPts val="4480"/>
-              </a:lnSpc>
-            </a:pPr>
-            <a:r>
-              <a:rPr lang="en-US" sz="1200" dirty="0">
-                <a:solidFill>
-                  <a:srgbClr val="404040"/>
-                </a:solidFill>
-                <a:latin typeface="Now"/>
-              </a:rPr>
-              <a:t>This can obscure difference or create differences that are not real</a:t>
-            </a:r>
-          </a:p>
-          <a:p>
-            <a:pPr>
-              <a:lnSpc>
-                <a:spcPts val="4480"/>
-              </a:lnSpc>
-            </a:pPr>
-            <a:endParaRPr lang="en-US" sz="1200" dirty="0">
-              <a:solidFill>
-                <a:srgbClr val="404040"/>
-              </a:solidFill>
-              <a:latin typeface="Now"/>
-            </a:endParaRPr>
-          </a:p>
-          <a:p>
-            <a:pPr>
-              <a:lnSpc>
-                <a:spcPts val="4480"/>
-              </a:lnSpc>
-            </a:pPr>
-            <a:r>
-              <a:rPr lang="en-US" sz="1200" dirty="0">
-                <a:solidFill>
-                  <a:srgbClr val="404040"/>
-                </a:solidFill>
-                <a:latin typeface="Now"/>
-              </a:rPr>
-              <a:t>We want to remove this variation as much as possible since we are interested in biological variation</a:t>
-            </a:r>
-          </a:p>
-          <a:p>
-            <a:pPr>
-              <a:lnSpc>
-                <a:spcPts val="4480"/>
-              </a:lnSpc>
-            </a:pPr>
-            <a:endParaRPr lang="en-US" sz="1200" dirty="0">
-              <a:solidFill>
-                <a:srgbClr val="404040"/>
-              </a:solidFill>
-              <a:latin typeface="Now"/>
-            </a:endParaRPr>
-          </a:p>
-          <a:p>
-            <a:pPr>
-              <a:lnSpc>
-                <a:spcPts val="4480"/>
-              </a:lnSpc>
-            </a:pPr>
-            <a:r>
-              <a:rPr lang="en-US" sz="1200" dirty="0">
-                <a:solidFill>
-                  <a:srgbClr val="404040"/>
-                </a:solidFill>
-                <a:latin typeface="Now"/>
-              </a:rPr>
-              <a:t>There is of course background noise in our data, this can sometimes modelled and sometimes it is so little and random we do not expect it to affect our analysis, in that case we simply ignore it.</a:t>
+              <a:t>Types of variables: factors, binary, characters, numerical, integers</a:t>
             </a:r>
           </a:p>
         </p:txBody>
@@ -5004,7 +4913,7 @@
     </p:spTree>
     <p:extLst>
       <p:ext uri="{BB962C8B-B14F-4D97-AF65-F5344CB8AC3E}">
-        <p14:creationId xmlns:p14="http://schemas.microsoft.com/office/powerpoint/2010/main" val="2874539651"/>
+        <p14:creationId xmlns:p14="http://schemas.microsoft.com/office/powerpoint/2010/main" val="4033922310"/>
       </p:ext>
     </p:extLst>
   </p:cSld>
@@ -5206,7 +5115,7 @@
     </p:spTree>
     <p:extLst>
       <p:ext uri="{BB962C8B-B14F-4D97-AF65-F5344CB8AC3E}">
-        <p14:creationId xmlns:p14="http://schemas.microsoft.com/office/powerpoint/2010/main" val="1972700618"/>
+        <p14:creationId xmlns:p14="http://schemas.microsoft.com/office/powerpoint/2010/main" val="2386086166"/>
       </p:ext>
     </p:extLst>
   </p:cSld>
@@ -5270,6 +5179,19 @@
                 <a:spcPts val="4480"/>
               </a:lnSpc>
             </a:pPr>
+            <a:endParaRPr lang="en-US" sz="1200" dirty="0">
+              <a:solidFill>
+                <a:srgbClr val="404040"/>
+              </a:solidFill>
+              <a:latin typeface="Now"/>
+            </a:endParaRPr>
+          </a:p>
+          <a:p>
+            <a:pPr>
+              <a:lnSpc>
+                <a:spcPts val="4480"/>
+              </a:lnSpc>
+            </a:pPr>
             <a:r>
               <a:rPr lang="en-US" sz="1200" dirty="0">
                 <a:solidFill>
@@ -5277,7 +5199,81 @@
                 </a:solidFill>
                 <a:latin typeface="Now"/>
               </a:rPr>
-              <a:t>We do not do standardization in the analysis of high throughput omics data, mainly because these data do not follow a normal distribution.</a:t>
+              <a:t>Technical variation that affect different samples differently</a:t>
+            </a:r>
+          </a:p>
+          <a:p>
+            <a:pPr>
+              <a:lnSpc>
+                <a:spcPts val="4480"/>
+              </a:lnSpc>
+            </a:pPr>
+            <a:r>
+              <a:rPr lang="en-US" sz="1200" dirty="0">
+                <a:solidFill>
+                  <a:srgbClr val="404040"/>
+                </a:solidFill>
+                <a:latin typeface="Now"/>
+              </a:rPr>
+              <a:t>This can obscure difference or create differences that are not real</a:t>
+            </a:r>
+          </a:p>
+          <a:p>
+            <a:pPr>
+              <a:lnSpc>
+                <a:spcPts val="4480"/>
+              </a:lnSpc>
+            </a:pPr>
+            <a:endParaRPr lang="en-US" sz="1200" dirty="0">
+              <a:solidFill>
+                <a:srgbClr val="404040"/>
+              </a:solidFill>
+              <a:latin typeface="Now"/>
+            </a:endParaRPr>
+          </a:p>
+          <a:p>
+            <a:pPr>
+              <a:lnSpc>
+                <a:spcPts val="4480"/>
+              </a:lnSpc>
+            </a:pPr>
+            <a:r>
+              <a:rPr lang="en-US" sz="1200" dirty="0">
+                <a:solidFill>
+                  <a:srgbClr val="404040"/>
+                </a:solidFill>
+                <a:latin typeface="Now"/>
+              </a:rPr>
+              <a:t>We want to remove this variation as much as possible since we are interested in biological variation</a:t>
+            </a:r>
+          </a:p>
+          <a:p>
+            <a:pPr>
+              <a:lnSpc>
+                <a:spcPts val="4480"/>
+              </a:lnSpc>
+            </a:pPr>
+            <a:endParaRPr lang="en-US" sz="1200" dirty="0">
+              <a:solidFill>
+                <a:srgbClr val="404040"/>
+              </a:solidFill>
+              <a:latin typeface="Now"/>
+            </a:endParaRPr>
+          </a:p>
+          <a:p>
+            <a:pPr>
+              <a:lnSpc>
+                <a:spcPts val="4480"/>
+              </a:lnSpc>
+            </a:pPr>
+            <a:r>
+              <a:rPr lang="en-US" sz="1200" dirty="0">
+                <a:solidFill>
+                  <a:srgbClr val="404040"/>
+                </a:solidFill>
+                <a:latin typeface="Now"/>
+              </a:rPr>
+              <a:t>There is of course background noise in our data, this can sometimes modelled and sometimes it is so little and random we do not expect it to affect our analysis, in that case we simply ignore it.</a:t>
             </a:r>
           </a:p>
         </p:txBody>
@@ -5308,7 +5304,7 @@
     </p:spTree>
     <p:extLst>
       <p:ext uri="{BB962C8B-B14F-4D97-AF65-F5344CB8AC3E}">
-        <p14:creationId xmlns:p14="http://schemas.microsoft.com/office/powerpoint/2010/main" val="848476364"/>
+        <p14:creationId xmlns:p14="http://schemas.microsoft.com/office/powerpoint/2010/main" val="2874539651"/>
       </p:ext>
     </p:extLst>
   </p:cSld>
@@ -5367,16 +5363,120 @@
           <a:bodyPr/>
           <a:lstStyle/>
           <a:p>
-            <a:r>
-              <a:rPr lang="en-US" dirty="0"/>
-              <a:t>10 mins</a:t>
-            </a:r>
-          </a:p>
-          <a:p>
-            <a:endParaRPr lang="en-US" dirty="0"/>
-          </a:p>
-          <a:p>
-            <a:endParaRPr lang="en-US" dirty="0"/>
+            <a:pPr>
+              <a:lnSpc>
+                <a:spcPts val="4480"/>
+              </a:lnSpc>
+            </a:pPr>
+            <a:endParaRPr lang="en-US" sz="1200" dirty="0">
+              <a:solidFill>
+                <a:srgbClr val="404040"/>
+              </a:solidFill>
+              <a:latin typeface="Now"/>
+            </a:endParaRPr>
+          </a:p>
+          <a:p>
+            <a:pPr>
+              <a:lnSpc>
+                <a:spcPts val="4480"/>
+              </a:lnSpc>
+            </a:pPr>
+            <a:r>
+              <a:rPr lang="en-US" sz="1200" dirty="0">
+                <a:solidFill>
+                  <a:srgbClr val="404040"/>
+                </a:solidFill>
+                <a:latin typeface="Now"/>
+              </a:rPr>
+              <a:t>Technical variation that affect different samples differently</a:t>
+            </a:r>
+          </a:p>
+          <a:p>
+            <a:pPr>
+              <a:lnSpc>
+                <a:spcPts val="4480"/>
+              </a:lnSpc>
+            </a:pPr>
+            <a:r>
+              <a:rPr lang="en-US" sz="1200" dirty="0">
+                <a:solidFill>
+                  <a:srgbClr val="404040"/>
+                </a:solidFill>
+                <a:latin typeface="Now"/>
+              </a:rPr>
+              <a:t>This can obscure difference or create differences that are not real</a:t>
+            </a:r>
+          </a:p>
+          <a:p>
+            <a:pPr>
+              <a:lnSpc>
+                <a:spcPts val="4480"/>
+              </a:lnSpc>
+            </a:pPr>
+            <a:endParaRPr lang="en-US" sz="1200" dirty="0">
+              <a:solidFill>
+                <a:srgbClr val="404040"/>
+              </a:solidFill>
+              <a:latin typeface="Now"/>
+            </a:endParaRPr>
+          </a:p>
+          <a:p>
+            <a:pPr>
+              <a:lnSpc>
+                <a:spcPts val="4480"/>
+              </a:lnSpc>
+            </a:pPr>
+            <a:r>
+              <a:rPr lang="en-US" sz="1200" dirty="0">
+                <a:solidFill>
+                  <a:srgbClr val="404040"/>
+                </a:solidFill>
+                <a:latin typeface="Now"/>
+              </a:rPr>
+              <a:t>We want to remove this variation as much as possible since we are interested in biological variation</a:t>
+            </a:r>
+          </a:p>
+          <a:p>
+            <a:pPr>
+              <a:lnSpc>
+                <a:spcPts val="4480"/>
+              </a:lnSpc>
+            </a:pPr>
+            <a:endParaRPr lang="en-US" sz="1200" dirty="0">
+              <a:solidFill>
+                <a:srgbClr val="404040"/>
+              </a:solidFill>
+              <a:latin typeface="Now"/>
+            </a:endParaRPr>
+          </a:p>
+          <a:p>
+            <a:pPr>
+              <a:lnSpc>
+                <a:spcPts val="4480"/>
+              </a:lnSpc>
+            </a:pPr>
+            <a:r>
+              <a:rPr lang="en-US" sz="1200" dirty="0">
+                <a:solidFill>
+                  <a:srgbClr val="404040"/>
+                </a:solidFill>
+                <a:latin typeface="Now"/>
+              </a:rPr>
+              <a:t>Critically important for omics data analysis</a:t>
+            </a:r>
+          </a:p>
+          <a:p>
+            <a:pPr>
+              <a:lnSpc>
+                <a:spcPts val="4480"/>
+              </a:lnSpc>
+            </a:pPr>
+            <a:endParaRPr lang="en-US" sz="1200" dirty="0">
+              <a:solidFill>
+                <a:srgbClr val="404040"/>
+              </a:solidFill>
+              <a:latin typeface="Now"/>
+            </a:endParaRPr>
           </a:p>
         </p:txBody>
       </p:sp>
@@ -5406,7 +5506,7 @@
     </p:spTree>
     <p:extLst>
       <p:ext uri="{BB962C8B-B14F-4D97-AF65-F5344CB8AC3E}">
-        <p14:creationId xmlns:p14="http://schemas.microsoft.com/office/powerpoint/2010/main" val="2154128541"/>
+        <p14:creationId xmlns:p14="http://schemas.microsoft.com/office/powerpoint/2010/main" val="1972700618"/>
       </p:ext>
     </p:extLst>
   </p:cSld>
@@ -5465,13 +5565,20 @@
           <a:bodyPr/>
           <a:lstStyle/>
           <a:p>
-            <a:endParaRPr lang="en-US" dirty="0"/>
-          </a:p>
-          <a:p>
-            <a:endParaRPr lang="en-US" dirty="0"/>
-          </a:p>
-          <a:p>
-            <a:endParaRPr lang="en-US" dirty="0"/>
+            <a:pPr>
+              <a:lnSpc>
+                <a:spcPts val="4480"/>
+              </a:lnSpc>
+            </a:pPr>
+            <a:r>
+              <a:rPr lang="en-US" sz="1200" dirty="0">
+                <a:solidFill>
+                  <a:srgbClr val="404040"/>
+                </a:solidFill>
+                <a:latin typeface="Now"/>
+              </a:rPr>
+              <a:t>We do not do standardization in the analysis of high throughput omics data, mainly because these data do not follow a normal distribution.</a:t>
+            </a:r>
           </a:p>
         </p:txBody>
       </p:sp>
@@ -5501,7 +5608,7 @@
     </p:spTree>
     <p:extLst>
       <p:ext uri="{BB962C8B-B14F-4D97-AF65-F5344CB8AC3E}">
-        <p14:creationId xmlns:p14="http://schemas.microsoft.com/office/powerpoint/2010/main" val="1483782639"/>
+        <p14:creationId xmlns:p14="http://schemas.microsoft.com/office/powerpoint/2010/main" val="848476364"/>
       </p:ext>
     </p:extLst>
   </p:cSld>
@@ -5560,7 +5667,10 @@
           <a:bodyPr/>
           <a:lstStyle/>
           <a:p>
-            <a:endParaRPr lang="en-US" dirty="0"/>
+            <a:r>
+              <a:rPr lang="en-US" dirty="0"/>
+              <a:t>10 mins</a:t>
+            </a:r>
           </a:p>
           <a:p>
             <a:endParaRPr lang="en-US" dirty="0"/>
@@ -5596,7 +5706,7 @@
     </p:spTree>
     <p:extLst>
       <p:ext uri="{BB962C8B-B14F-4D97-AF65-F5344CB8AC3E}">
-        <p14:creationId xmlns:p14="http://schemas.microsoft.com/office/powerpoint/2010/main" val="3313607618"/>
+        <p14:creationId xmlns:p14="http://schemas.microsoft.com/office/powerpoint/2010/main" val="2154128541"/>
       </p:ext>
     </p:extLst>
   </p:cSld>
@@ -5691,7 +5801,7 @@
     </p:spTree>
     <p:extLst>
       <p:ext uri="{BB962C8B-B14F-4D97-AF65-F5344CB8AC3E}">
-        <p14:creationId xmlns:p14="http://schemas.microsoft.com/office/powerpoint/2010/main" val="1351034147"/>
+        <p14:creationId xmlns:p14="http://schemas.microsoft.com/office/powerpoint/2010/main" val="1483782639"/>
       </p:ext>
     </p:extLst>
   </p:cSld>
@@ -5752,6 +5862,12 @@
           <a:p>
             <a:endParaRPr lang="en-US" dirty="0"/>
           </a:p>
+          <a:p>
+            <a:endParaRPr lang="en-US" dirty="0"/>
+          </a:p>
+          <a:p>
+            <a:endParaRPr lang="en-US" dirty="0"/>
+          </a:p>
         </p:txBody>
       </p:sp>
       <p:sp>
@@ -5780,7 +5896,102 @@
     </p:spTree>
     <p:extLst>
       <p:ext uri="{BB962C8B-B14F-4D97-AF65-F5344CB8AC3E}">
-        <p14:creationId xmlns:p14="http://schemas.microsoft.com/office/powerpoint/2010/main" val="2321237154"/>
+        <p14:creationId xmlns:p14="http://schemas.microsoft.com/office/powerpoint/2010/main" val="3313607618"/>
+      </p:ext>
+    </p:extLst>
+  </p:cSld>
+  <p:clrMapOvr>
+    <a:masterClrMapping/>
+  </p:clrMapOvr>
+</p:notes>
+</file>
+
+<file path=ppt/notesSlides/notesSlide39.xml><?xml version="1.0" encoding="utf-8"?>
+<p:notes xmlns:a="http://schemas.openxmlformats.org/drawingml/2006/main" xmlns:r="http://schemas.openxmlformats.org/officeDocument/2006/relationships" xmlns:p="http://schemas.openxmlformats.org/presentationml/2006/main">
+  <p:cSld>
+    <p:spTree>
+      <p:nvGrpSpPr>
+        <p:cNvPr id="1" name=""/>
+        <p:cNvGrpSpPr/>
+        <p:nvPr/>
+      </p:nvGrpSpPr>
+      <p:grpSpPr>
+        <a:xfrm>
+          <a:off x="0" y="0"/>
+          <a:ext cx="0" cy="0"/>
+          <a:chOff x="0" y="0"/>
+          <a:chExt cx="0" cy="0"/>
+        </a:xfrm>
+      </p:grpSpPr>
+      <p:sp>
+        <p:nvSpPr>
+          <p:cNvPr id="2" name="Slide Image Placeholder 1"/>
+          <p:cNvSpPr>
+            <a:spLocks noGrp="1" noRot="1" noChangeAspect="1"/>
+          </p:cNvSpPr>
+          <p:nvPr>
+            <p:ph type="sldImg"/>
+          </p:nvPr>
+        </p:nvSpPr>
+        <p:spPr>
+          <a:xfrm>
+            <a:off x="2290763" y="512763"/>
+            <a:ext cx="4562475" cy="2566987"/>
+          </a:xfrm>
+        </p:spPr>
+      </p:sp>
+      <p:sp>
+        <p:nvSpPr>
+          <p:cNvPr id="3" name="Notes Placeholder 2"/>
+          <p:cNvSpPr>
+            <a:spLocks noGrp="1"/>
+          </p:cNvSpPr>
+          <p:nvPr>
+            <p:ph type="body" idx="1"/>
+          </p:nvPr>
+        </p:nvSpPr>
+        <p:spPr/>
+        <p:txBody>
+          <a:bodyPr/>
+          <a:lstStyle/>
+          <a:p>
+            <a:endParaRPr lang="en-US" dirty="0"/>
+          </a:p>
+          <a:p>
+            <a:endParaRPr lang="en-US" dirty="0"/>
+          </a:p>
+          <a:p>
+            <a:endParaRPr lang="en-US" dirty="0"/>
+          </a:p>
+        </p:txBody>
+      </p:sp>
+      <p:sp>
+        <p:nvSpPr>
+          <p:cNvPr id="4" name="Slide Number Placeholder 3"/>
+          <p:cNvSpPr>
+            <a:spLocks noGrp="1"/>
+          </p:cNvSpPr>
+          <p:nvPr>
+            <p:ph type="sldNum" sz="quarter" idx="5"/>
+          </p:nvPr>
+        </p:nvSpPr>
+        <p:spPr/>
+        <p:txBody>
+          <a:bodyPr/>
+          <a:lstStyle/>
+          <a:p>
+            <a:fld id="{871B2431-D351-4C6E-A3CF-9DFAC0E3E050}" type="slidenum">
+              <a:rPr lang="cs-CZ" smtClean="0"/>
+              <a:t>39</a:t>
+            </a:fld>
+            <a:endParaRPr lang="cs-CZ"/>
+          </a:p>
+        </p:txBody>
+      </p:sp>
+    </p:spTree>
+    <p:extLst>
+      <p:ext uri="{BB962C8B-B14F-4D97-AF65-F5344CB8AC3E}">
+        <p14:creationId xmlns:p14="http://schemas.microsoft.com/office/powerpoint/2010/main" val="1351034147"/>
       </p:ext>
     </p:extLst>
   </p:cSld>
@@ -5870,6 +6081,95 @@
     <p:extLst>
       <p:ext uri="{BB962C8B-B14F-4D97-AF65-F5344CB8AC3E}">
         <p14:creationId xmlns:p14="http://schemas.microsoft.com/office/powerpoint/2010/main" val="1744307633"/>
+      </p:ext>
+    </p:extLst>
+  </p:cSld>
+  <p:clrMapOvr>
+    <a:masterClrMapping/>
+  </p:clrMapOvr>
+</p:notes>
+</file>
+
+<file path=ppt/notesSlides/notesSlide40.xml><?xml version="1.0" encoding="utf-8"?>
+<p:notes xmlns:a="http://schemas.openxmlformats.org/drawingml/2006/main" xmlns:r="http://schemas.openxmlformats.org/officeDocument/2006/relationships" xmlns:p="http://schemas.openxmlformats.org/presentationml/2006/main">
+  <p:cSld>
+    <p:spTree>
+      <p:nvGrpSpPr>
+        <p:cNvPr id="1" name=""/>
+        <p:cNvGrpSpPr/>
+        <p:nvPr/>
+      </p:nvGrpSpPr>
+      <p:grpSpPr>
+        <a:xfrm>
+          <a:off x="0" y="0"/>
+          <a:ext cx="0" cy="0"/>
+          <a:chOff x="0" y="0"/>
+          <a:chExt cx="0" cy="0"/>
+        </a:xfrm>
+      </p:grpSpPr>
+      <p:sp>
+        <p:nvSpPr>
+          <p:cNvPr id="2" name="Slide Image Placeholder 1"/>
+          <p:cNvSpPr>
+            <a:spLocks noGrp="1" noRot="1" noChangeAspect="1"/>
+          </p:cNvSpPr>
+          <p:nvPr>
+            <p:ph type="sldImg"/>
+          </p:nvPr>
+        </p:nvSpPr>
+        <p:spPr>
+          <a:xfrm>
+            <a:off x="2290763" y="512763"/>
+            <a:ext cx="4562475" cy="2566987"/>
+          </a:xfrm>
+        </p:spPr>
+      </p:sp>
+      <p:sp>
+        <p:nvSpPr>
+          <p:cNvPr id="3" name="Notes Placeholder 2"/>
+          <p:cNvSpPr>
+            <a:spLocks noGrp="1"/>
+          </p:cNvSpPr>
+          <p:nvPr>
+            <p:ph type="body" idx="1"/>
+          </p:nvPr>
+        </p:nvSpPr>
+        <p:spPr/>
+        <p:txBody>
+          <a:bodyPr/>
+          <a:lstStyle/>
+          <a:p>
+            <a:endParaRPr lang="en-US" dirty="0"/>
+          </a:p>
+        </p:txBody>
+      </p:sp>
+      <p:sp>
+        <p:nvSpPr>
+          <p:cNvPr id="4" name="Slide Number Placeholder 3"/>
+          <p:cNvSpPr>
+            <a:spLocks noGrp="1"/>
+          </p:cNvSpPr>
+          <p:nvPr>
+            <p:ph type="sldNum" sz="quarter" idx="5"/>
+          </p:nvPr>
+        </p:nvSpPr>
+        <p:spPr/>
+        <p:txBody>
+          <a:bodyPr/>
+          <a:lstStyle/>
+          <a:p>
+            <a:fld id="{871B2431-D351-4C6E-A3CF-9DFAC0E3E050}" type="slidenum">
+              <a:rPr lang="cs-CZ" smtClean="0"/>
+              <a:t>40</a:t>
+            </a:fld>
+            <a:endParaRPr lang="cs-CZ"/>
+          </a:p>
+        </p:txBody>
+      </p:sp>
+    </p:spTree>
+    <p:extLst>
+      <p:ext uri="{BB962C8B-B14F-4D97-AF65-F5344CB8AC3E}">
+        <p14:creationId xmlns:p14="http://schemas.microsoft.com/office/powerpoint/2010/main" val="2321237154"/>
       </p:ext>
     </p:extLst>
   </p:cSld>
@@ -7189,7 +7489,7 @@
             <a:fld id="{1D8BD707-D9CF-40AE-B4C6-C98DA3205C09}" type="datetimeFigureOut">
               <a:rPr lang="en-US" smtClean="0"/>
               <a:pPr/>
-              <a:t>10/19/2023</a:t>
+              <a:t>11/2/2023</a:t>
             </a:fld>
             <a:endParaRPr lang="en-US"/>
           </a:p>
@@ -7354,7 +7654,7 @@
             <a:fld id="{1D8BD707-D9CF-40AE-B4C6-C98DA3205C09}" type="datetimeFigureOut">
               <a:rPr lang="en-US" smtClean="0"/>
               <a:pPr/>
-              <a:t>10/19/2023</a:t>
+              <a:t>11/2/2023</a:t>
             </a:fld>
             <a:endParaRPr lang="en-US"/>
           </a:p>
@@ -7529,7 +7829,7 @@
             <a:fld id="{1D8BD707-D9CF-40AE-B4C6-C98DA3205C09}" type="datetimeFigureOut">
               <a:rPr lang="en-US" smtClean="0"/>
               <a:pPr/>
-              <a:t>10/19/2023</a:t>
+              <a:t>11/2/2023</a:t>
             </a:fld>
             <a:endParaRPr lang="en-US"/>
           </a:p>
@@ -7694,7 +7994,7 @@
             <a:fld id="{1D8BD707-D9CF-40AE-B4C6-C98DA3205C09}" type="datetimeFigureOut">
               <a:rPr lang="en-US" smtClean="0"/>
               <a:pPr/>
-              <a:t>10/19/2023</a:t>
+              <a:t>11/2/2023</a:t>
             </a:fld>
             <a:endParaRPr lang="en-US"/>
           </a:p>
@@ -7936,7 +8236,7 @@
             <a:fld id="{1D8BD707-D9CF-40AE-B4C6-C98DA3205C09}" type="datetimeFigureOut">
               <a:rPr lang="en-US" smtClean="0"/>
               <a:pPr/>
-              <a:t>10/19/2023</a:t>
+              <a:t>11/2/2023</a:t>
             </a:fld>
             <a:endParaRPr lang="en-US"/>
           </a:p>
@@ -8218,7 +8518,7 @@
             <a:fld id="{1D8BD707-D9CF-40AE-B4C6-C98DA3205C09}" type="datetimeFigureOut">
               <a:rPr lang="en-US" smtClean="0"/>
               <a:pPr/>
-              <a:t>10/19/2023</a:t>
+              <a:t>11/2/2023</a:t>
             </a:fld>
             <a:endParaRPr lang="en-US"/>
           </a:p>
@@ -8634,7 +8934,7 @@
             <a:fld id="{1D8BD707-D9CF-40AE-B4C6-C98DA3205C09}" type="datetimeFigureOut">
               <a:rPr lang="en-US" smtClean="0"/>
               <a:pPr/>
-              <a:t>10/19/2023</a:t>
+              <a:t>11/2/2023</a:t>
             </a:fld>
             <a:endParaRPr lang="en-US"/>
           </a:p>
@@ -8748,7 +9048,7 @@
             <a:fld id="{1D8BD707-D9CF-40AE-B4C6-C98DA3205C09}" type="datetimeFigureOut">
               <a:rPr lang="en-US" smtClean="0"/>
               <a:pPr/>
-              <a:t>10/19/2023</a:t>
+              <a:t>11/2/2023</a:t>
             </a:fld>
             <a:endParaRPr lang="en-US"/>
           </a:p>
@@ -8840,7 +9140,7 @@
             <a:fld id="{1D8BD707-D9CF-40AE-B4C6-C98DA3205C09}" type="datetimeFigureOut">
               <a:rPr lang="en-US" smtClean="0"/>
               <a:pPr/>
-              <a:t>10/19/2023</a:t>
+              <a:t>11/2/2023</a:t>
             </a:fld>
             <a:endParaRPr lang="en-US"/>
           </a:p>
@@ -9112,7 +9412,7 @@
             <a:fld id="{1D8BD707-D9CF-40AE-B4C6-C98DA3205C09}" type="datetimeFigureOut">
               <a:rPr lang="en-US" smtClean="0"/>
               <a:pPr/>
-              <a:t>10/19/2023</a:t>
+              <a:t>11/2/2023</a:t>
             </a:fld>
             <a:endParaRPr lang="en-US"/>
           </a:p>
@@ -9361,7 +9661,7 @@
             <a:fld id="{1D8BD707-D9CF-40AE-B4C6-C98DA3205C09}" type="datetimeFigureOut">
               <a:rPr lang="en-US" smtClean="0"/>
               <a:pPr/>
-              <a:t>10/19/2023</a:t>
+              <a:t>11/2/2023</a:t>
             </a:fld>
             <a:endParaRPr lang="en-US"/>
           </a:p>
@@ -9569,7 +9869,7 @@
             <a:fld id="{1D8BD707-D9CF-40AE-B4C6-C98DA3205C09}" type="datetimeFigureOut">
               <a:rPr lang="en-US" smtClean="0"/>
               <a:pPr/>
-              <a:t>10/19/2023</a:t>
+              <a:t>11/2/2023</a:t>
             </a:fld>
             <a:endParaRPr lang="en-US"/>
           </a:p>
@@ -24942,6 +25242,1020 @@
       </p:grpSpPr>
       <p:sp>
         <p:nvSpPr>
+          <p:cNvPr id="3" name="Rectangle 2">
+            <a:extLst>
+              <a:ext uri="{FF2B5EF4-FFF2-40B4-BE49-F238E27FC236}">
+                <a16:creationId xmlns:a16="http://schemas.microsoft.com/office/drawing/2014/main" id="{9D0E6191-CC74-7526-2DDD-57F9445EE5E4}"/>
+              </a:ext>
+            </a:extLst>
+          </p:cNvPr>
+          <p:cNvSpPr/>
+          <p:nvPr/>
+        </p:nvSpPr>
+        <p:spPr>
+          <a:xfrm>
+            <a:off x="-168442" y="6667500"/>
+            <a:ext cx="18608841" cy="3619500"/>
+          </a:xfrm>
+          <a:prstGeom prst="rect">
+            <a:avLst/>
+          </a:prstGeom>
+          <a:solidFill>
+            <a:schemeClr val="bg1"/>
+          </a:solidFill>
+          <a:ln>
+            <a:noFill/>
+          </a:ln>
+        </p:spPr>
+        <p:style>
+          <a:lnRef idx="2">
+            <a:schemeClr val="accent1">
+              <a:shade val="15000"/>
+            </a:schemeClr>
+          </a:lnRef>
+          <a:fillRef idx="1">
+            <a:schemeClr val="accent1"/>
+          </a:fillRef>
+          <a:effectRef idx="0">
+            <a:schemeClr val="accent1"/>
+          </a:effectRef>
+          <a:fontRef idx="minor">
+            <a:schemeClr val="lt1"/>
+          </a:fontRef>
+        </p:style>
+        <p:txBody>
+          <a:bodyPr rtlCol="0" anchor="ctr"/>
+          <a:lstStyle/>
+          <a:p>
+            <a:pPr algn="ctr"/>
+            <a:endParaRPr lang="en-GB"/>
+          </a:p>
+        </p:txBody>
+      </p:sp>
+      <p:sp>
+        <p:nvSpPr>
+          <p:cNvPr id="9" name="Freeform 4">
+            <a:extLst>
+              <a:ext uri="{FF2B5EF4-FFF2-40B4-BE49-F238E27FC236}">
+                <a16:creationId xmlns:a16="http://schemas.microsoft.com/office/drawing/2014/main" id="{833B6F51-0EF4-1425-0A84-2887250C764C}"/>
+              </a:ext>
+            </a:extLst>
+          </p:cNvPr>
+          <p:cNvSpPr/>
+          <p:nvPr/>
+        </p:nvSpPr>
+        <p:spPr>
+          <a:xfrm>
+            <a:off x="-16041" y="521734"/>
+            <a:ext cx="18304041" cy="2048073"/>
+          </a:xfrm>
+          <a:custGeom>
+            <a:avLst/>
+            <a:gdLst/>
+            <a:ahLst/>
+            <a:cxnLst/>
+            <a:rect l="l" t="t" r="r" b="b"/>
+            <a:pathLst>
+              <a:path w="220314" h="2861297">
+                <a:moveTo>
+                  <a:pt x="0" y="0"/>
+                </a:moveTo>
+                <a:lnTo>
+                  <a:pt x="220314" y="0"/>
+                </a:lnTo>
+                <a:lnTo>
+                  <a:pt x="220314" y="2861297"/>
+                </a:lnTo>
+                <a:lnTo>
+                  <a:pt x="0" y="2861297"/>
+                </a:lnTo>
+                <a:close/>
+              </a:path>
+            </a:pathLst>
+          </a:custGeom>
+          <a:solidFill>
+            <a:srgbClr val="D3D9E2">
+              <a:alpha val="83922"/>
+            </a:srgbClr>
+          </a:solidFill>
+        </p:spPr>
+        <p:txBody>
+          <a:bodyPr/>
+          <a:lstStyle/>
+          <a:p>
+            <a:endParaRPr lang="en-DK"/>
+          </a:p>
+        </p:txBody>
+      </p:sp>
+      <p:sp>
+        <p:nvSpPr>
+          <p:cNvPr id="7" name="TextBox 7"/>
+          <p:cNvSpPr txBox="1"/>
+          <p:nvPr/>
+        </p:nvSpPr>
+        <p:spPr>
+          <a:xfrm>
+            <a:off x="1028700" y="1080000"/>
+            <a:ext cx="14664916" cy="940322"/>
+          </a:xfrm>
+          <a:prstGeom prst="rect">
+            <a:avLst/>
+          </a:prstGeom>
+        </p:spPr>
+        <p:txBody>
+          <a:bodyPr lIns="0" tIns="0" rIns="0" bIns="0" rtlCol="0" anchor="t">
+            <a:spAutoFit/>
+          </a:bodyPr>
+          <a:lstStyle/>
+          <a:p>
+            <a:pPr>
+              <a:lnSpc>
+                <a:spcPts val="7807"/>
+              </a:lnSpc>
+              <a:spcBef>
+                <a:spcPct val="0"/>
+              </a:spcBef>
+            </a:pPr>
+            <a:r>
+              <a:rPr lang="en-US" sz="5400" b="1" dirty="0">
+                <a:solidFill>
+                  <a:srgbClr val="404040"/>
+                </a:solidFill>
+                <a:latin typeface="Montserrat" pitchFamily="2" charset="77"/>
+              </a:rPr>
+              <a:t>SUMMARY STATISTICS</a:t>
+            </a:r>
+          </a:p>
+        </p:txBody>
+      </p:sp>
+      <p:sp>
+        <p:nvSpPr>
+          <p:cNvPr id="8" name="TextBox 8"/>
+          <p:cNvSpPr txBox="1"/>
+          <p:nvPr/>
+        </p:nvSpPr>
+        <p:spPr>
+          <a:xfrm>
+            <a:off x="1028700" y="3042184"/>
+            <a:ext cx="15963900" cy="3406958"/>
+          </a:xfrm>
+          <a:prstGeom prst="rect">
+            <a:avLst/>
+          </a:prstGeom>
+        </p:spPr>
+        <p:txBody>
+          <a:bodyPr wrap="square" lIns="0" tIns="0" rIns="0" bIns="0" rtlCol="0" anchor="t">
+            <a:spAutoFit/>
+          </a:bodyPr>
+          <a:lstStyle/>
+          <a:p>
+            <a:pPr>
+              <a:lnSpc>
+                <a:spcPts val="4480"/>
+              </a:lnSpc>
+            </a:pPr>
+            <a:r>
+              <a:rPr lang="en-US" sz="2800" dirty="0">
+                <a:solidFill>
+                  <a:srgbClr val="404040"/>
+                </a:solidFill>
+                <a:latin typeface="Montserrat"/>
+              </a:rPr>
+              <a:t>Summary statistics are used to distill a dataset into some key characteristics.</a:t>
+            </a:r>
+          </a:p>
+          <a:p>
+            <a:pPr>
+              <a:lnSpc>
+                <a:spcPts val="4480"/>
+              </a:lnSpc>
+            </a:pPr>
+            <a:endParaRPr lang="en-US" sz="2800" dirty="0">
+              <a:solidFill>
+                <a:srgbClr val="404040"/>
+              </a:solidFill>
+              <a:latin typeface="Montserrat"/>
+            </a:endParaRPr>
+          </a:p>
+          <a:p>
+            <a:pPr>
+              <a:lnSpc>
+                <a:spcPts val="4480"/>
+              </a:lnSpc>
+            </a:pPr>
+            <a:r>
+              <a:rPr lang="en-US" sz="2800" dirty="0">
+                <a:solidFill>
+                  <a:srgbClr val="404040"/>
+                </a:solidFill>
+                <a:latin typeface="Montserrat"/>
+              </a:rPr>
+              <a:t>They often include the following measures:</a:t>
+            </a:r>
+          </a:p>
+          <a:p>
+            <a:pPr marL="457200" indent="-457200">
+              <a:lnSpc>
+                <a:spcPts val="4480"/>
+              </a:lnSpc>
+              <a:buFont typeface="Arial" panose="020B0604020202020204" pitchFamily="34" charset="0"/>
+              <a:buChar char="•"/>
+            </a:pPr>
+            <a:r>
+              <a:rPr lang="en-US" sz="2800" dirty="0">
+                <a:solidFill>
+                  <a:srgbClr val="404040"/>
+                </a:solidFill>
+                <a:latin typeface="Montserrat"/>
+              </a:rPr>
+              <a:t>Central tendency (mean, median, mode)</a:t>
+            </a:r>
+          </a:p>
+          <a:p>
+            <a:pPr marL="457200" indent="-457200">
+              <a:lnSpc>
+                <a:spcPts val="4480"/>
+              </a:lnSpc>
+              <a:buFont typeface="Arial" panose="020B0604020202020204" pitchFamily="34" charset="0"/>
+              <a:buChar char="•"/>
+            </a:pPr>
+            <a:r>
+              <a:rPr lang="en-US" sz="2800" dirty="0">
+                <a:solidFill>
+                  <a:srgbClr val="404040"/>
+                </a:solidFill>
+                <a:latin typeface="Montserrat"/>
+              </a:rPr>
+              <a:t>Spread (standard deviation)</a:t>
+            </a:r>
+          </a:p>
+          <a:p>
+            <a:pPr marL="457200" indent="-457200">
+              <a:lnSpc>
+                <a:spcPts val="4480"/>
+              </a:lnSpc>
+              <a:buFont typeface="Arial" panose="020B0604020202020204" pitchFamily="34" charset="0"/>
+              <a:buChar char="•"/>
+            </a:pPr>
+            <a:r>
+              <a:rPr lang="en-US" sz="2800" dirty="0">
+                <a:solidFill>
+                  <a:srgbClr val="404040"/>
+                </a:solidFill>
+                <a:latin typeface="Montserrat"/>
+              </a:rPr>
+              <a:t>Minimum and Maximum</a:t>
+            </a:r>
+          </a:p>
+        </p:txBody>
+      </p:sp>
+      <p:pic>
+        <p:nvPicPr>
+          <p:cNvPr id="6" name="Picture 5" descr="A blue and black logo&#10;&#10;Description automatically generated">
+            <a:extLst>
+              <a:ext uri="{FF2B5EF4-FFF2-40B4-BE49-F238E27FC236}">
+                <a16:creationId xmlns:a16="http://schemas.microsoft.com/office/drawing/2014/main" id="{8E4FA2DE-3FB6-D496-E53A-E23E514D4DDA}"/>
+              </a:ext>
+            </a:extLst>
+          </p:cNvPr>
+          <p:cNvPicPr>
+            <a:picLocks noChangeAspect="1"/>
+          </p:cNvPicPr>
+          <p:nvPr/>
+        </p:nvPicPr>
+        <p:blipFill>
+          <a:blip r:embed="rId3" cstate="print">
+            <a:extLst>
+              <a:ext uri="{BEBA8EAE-BF5A-486C-A8C5-ECC9F3942E4B}">
+                <a14:imgProps xmlns:a14="http://schemas.microsoft.com/office/drawing/2010/main">
+                  <a14:imgLayer r:embed="rId4">
+                    <a14:imgEffect>
+                      <a14:colorTemperature colorTemp="4700"/>
+                    </a14:imgEffect>
+                    <a14:imgEffect>
+                      <a14:saturation sat="64000"/>
+                    </a14:imgEffect>
+                  </a14:imgLayer>
+                </a14:imgProps>
+              </a:ext>
+              <a:ext uri="{28A0092B-C50C-407E-A947-70E740481C1C}">
+                <a14:useLocalDpi xmlns:a14="http://schemas.microsoft.com/office/drawing/2010/main" val="0"/>
+              </a:ext>
+            </a:extLst>
+          </a:blip>
+          <a:stretch>
+            <a:fillRect/>
+          </a:stretch>
+        </p:blipFill>
+        <p:spPr>
+          <a:xfrm>
+            <a:off x="17373600" y="9246781"/>
+            <a:ext cx="762000" cy="925919"/>
+          </a:xfrm>
+          <a:prstGeom prst="rect">
+            <a:avLst/>
+          </a:prstGeom>
+        </p:spPr>
+      </p:pic>
+      <p:sp>
+        <p:nvSpPr>
+          <p:cNvPr id="2" name="TextBox 8">
+            <a:extLst>
+              <a:ext uri="{FF2B5EF4-FFF2-40B4-BE49-F238E27FC236}">
+                <a16:creationId xmlns:a16="http://schemas.microsoft.com/office/drawing/2014/main" id="{23A87973-DBFF-AD85-8435-7F426E93291B}"/>
+              </a:ext>
+            </a:extLst>
+          </p:cNvPr>
+          <p:cNvSpPr txBox="1"/>
+          <p:nvPr/>
+        </p:nvSpPr>
+        <p:spPr>
+          <a:xfrm>
+            <a:off x="10134600" y="4196346"/>
+            <a:ext cx="7489416" cy="2252796"/>
+          </a:xfrm>
+          <a:prstGeom prst="rect">
+            <a:avLst/>
+          </a:prstGeom>
+        </p:spPr>
+        <p:txBody>
+          <a:bodyPr wrap="square" lIns="0" tIns="0" rIns="0" bIns="0" rtlCol="0" anchor="t">
+            <a:spAutoFit/>
+          </a:bodyPr>
+          <a:lstStyle/>
+          <a:p>
+            <a:pPr>
+              <a:lnSpc>
+                <a:spcPts val="4480"/>
+              </a:lnSpc>
+            </a:pPr>
+            <a:endParaRPr lang="en-US" sz="2800" dirty="0">
+              <a:solidFill>
+                <a:srgbClr val="404040"/>
+              </a:solidFill>
+              <a:latin typeface="Montserrat"/>
+            </a:endParaRPr>
+          </a:p>
+          <a:p>
+            <a:pPr marL="457200" indent="-457200">
+              <a:lnSpc>
+                <a:spcPts val="4480"/>
+              </a:lnSpc>
+              <a:buFont typeface="Arial" panose="020B0604020202020204" pitchFamily="34" charset="0"/>
+              <a:buChar char="•"/>
+            </a:pPr>
+            <a:r>
+              <a:rPr lang="en-US" sz="2800" dirty="0">
+                <a:solidFill>
+                  <a:srgbClr val="404040"/>
+                </a:solidFill>
+                <a:latin typeface="Montserrat"/>
+              </a:rPr>
+              <a:t>Quartiles </a:t>
+            </a:r>
+          </a:p>
+          <a:p>
+            <a:pPr marL="457200" indent="-457200">
+              <a:lnSpc>
+                <a:spcPts val="4480"/>
+              </a:lnSpc>
+              <a:buFont typeface="Arial" panose="020B0604020202020204" pitchFamily="34" charset="0"/>
+              <a:buChar char="•"/>
+            </a:pPr>
+            <a:r>
+              <a:rPr lang="en-US" sz="2800" dirty="0">
+                <a:solidFill>
+                  <a:srgbClr val="404040"/>
+                </a:solidFill>
+                <a:latin typeface="Montserrat"/>
+              </a:rPr>
+              <a:t>Shape of the distribution</a:t>
+            </a:r>
+          </a:p>
+          <a:p>
+            <a:pPr marL="457200" indent="-457200">
+              <a:lnSpc>
+                <a:spcPts val="4480"/>
+              </a:lnSpc>
+              <a:buFont typeface="Arial" panose="020B0604020202020204" pitchFamily="34" charset="0"/>
+              <a:buChar char="•"/>
+            </a:pPr>
+            <a:r>
+              <a:rPr lang="en-US" sz="2800" dirty="0">
+                <a:solidFill>
+                  <a:srgbClr val="404040"/>
+                </a:solidFill>
+                <a:latin typeface="Montserrat"/>
+              </a:rPr>
+              <a:t>Correlation between features</a:t>
+            </a:r>
+          </a:p>
+        </p:txBody>
+      </p:sp>
+      <p:pic>
+        <p:nvPicPr>
+          <p:cNvPr id="5" name="Picture 4" descr="A diagram of a box with text&#10;&#10;Description automatically generated with medium confidence">
+            <a:extLst>
+              <a:ext uri="{FF2B5EF4-FFF2-40B4-BE49-F238E27FC236}">
+                <a16:creationId xmlns:a16="http://schemas.microsoft.com/office/drawing/2014/main" id="{DA2B0B3D-7CB8-BF72-1D0B-7F81FDAD0D5B}"/>
+              </a:ext>
+            </a:extLst>
+          </p:cNvPr>
+          <p:cNvPicPr>
+            <a:picLocks noChangeAspect="1"/>
+          </p:cNvPicPr>
+          <p:nvPr/>
+        </p:nvPicPr>
+        <p:blipFill rotWithShape="1">
+          <a:blip r:embed="rId5" cstate="print">
+            <a:extLst>
+              <a:ext uri="{28A0092B-C50C-407E-A947-70E740481C1C}">
+                <a14:useLocalDpi xmlns:a14="http://schemas.microsoft.com/office/drawing/2010/main" val="0"/>
+              </a:ext>
+            </a:extLst>
+          </a:blip>
+          <a:srcRect l="3069" t="2593" r="1923" b="18148"/>
+          <a:stretch/>
+        </p:blipFill>
+        <p:spPr>
+          <a:xfrm>
+            <a:off x="3962400" y="7124700"/>
+            <a:ext cx="1891469" cy="2438400"/>
+          </a:xfrm>
+          <a:prstGeom prst="rect">
+            <a:avLst/>
+          </a:prstGeom>
+        </p:spPr>
+      </p:pic>
+      <p:pic>
+        <p:nvPicPr>
+          <p:cNvPr id="11" name="Picture 10" descr="A graph with different colored lines&#10;&#10;Description automatically generated">
+            <a:extLst>
+              <a:ext uri="{FF2B5EF4-FFF2-40B4-BE49-F238E27FC236}">
+                <a16:creationId xmlns:a16="http://schemas.microsoft.com/office/drawing/2014/main" id="{B854738E-6F4F-BFC9-5918-A56E704F90AE}"/>
+              </a:ext>
+            </a:extLst>
+          </p:cNvPr>
+          <p:cNvPicPr>
+            <a:picLocks noChangeAspect="1"/>
+          </p:cNvPicPr>
+          <p:nvPr/>
+        </p:nvPicPr>
+        <p:blipFill>
+          <a:blip r:embed="rId6" cstate="print">
+            <a:extLst>
+              <a:ext uri="{28A0092B-C50C-407E-A947-70E740481C1C}">
+                <a14:useLocalDpi xmlns:a14="http://schemas.microsoft.com/office/drawing/2010/main" val="0"/>
+              </a:ext>
+            </a:extLst>
+          </a:blip>
+          <a:stretch>
+            <a:fillRect/>
+          </a:stretch>
+        </p:blipFill>
+        <p:spPr>
+          <a:xfrm>
+            <a:off x="10879014" y="7603304"/>
+            <a:ext cx="3110237" cy="2073491"/>
+          </a:xfrm>
+          <a:prstGeom prst="rect">
+            <a:avLst/>
+          </a:prstGeom>
+        </p:spPr>
+      </p:pic>
+    </p:spTree>
+    <p:extLst>
+      <p:ext uri="{BB962C8B-B14F-4D97-AF65-F5344CB8AC3E}">
+        <p14:creationId xmlns:p14="http://schemas.microsoft.com/office/powerpoint/2010/main" val="2426803867"/>
+      </p:ext>
+    </p:extLst>
+  </p:cSld>
+  <p:clrMapOvr>
+    <a:masterClrMapping/>
+  </p:clrMapOvr>
+</p:sld>
+</file>
+
+<file path=ppt/slides/slide23.xml><?xml version="1.0" encoding="utf-8"?>
+<p:sld xmlns:a="http://schemas.openxmlformats.org/drawingml/2006/main" xmlns:r="http://schemas.openxmlformats.org/officeDocument/2006/relationships" xmlns:p="http://schemas.openxmlformats.org/presentationml/2006/main">
+  <p:cSld>
+    <p:bg>
+      <p:bgPr>
+        <a:solidFill>
+          <a:srgbClr val="F4F4F4"/>
+        </a:solidFill>
+        <a:effectLst/>
+      </p:bgPr>
+    </p:bg>
+    <p:spTree>
+      <p:nvGrpSpPr>
+        <p:cNvPr id="1" name=""/>
+        <p:cNvGrpSpPr/>
+        <p:nvPr/>
+      </p:nvGrpSpPr>
+      <p:grpSpPr>
+        <a:xfrm>
+          <a:off x="0" y="0"/>
+          <a:ext cx="0" cy="0"/>
+          <a:chOff x="0" y="0"/>
+          <a:chExt cx="0" cy="0"/>
+        </a:xfrm>
+      </p:grpSpPr>
+      <p:sp>
+        <p:nvSpPr>
+          <p:cNvPr id="9" name="Freeform 4">
+            <a:extLst>
+              <a:ext uri="{FF2B5EF4-FFF2-40B4-BE49-F238E27FC236}">
+                <a16:creationId xmlns:a16="http://schemas.microsoft.com/office/drawing/2014/main" id="{833B6F51-0EF4-1425-0A84-2887250C764C}"/>
+              </a:ext>
+            </a:extLst>
+          </p:cNvPr>
+          <p:cNvSpPr/>
+          <p:nvPr/>
+        </p:nvSpPr>
+        <p:spPr>
+          <a:xfrm>
+            <a:off x="-16041" y="521734"/>
+            <a:ext cx="18304041" cy="2048073"/>
+          </a:xfrm>
+          <a:custGeom>
+            <a:avLst/>
+            <a:gdLst/>
+            <a:ahLst/>
+            <a:cxnLst/>
+            <a:rect l="l" t="t" r="r" b="b"/>
+            <a:pathLst>
+              <a:path w="220314" h="2861297">
+                <a:moveTo>
+                  <a:pt x="0" y="0"/>
+                </a:moveTo>
+                <a:lnTo>
+                  <a:pt x="220314" y="0"/>
+                </a:lnTo>
+                <a:lnTo>
+                  <a:pt x="220314" y="2861297"/>
+                </a:lnTo>
+                <a:lnTo>
+                  <a:pt x="0" y="2861297"/>
+                </a:lnTo>
+                <a:close/>
+              </a:path>
+            </a:pathLst>
+          </a:custGeom>
+          <a:solidFill>
+            <a:srgbClr val="D3D9E2">
+              <a:alpha val="83922"/>
+            </a:srgbClr>
+          </a:solidFill>
+        </p:spPr>
+        <p:txBody>
+          <a:bodyPr/>
+          <a:lstStyle/>
+          <a:p>
+            <a:endParaRPr lang="en-DK"/>
+          </a:p>
+        </p:txBody>
+      </p:sp>
+      <p:sp>
+        <p:nvSpPr>
+          <p:cNvPr id="3" name="Rectangle 2">
+            <a:extLst>
+              <a:ext uri="{FF2B5EF4-FFF2-40B4-BE49-F238E27FC236}">
+                <a16:creationId xmlns:a16="http://schemas.microsoft.com/office/drawing/2014/main" id="{9D0E6191-CC74-7526-2DDD-57F9445EE5E4}"/>
+              </a:ext>
+            </a:extLst>
+          </p:cNvPr>
+          <p:cNvSpPr/>
+          <p:nvPr/>
+        </p:nvSpPr>
+        <p:spPr>
+          <a:xfrm>
+            <a:off x="9677400" y="-190500"/>
+            <a:ext cx="8762999" cy="10477500"/>
+          </a:xfrm>
+          <a:prstGeom prst="rect">
+            <a:avLst/>
+          </a:prstGeom>
+          <a:solidFill>
+            <a:schemeClr val="bg1"/>
+          </a:solidFill>
+          <a:ln>
+            <a:noFill/>
+          </a:ln>
+        </p:spPr>
+        <p:style>
+          <a:lnRef idx="2">
+            <a:schemeClr val="accent1">
+              <a:shade val="15000"/>
+            </a:schemeClr>
+          </a:lnRef>
+          <a:fillRef idx="1">
+            <a:schemeClr val="accent1"/>
+          </a:fillRef>
+          <a:effectRef idx="0">
+            <a:schemeClr val="accent1"/>
+          </a:effectRef>
+          <a:fontRef idx="minor">
+            <a:schemeClr val="lt1"/>
+          </a:fontRef>
+        </p:style>
+        <p:txBody>
+          <a:bodyPr rtlCol="0" anchor="ctr"/>
+          <a:lstStyle/>
+          <a:p>
+            <a:pPr algn="ctr"/>
+            <a:endParaRPr lang="en-GB"/>
+          </a:p>
+        </p:txBody>
+      </p:sp>
+      <p:sp>
+        <p:nvSpPr>
+          <p:cNvPr id="7" name="TextBox 7"/>
+          <p:cNvSpPr txBox="1"/>
+          <p:nvPr/>
+        </p:nvSpPr>
+        <p:spPr>
+          <a:xfrm>
+            <a:off x="1028700" y="1080000"/>
+            <a:ext cx="14664916" cy="940322"/>
+          </a:xfrm>
+          <a:prstGeom prst="rect">
+            <a:avLst/>
+          </a:prstGeom>
+        </p:spPr>
+        <p:txBody>
+          <a:bodyPr lIns="0" tIns="0" rIns="0" bIns="0" rtlCol="0" anchor="t">
+            <a:spAutoFit/>
+          </a:bodyPr>
+          <a:lstStyle/>
+          <a:p>
+            <a:pPr>
+              <a:lnSpc>
+                <a:spcPts val="7807"/>
+              </a:lnSpc>
+              <a:spcBef>
+                <a:spcPct val="0"/>
+              </a:spcBef>
+            </a:pPr>
+            <a:r>
+              <a:rPr lang="en-US" sz="5400" b="1" dirty="0">
+                <a:solidFill>
+                  <a:srgbClr val="404040"/>
+                </a:solidFill>
+                <a:latin typeface="Montserrat" pitchFamily="2" charset="77"/>
+              </a:rPr>
+              <a:t>SUMMARY STATISTICS</a:t>
+            </a:r>
+          </a:p>
+        </p:txBody>
+      </p:sp>
+      <p:sp>
+        <p:nvSpPr>
+          <p:cNvPr id="8" name="TextBox 8"/>
+          <p:cNvSpPr txBox="1"/>
+          <p:nvPr/>
+        </p:nvSpPr>
+        <p:spPr>
+          <a:xfrm>
+            <a:off x="1028700" y="3042184"/>
+            <a:ext cx="8648700" cy="6292364"/>
+          </a:xfrm>
+          <a:prstGeom prst="rect">
+            <a:avLst/>
+          </a:prstGeom>
+        </p:spPr>
+        <p:txBody>
+          <a:bodyPr wrap="square" lIns="0" tIns="0" rIns="0" bIns="0" rtlCol="0" anchor="t">
+            <a:spAutoFit/>
+          </a:bodyPr>
+          <a:lstStyle/>
+          <a:p>
+            <a:pPr>
+              <a:lnSpc>
+                <a:spcPts val="4480"/>
+              </a:lnSpc>
+            </a:pPr>
+            <a:r>
+              <a:rPr lang="en-US" sz="2800" dirty="0">
+                <a:solidFill>
+                  <a:srgbClr val="404040"/>
+                </a:solidFill>
+                <a:latin typeface="Montserrat"/>
+              </a:rPr>
+              <a:t>Summary statistics are used to distill a dataset into some key characteristics.</a:t>
+            </a:r>
+          </a:p>
+          <a:p>
+            <a:pPr>
+              <a:lnSpc>
+                <a:spcPts val="4480"/>
+              </a:lnSpc>
+            </a:pPr>
+            <a:endParaRPr lang="en-US" sz="2800" dirty="0">
+              <a:solidFill>
+                <a:srgbClr val="404040"/>
+              </a:solidFill>
+              <a:latin typeface="Montserrat"/>
+            </a:endParaRPr>
+          </a:p>
+          <a:p>
+            <a:pPr>
+              <a:lnSpc>
+                <a:spcPts val="4480"/>
+              </a:lnSpc>
+            </a:pPr>
+            <a:r>
+              <a:rPr lang="en-US" sz="2800" dirty="0">
+                <a:solidFill>
+                  <a:srgbClr val="404040"/>
+                </a:solidFill>
+                <a:latin typeface="Montserrat"/>
+              </a:rPr>
+              <a:t>They often include the following measures:</a:t>
+            </a:r>
+          </a:p>
+          <a:p>
+            <a:pPr marL="457200" indent="-457200">
+              <a:lnSpc>
+                <a:spcPts val="4480"/>
+              </a:lnSpc>
+              <a:buFont typeface="Arial" panose="020B0604020202020204" pitchFamily="34" charset="0"/>
+              <a:buChar char="•"/>
+            </a:pPr>
+            <a:r>
+              <a:rPr lang="en-US" sz="2800" dirty="0">
+                <a:solidFill>
+                  <a:srgbClr val="404040"/>
+                </a:solidFill>
+                <a:latin typeface="Montserrat"/>
+              </a:rPr>
+              <a:t>Central tendency (mean, median, mode)</a:t>
+            </a:r>
+          </a:p>
+          <a:p>
+            <a:pPr marL="457200" indent="-457200">
+              <a:lnSpc>
+                <a:spcPts val="4480"/>
+              </a:lnSpc>
+              <a:buFont typeface="Arial" panose="020B0604020202020204" pitchFamily="34" charset="0"/>
+              <a:buChar char="•"/>
+            </a:pPr>
+            <a:r>
+              <a:rPr lang="en-US" sz="2800" dirty="0">
+                <a:solidFill>
+                  <a:srgbClr val="404040"/>
+                </a:solidFill>
+                <a:latin typeface="Montserrat"/>
+              </a:rPr>
+              <a:t>Spread (standard deviation)</a:t>
+            </a:r>
+          </a:p>
+          <a:p>
+            <a:pPr marL="457200" indent="-457200">
+              <a:lnSpc>
+                <a:spcPts val="4480"/>
+              </a:lnSpc>
+              <a:buFont typeface="Arial" panose="020B0604020202020204" pitchFamily="34" charset="0"/>
+              <a:buChar char="•"/>
+            </a:pPr>
+            <a:r>
+              <a:rPr lang="en-US" sz="2800" dirty="0">
+                <a:solidFill>
+                  <a:srgbClr val="404040"/>
+                </a:solidFill>
+                <a:latin typeface="Montserrat"/>
+              </a:rPr>
+              <a:t>Minimum and Maximum</a:t>
+            </a:r>
+          </a:p>
+          <a:p>
+            <a:pPr marL="457200" indent="-457200">
+              <a:lnSpc>
+                <a:spcPts val="4480"/>
+              </a:lnSpc>
+              <a:buFont typeface="Arial" panose="020B0604020202020204" pitchFamily="34" charset="0"/>
+              <a:buChar char="•"/>
+            </a:pPr>
+            <a:r>
+              <a:rPr lang="en-US" sz="2800" dirty="0">
+                <a:solidFill>
+                  <a:srgbClr val="404040"/>
+                </a:solidFill>
+                <a:latin typeface="Montserrat"/>
+              </a:rPr>
+              <a:t>Quartiles </a:t>
+            </a:r>
+          </a:p>
+          <a:p>
+            <a:pPr marL="457200" indent="-457200">
+              <a:lnSpc>
+                <a:spcPts val="4480"/>
+              </a:lnSpc>
+              <a:buFont typeface="Arial" panose="020B0604020202020204" pitchFamily="34" charset="0"/>
+              <a:buChar char="•"/>
+            </a:pPr>
+            <a:r>
+              <a:rPr lang="en-US" sz="2800" dirty="0">
+                <a:solidFill>
+                  <a:srgbClr val="404040"/>
+                </a:solidFill>
+                <a:latin typeface="Montserrat"/>
+              </a:rPr>
+              <a:t>Shape of the distribution</a:t>
+            </a:r>
+          </a:p>
+          <a:p>
+            <a:pPr marL="457200" indent="-457200">
+              <a:lnSpc>
+                <a:spcPts val="4480"/>
+              </a:lnSpc>
+              <a:buFont typeface="Arial" panose="020B0604020202020204" pitchFamily="34" charset="0"/>
+              <a:buChar char="•"/>
+            </a:pPr>
+            <a:r>
+              <a:rPr lang="en-US" sz="2800" dirty="0">
+                <a:solidFill>
+                  <a:srgbClr val="404040"/>
+                </a:solidFill>
+                <a:latin typeface="Montserrat"/>
+              </a:rPr>
+              <a:t>Correlation between features</a:t>
+            </a:r>
+          </a:p>
+          <a:p>
+            <a:pPr>
+              <a:lnSpc>
+                <a:spcPts val="4480"/>
+              </a:lnSpc>
+            </a:pPr>
+            <a:endParaRPr lang="en-US" sz="2800" dirty="0">
+              <a:solidFill>
+                <a:srgbClr val="404040"/>
+              </a:solidFill>
+              <a:latin typeface="Montserrat"/>
+            </a:endParaRPr>
+          </a:p>
+        </p:txBody>
+      </p:sp>
+      <p:pic>
+        <p:nvPicPr>
+          <p:cNvPr id="6" name="Picture 5" descr="A blue and black logo&#10;&#10;Description automatically generated">
+            <a:extLst>
+              <a:ext uri="{FF2B5EF4-FFF2-40B4-BE49-F238E27FC236}">
+                <a16:creationId xmlns:a16="http://schemas.microsoft.com/office/drawing/2014/main" id="{8E4FA2DE-3FB6-D496-E53A-E23E514D4DDA}"/>
+              </a:ext>
+            </a:extLst>
+          </p:cNvPr>
+          <p:cNvPicPr>
+            <a:picLocks noChangeAspect="1"/>
+          </p:cNvPicPr>
+          <p:nvPr/>
+        </p:nvPicPr>
+        <p:blipFill>
+          <a:blip r:embed="rId3" cstate="print">
+            <a:extLst>
+              <a:ext uri="{BEBA8EAE-BF5A-486C-A8C5-ECC9F3942E4B}">
+                <a14:imgProps xmlns:a14="http://schemas.microsoft.com/office/drawing/2010/main">
+                  <a14:imgLayer r:embed="rId4">
+                    <a14:imgEffect>
+                      <a14:colorTemperature colorTemp="4700"/>
+                    </a14:imgEffect>
+                    <a14:imgEffect>
+                      <a14:saturation sat="64000"/>
+                    </a14:imgEffect>
+                  </a14:imgLayer>
+                </a14:imgProps>
+              </a:ext>
+              <a:ext uri="{28A0092B-C50C-407E-A947-70E740481C1C}">
+                <a14:useLocalDpi xmlns:a14="http://schemas.microsoft.com/office/drawing/2010/main" val="0"/>
+              </a:ext>
+            </a:extLst>
+          </a:blip>
+          <a:stretch>
+            <a:fillRect/>
+          </a:stretch>
+        </p:blipFill>
+        <p:spPr>
+          <a:xfrm>
+            <a:off x="17373600" y="9246781"/>
+            <a:ext cx="762000" cy="925919"/>
+          </a:xfrm>
+          <a:prstGeom prst="rect">
+            <a:avLst/>
+          </a:prstGeom>
+        </p:spPr>
+      </p:pic>
+      <p:pic>
+        <p:nvPicPr>
+          <p:cNvPr id="5" name="Picture 4" descr="A diagram of a box with text&#10;&#10;Description automatically generated with medium confidence">
+            <a:extLst>
+              <a:ext uri="{FF2B5EF4-FFF2-40B4-BE49-F238E27FC236}">
+                <a16:creationId xmlns:a16="http://schemas.microsoft.com/office/drawing/2014/main" id="{DA2B0B3D-7CB8-BF72-1D0B-7F81FDAD0D5B}"/>
+              </a:ext>
+            </a:extLst>
+          </p:cNvPr>
+          <p:cNvPicPr>
+            <a:picLocks noChangeAspect="1"/>
+          </p:cNvPicPr>
+          <p:nvPr/>
+        </p:nvPicPr>
+        <p:blipFill rotWithShape="1">
+          <a:blip r:embed="rId5" cstate="print">
+            <a:extLst>
+              <a:ext uri="{28A0092B-C50C-407E-A947-70E740481C1C}">
+                <a14:useLocalDpi xmlns:a14="http://schemas.microsoft.com/office/drawing/2010/main" val="0"/>
+              </a:ext>
+            </a:extLst>
+          </a:blip>
+          <a:srcRect l="3069" t="2593" r="1923" b="18148"/>
+          <a:stretch/>
+        </p:blipFill>
+        <p:spPr>
+          <a:xfrm>
+            <a:off x="12479458" y="521734"/>
+            <a:ext cx="3290357" cy="4241786"/>
+          </a:xfrm>
+          <a:prstGeom prst="rect">
+            <a:avLst/>
+          </a:prstGeom>
+        </p:spPr>
+      </p:pic>
+      <p:pic>
+        <p:nvPicPr>
+          <p:cNvPr id="11" name="Picture 10" descr="A graph with different colored lines&#10;&#10;Description automatically generated">
+            <a:extLst>
+              <a:ext uri="{FF2B5EF4-FFF2-40B4-BE49-F238E27FC236}">
+                <a16:creationId xmlns:a16="http://schemas.microsoft.com/office/drawing/2014/main" id="{B854738E-6F4F-BFC9-5918-A56E704F90AE}"/>
+              </a:ext>
+            </a:extLst>
+          </p:cNvPr>
+          <p:cNvPicPr>
+            <a:picLocks noChangeAspect="1"/>
+          </p:cNvPicPr>
+          <p:nvPr/>
+        </p:nvPicPr>
+        <p:blipFill>
+          <a:blip r:embed="rId6" cstate="print">
+            <a:extLst>
+              <a:ext uri="{28A0092B-C50C-407E-A947-70E740481C1C}">
+                <a14:useLocalDpi xmlns:a14="http://schemas.microsoft.com/office/drawing/2010/main" val="0"/>
+              </a:ext>
+            </a:extLst>
+          </a:blip>
+          <a:stretch>
+            <a:fillRect/>
+          </a:stretch>
+        </p:blipFill>
+        <p:spPr>
+          <a:xfrm>
+            <a:off x="11810999" y="5254748"/>
+            <a:ext cx="5943601" cy="3962400"/>
+          </a:xfrm>
+          <a:prstGeom prst="rect">
+            <a:avLst/>
+          </a:prstGeom>
+        </p:spPr>
+      </p:pic>
+    </p:spTree>
+    <p:extLst>
+      <p:ext uri="{BB962C8B-B14F-4D97-AF65-F5344CB8AC3E}">
+        <p14:creationId xmlns:p14="http://schemas.microsoft.com/office/powerpoint/2010/main" val="592969717"/>
+      </p:ext>
+    </p:extLst>
+  </p:cSld>
+  <p:clrMapOvr>
+    <a:masterClrMapping/>
+  </p:clrMapOvr>
+</p:sld>
+</file>
+
+<file path=ppt/slides/slide24.xml><?xml version="1.0" encoding="utf-8"?>
+<p:sld xmlns:a="http://schemas.openxmlformats.org/drawingml/2006/main" xmlns:r="http://schemas.openxmlformats.org/officeDocument/2006/relationships" xmlns:p="http://schemas.openxmlformats.org/presentationml/2006/main">
+  <p:cSld>
+    <p:bg>
+      <p:bgPr>
+        <a:solidFill>
+          <a:srgbClr val="F4F4F4"/>
+        </a:solidFill>
+        <a:effectLst/>
+      </p:bgPr>
+    </p:bg>
+    <p:spTree>
+      <p:nvGrpSpPr>
+        <p:cNvPr id="1" name=""/>
+        <p:cNvGrpSpPr/>
+        <p:nvPr/>
+      </p:nvGrpSpPr>
+      <p:grpSpPr>
+        <a:xfrm>
+          <a:off x="0" y="0"/>
+          <a:ext cx="0" cy="0"/>
+          <a:chOff x="0" y="0"/>
+          <a:chExt cx="0" cy="0"/>
+        </a:xfrm>
+      </p:grpSpPr>
+      <p:sp>
+        <p:nvSpPr>
           <p:cNvPr id="12" name="Freeform 4">
             <a:extLst>
               <a:ext uri="{FF2B5EF4-FFF2-40B4-BE49-F238E27FC236}">
@@ -25224,7 +26538,7 @@
 </p:sld>
 </file>
 
-<file path=ppt/slides/slide23.xml><?xml version="1.0" encoding="utf-8"?>
+<file path=ppt/slides/slide25.xml><?xml version="1.0" encoding="utf-8"?>
 <p:sld xmlns:a="http://schemas.openxmlformats.org/drawingml/2006/main" xmlns:r="http://schemas.openxmlformats.org/officeDocument/2006/relationships" xmlns:p="http://schemas.openxmlformats.org/presentationml/2006/main">
   <p:cSld>
     <p:spTree>
@@ -26478,7 +27792,7 @@
 </p:sld>
 </file>
 
-<file path=ppt/slides/slide24.xml><?xml version="1.0" encoding="utf-8"?>
+<file path=ppt/slides/slide26.xml><?xml version="1.0" encoding="utf-8"?>
 <p:sld xmlns:a="http://schemas.openxmlformats.org/drawingml/2006/main" xmlns:r="http://schemas.openxmlformats.org/officeDocument/2006/relationships" xmlns:p="http://schemas.openxmlformats.org/presentationml/2006/main">
   <p:cSld>
     <p:spTree>
@@ -27375,7 +28689,7 @@
 </p:sld>
 </file>
 
-<file path=ppt/slides/slide25.xml><?xml version="1.0" encoding="utf-8"?>
+<file path=ppt/slides/slide27.xml><?xml version="1.0" encoding="utf-8"?>
 <p:sld xmlns:a="http://schemas.openxmlformats.org/drawingml/2006/main" xmlns:r="http://schemas.openxmlformats.org/officeDocument/2006/relationships" xmlns:p="http://schemas.openxmlformats.org/presentationml/2006/main">
   <p:cSld>
     <p:spTree>
@@ -27721,7 +29035,7 @@
 </p:sld>
 </file>
 
-<file path=ppt/slides/slide26.xml><?xml version="1.0" encoding="utf-8"?>
+<file path=ppt/slides/slide28.xml><?xml version="1.0" encoding="utf-8"?>
 <p:sld xmlns:a="http://schemas.openxmlformats.org/drawingml/2006/main" xmlns:r="http://schemas.openxmlformats.org/officeDocument/2006/relationships" xmlns:p="http://schemas.openxmlformats.org/presentationml/2006/main">
   <p:cSld>
     <p:spTree>
@@ -27966,7 +29280,7 @@
 </p:sld>
 </file>
 
-<file path=ppt/slides/slide27.xml><?xml version="1.0" encoding="utf-8"?>
+<file path=ppt/slides/slide29.xml><?xml version="1.0" encoding="utf-8"?>
 <p:sld xmlns:a="http://schemas.openxmlformats.org/drawingml/2006/main" xmlns:r="http://schemas.openxmlformats.org/officeDocument/2006/relationships" xmlns:p="http://schemas.openxmlformats.org/presentationml/2006/main">
   <p:cSld>
     <p:spTree>
@@ -28981,7 +30295,878 @@
 </p:sld>
 </file>
 
-<file path=ppt/slides/slide28.xml><?xml version="1.0" encoding="utf-8"?>
+<file path=ppt/slides/slide3.xml><?xml version="1.0" encoding="utf-8"?>
+<p:sld xmlns:a="http://schemas.openxmlformats.org/drawingml/2006/main" xmlns:r="http://schemas.openxmlformats.org/officeDocument/2006/relationships" xmlns:p="http://schemas.openxmlformats.org/presentationml/2006/main">
+  <p:cSld>
+    <p:bg>
+      <p:bgPr>
+        <a:solidFill>
+          <a:srgbClr val="F4F4F4"/>
+        </a:solidFill>
+        <a:effectLst/>
+      </p:bgPr>
+    </p:bg>
+    <p:spTree>
+      <p:nvGrpSpPr>
+        <p:cNvPr id="1" name=""/>
+        <p:cNvGrpSpPr/>
+        <p:nvPr/>
+      </p:nvGrpSpPr>
+      <p:grpSpPr>
+        <a:xfrm>
+          <a:off x="0" y="0"/>
+          <a:ext cx="0" cy="0"/>
+          <a:chOff x="0" y="0"/>
+          <a:chExt cx="0" cy="0"/>
+        </a:xfrm>
+      </p:grpSpPr>
+      <p:grpSp>
+        <p:nvGrpSpPr>
+          <p:cNvPr id="3" name="Group 3"/>
+          <p:cNvGrpSpPr/>
+          <p:nvPr/>
+        </p:nvGrpSpPr>
+        <p:grpSpPr>
+          <a:xfrm>
+            <a:off x="0" y="1"/>
+            <a:ext cx="939346" cy="10287000"/>
+            <a:chOff x="0" y="0"/>
+            <a:chExt cx="220314" cy="2861297"/>
+          </a:xfrm>
+        </p:grpSpPr>
+        <p:sp>
+          <p:nvSpPr>
+            <p:cNvPr id="4" name="Freeform 4"/>
+            <p:cNvSpPr/>
+            <p:nvPr/>
+          </p:nvSpPr>
+          <p:spPr>
+            <a:xfrm>
+              <a:off x="0" y="0"/>
+              <a:ext cx="220314" cy="2861297"/>
+            </a:xfrm>
+            <a:custGeom>
+              <a:avLst/>
+              <a:gdLst/>
+              <a:ahLst/>
+              <a:cxnLst/>
+              <a:rect l="l" t="t" r="r" b="b"/>
+              <a:pathLst>
+                <a:path w="220314" h="2861297">
+                  <a:moveTo>
+                    <a:pt x="0" y="0"/>
+                  </a:moveTo>
+                  <a:lnTo>
+                    <a:pt x="220314" y="0"/>
+                  </a:lnTo>
+                  <a:lnTo>
+                    <a:pt x="220314" y="2861297"/>
+                  </a:lnTo>
+                  <a:lnTo>
+                    <a:pt x="0" y="2861297"/>
+                  </a:lnTo>
+                  <a:close/>
+                </a:path>
+              </a:pathLst>
+            </a:custGeom>
+            <a:solidFill>
+              <a:srgbClr val="D3D9E2">
+                <a:alpha val="83922"/>
+              </a:srgbClr>
+            </a:solidFill>
+          </p:spPr>
+          <p:txBody>
+            <a:bodyPr/>
+            <a:lstStyle/>
+            <a:p>
+              <a:endParaRPr lang="en-DK"/>
+            </a:p>
+          </p:txBody>
+        </p:sp>
+        <p:sp>
+          <p:nvSpPr>
+            <p:cNvPr id="5" name="TextBox 5"/>
+            <p:cNvSpPr txBox="1"/>
+            <p:nvPr/>
+          </p:nvSpPr>
+          <p:spPr>
+            <a:xfrm>
+              <a:off x="0" y="-38100"/>
+              <a:ext cx="812800" cy="850900"/>
+            </a:xfrm>
+            <a:prstGeom prst="rect">
+              <a:avLst/>
+            </a:prstGeom>
+          </p:spPr>
+          <p:txBody>
+            <a:bodyPr lIns="50800" tIns="50800" rIns="50800" bIns="50800" rtlCol="0" anchor="ctr"/>
+            <a:lstStyle/>
+            <a:p>
+              <a:pPr algn="ctr">
+                <a:lnSpc>
+                  <a:spcPts val="3165"/>
+                </a:lnSpc>
+              </a:pPr>
+              <a:endParaRPr/>
+            </a:p>
+          </p:txBody>
+        </p:sp>
+      </p:grpSp>
+      <p:sp>
+        <p:nvSpPr>
+          <p:cNvPr id="16" name="Rectangle 15">
+            <a:extLst>
+              <a:ext uri="{FF2B5EF4-FFF2-40B4-BE49-F238E27FC236}">
+                <a16:creationId xmlns:a16="http://schemas.microsoft.com/office/drawing/2014/main" id="{9AA12D5A-5DF4-7548-AC2B-41958F1875AD}"/>
+              </a:ext>
+            </a:extLst>
+          </p:cNvPr>
+          <p:cNvSpPr/>
+          <p:nvPr/>
+        </p:nvSpPr>
+        <p:spPr>
+          <a:xfrm>
+            <a:off x="9711885" y="30176"/>
+            <a:ext cx="8604419" cy="10287000"/>
+          </a:xfrm>
+          <a:prstGeom prst="rect">
+            <a:avLst/>
+          </a:prstGeom>
+          <a:solidFill>
+            <a:schemeClr val="bg1"/>
+          </a:solidFill>
+          <a:ln>
+            <a:noFill/>
+          </a:ln>
+        </p:spPr>
+        <p:style>
+          <a:lnRef idx="2">
+            <a:schemeClr val="accent1">
+              <a:shade val="15000"/>
+            </a:schemeClr>
+          </a:lnRef>
+          <a:fillRef idx="1">
+            <a:schemeClr val="accent1"/>
+          </a:fillRef>
+          <a:effectRef idx="0">
+            <a:schemeClr val="accent1"/>
+          </a:effectRef>
+          <a:fontRef idx="minor">
+            <a:schemeClr val="lt1"/>
+          </a:fontRef>
+        </p:style>
+        <p:txBody>
+          <a:bodyPr rtlCol="0" anchor="ctr"/>
+          <a:lstStyle/>
+          <a:p>
+            <a:pPr algn="ctr"/>
+            <a:endParaRPr lang="en-DK"/>
+          </a:p>
+        </p:txBody>
+      </p:sp>
+      <p:grpSp>
+        <p:nvGrpSpPr>
+          <p:cNvPr id="27" name="Group 26">
+            <a:extLst>
+              <a:ext uri="{FF2B5EF4-FFF2-40B4-BE49-F238E27FC236}">
+                <a16:creationId xmlns:a16="http://schemas.microsoft.com/office/drawing/2014/main" id="{27E055AA-0EC9-FBF1-B4D0-AB773551C6C7}"/>
+              </a:ext>
+            </a:extLst>
+          </p:cNvPr>
+          <p:cNvGrpSpPr/>
+          <p:nvPr/>
+        </p:nvGrpSpPr>
+        <p:grpSpPr>
+          <a:xfrm>
+            <a:off x="10515600" y="6554970"/>
+            <a:ext cx="3914503" cy="2729273"/>
+            <a:chOff x="8380145" y="7341528"/>
+            <a:chExt cx="4419600" cy="2665379"/>
+          </a:xfrm>
+        </p:grpSpPr>
+        <p:sp>
+          <p:nvSpPr>
+            <p:cNvPr id="28" name="Freeform 8">
+              <a:extLst>
+                <a:ext uri="{FF2B5EF4-FFF2-40B4-BE49-F238E27FC236}">
+                  <a16:creationId xmlns:a16="http://schemas.microsoft.com/office/drawing/2014/main" id="{7E35FD7A-53FF-AB1D-3296-37472F669CE9}"/>
+                </a:ext>
+              </a:extLst>
+            </p:cNvPr>
+            <p:cNvSpPr/>
+            <p:nvPr/>
+          </p:nvSpPr>
+          <p:spPr>
+            <a:xfrm>
+              <a:off x="8380145" y="7341528"/>
+              <a:ext cx="4419600" cy="2665379"/>
+            </a:xfrm>
+            <a:custGeom>
+              <a:avLst/>
+              <a:gdLst/>
+              <a:ahLst/>
+              <a:cxnLst/>
+              <a:rect l="l" t="t" r="r" b="b"/>
+              <a:pathLst>
+                <a:path w="4837349" h="3224899">
+                  <a:moveTo>
+                    <a:pt x="0" y="0"/>
+                  </a:moveTo>
+                  <a:lnTo>
+                    <a:pt x="4837348" y="0"/>
+                  </a:lnTo>
+                  <a:lnTo>
+                    <a:pt x="4837348" y="3224899"/>
+                  </a:lnTo>
+                  <a:lnTo>
+                    <a:pt x="0" y="3224899"/>
+                  </a:lnTo>
+                  <a:lnTo>
+                    <a:pt x="0" y="0"/>
+                  </a:lnTo>
+                  <a:close/>
+                </a:path>
+              </a:pathLst>
+            </a:custGeom>
+            <a:blipFill>
+              <a:blip r:embed="rId3"/>
+              <a:stretch>
+                <a:fillRect l="-6012" t="-12577" r="-3440" b="-8416"/>
+              </a:stretch>
+            </a:blipFill>
+            <a:ln>
+              <a:solidFill>
+                <a:schemeClr val="tx1">
+                  <a:lumMod val="65000"/>
+                  <a:lumOff val="35000"/>
+                </a:schemeClr>
+              </a:solidFill>
+            </a:ln>
+          </p:spPr>
+          <p:txBody>
+            <a:bodyPr/>
+            <a:lstStyle/>
+            <a:p>
+              <a:endParaRPr lang="en-DK"/>
+            </a:p>
+          </p:txBody>
+        </p:sp>
+        <p:cxnSp>
+          <p:nvCxnSpPr>
+            <p:cNvPr id="29" name="Straight Connector 28">
+              <a:extLst>
+                <a:ext uri="{FF2B5EF4-FFF2-40B4-BE49-F238E27FC236}">
+                  <a16:creationId xmlns:a16="http://schemas.microsoft.com/office/drawing/2014/main" id="{C54C7D09-3819-67F7-5F7F-4E696AFE6978}"/>
+                </a:ext>
+              </a:extLst>
+            </p:cNvPr>
+            <p:cNvCxnSpPr>
+              <a:cxnSpLocks/>
+            </p:cNvCxnSpPr>
+            <p:nvPr/>
+          </p:nvCxnSpPr>
+          <p:spPr>
+            <a:xfrm flipV="1">
+              <a:off x="8915400" y="7734300"/>
+              <a:ext cx="3276600" cy="2059021"/>
+            </a:xfrm>
+            <a:prstGeom prst="line">
+              <a:avLst/>
+            </a:prstGeom>
+            <a:ln w="25400">
+              <a:solidFill>
+                <a:schemeClr val="tx1">
+                  <a:lumMod val="65000"/>
+                  <a:lumOff val="35000"/>
+                </a:schemeClr>
+              </a:solidFill>
+            </a:ln>
+          </p:spPr>
+          <p:style>
+            <a:lnRef idx="1">
+              <a:schemeClr val="accent1"/>
+            </a:lnRef>
+            <a:fillRef idx="0">
+              <a:schemeClr val="accent1"/>
+            </a:fillRef>
+            <a:effectRef idx="0">
+              <a:schemeClr val="accent1"/>
+            </a:effectRef>
+            <a:fontRef idx="minor">
+              <a:schemeClr val="tx1"/>
+            </a:fontRef>
+          </p:style>
+        </p:cxnSp>
+      </p:grpSp>
+      <p:sp>
+        <p:nvSpPr>
+          <p:cNvPr id="9" name="TextBox 9"/>
+          <p:cNvSpPr txBox="1"/>
+          <p:nvPr/>
+        </p:nvSpPr>
+        <p:spPr>
+          <a:xfrm>
+            <a:off x="879216" y="1001089"/>
+            <a:ext cx="8756531" cy="1661993"/>
+          </a:xfrm>
+          <a:prstGeom prst="rect">
+            <a:avLst/>
+          </a:prstGeom>
+        </p:spPr>
+        <p:txBody>
+          <a:bodyPr wrap="square" lIns="0" tIns="0" rIns="0" bIns="0" rtlCol="0" anchor="t">
+            <a:spAutoFit/>
+          </a:bodyPr>
+          <a:lstStyle/>
+          <a:p>
+            <a:pPr algn="ctr">
+              <a:spcBef>
+                <a:spcPct val="0"/>
+              </a:spcBef>
+            </a:pPr>
+            <a:r>
+              <a:rPr lang="en-US" sz="5400" b="1" dirty="0">
+                <a:solidFill>
+                  <a:srgbClr val="404040"/>
+                </a:solidFill>
+                <a:latin typeface="Montserrat" pitchFamily="2" charset="77"/>
+              </a:rPr>
+              <a:t>EXPLORATORY </a:t>
+            </a:r>
+          </a:p>
+          <a:p>
+            <a:pPr algn="ctr">
+              <a:spcBef>
+                <a:spcPct val="0"/>
+              </a:spcBef>
+            </a:pPr>
+            <a:r>
+              <a:rPr lang="en-US" sz="5400" b="1" dirty="0">
+                <a:solidFill>
+                  <a:srgbClr val="404040"/>
+                </a:solidFill>
+                <a:latin typeface="Montserrat" pitchFamily="2" charset="77"/>
+              </a:rPr>
+              <a:t>DATA ANALYSIS</a:t>
+            </a:r>
+          </a:p>
+        </p:txBody>
+      </p:sp>
+      <p:sp>
+        <p:nvSpPr>
+          <p:cNvPr id="10" name="TextBox 10"/>
+          <p:cNvSpPr txBox="1"/>
+          <p:nvPr/>
+        </p:nvSpPr>
+        <p:spPr>
+          <a:xfrm>
+            <a:off x="1486926" y="3746483"/>
+            <a:ext cx="7587055" cy="4593502"/>
+          </a:xfrm>
+          <a:prstGeom prst="rect">
+            <a:avLst/>
+          </a:prstGeom>
+        </p:spPr>
+        <p:txBody>
+          <a:bodyPr wrap="square" lIns="0" tIns="0" rIns="0" bIns="0" rtlCol="0" anchor="t">
+            <a:spAutoFit/>
+          </a:bodyPr>
+          <a:lstStyle/>
+          <a:p>
+            <a:pPr>
+              <a:lnSpc>
+                <a:spcPts val="4480"/>
+              </a:lnSpc>
+            </a:pPr>
+            <a:r>
+              <a:rPr lang="en-US" sz="2800" dirty="0">
+                <a:solidFill>
+                  <a:srgbClr val="404040"/>
+                </a:solidFill>
+                <a:latin typeface="Montserrat" pitchFamily="2" charset="77"/>
+              </a:rPr>
+              <a:t>Before we start to do our analysis we need to get familiar with the data.</a:t>
+            </a:r>
+          </a:p>
+          <a:p>
+            <a:pPr>
+              <a:lnSpc>
+                <a:spcPts val="4480"/>
+              </a:lnSpc>
+            </a:pPr>
+            <a:endParaRPr lang="en-US" sz="2800" dirty="0">
+              <a:solidFill>
+                <a:srgbClr val="404040"/>
+              </a:solidFill>
+              <a:latin typeface="Montserrat" pitchFamily="2" charset="77"/>
+            </a:endParaRPr>
+          </a:p>
+          <a:p>
+            <a:pPr marL="457200" indent="-457200">
+              <a:lnSpc>
+                <a:spcPts val="4480"/>
+              </a:lnSpc>
+              <a:buFont typeface="Arial" panose="020B0604020202020204" pitchFamily="34" charset="0"/>
+              <a:buChar char="•"/>
+            </a:pPr>
+            <a:r>
+              <a:rPr lang="en-US" sz="2800" dirty="0">
+                <a:solidFill>
+                  <a:srgbClr val="404040"/>
+                </a:solidFill>
+                <a:latin typeface="Montserrat" pitchFamily="2" charset="77"/>
+              </a:rPr>
+              <a:t>What data do we have?</a:t>
+            </a:r>
+          </a:p>
+          <a:p>
+            <a:pPr marL="457200" indent="-457200">
+              <a:lnSpc>
+                <a:spcPts val="4480"/>
+              </a:lnSpc>
+              <a:buFont typeface="Arial" panose="020B0604020202020204" pitchFamily="34" charset="0"/>
+              <a:buChar char="•"/>
+            </a:pPr>
+            <a:r>
+              <a:rPr lang="en-US" sz="2800" dirty="0">
+                <a:solidFill>
+                  <a:srgbClr val="404040"/>
+                </a:solidFill>
+                <a:latin typeface="Montserrat" pitchFamily="2" charset="77"/>
+              </a:rPr>
+              <a:t>Does it look as you expected? </a:t>
+            </a:r>
+          </a:p>
+          <a:p>
+            <a:pPr marL="457200" indent="-457200">
+              <a:lnSpc>
+                <a:spcPts val="4480"/>
+              </a:lnSpc>
+              <a:buFont typeface="Arial" panose="020B0604020202020204" pitchFamily="34" charset="0"/>
+              <a:buChar char="•"/>
+            </a:pPr>
+            <a:r>
+              <a:rPr lang="en-US" sz="2800" dirty="0">
+                <a:solidFill>
+                  <a:srgbClr val="404040"/>
+                </a:solidFill>
+                <a:latin typeface="Montserrat" pitchFamily="2" charset="77"/>
+              </a:rPr>
+              <a:t>Is it suitable for the planned analysis?</a:t>
+            </a:r>
+          </a:p>
+          <a:p>
+            <a:pPr marL="457200" indent="-457200">
+              <a:lnSpc>
+                <a:spcPts val="4480"/>
+              </a:lnSpc>
+              <a:buFont typeface="Arial" panose="020B0604020202020204" pitchFamily="34" charset="0"/>
+              <a:buChar char="•"/>
+            </a:pPr>
+            <a:r>
+              <a:rPr lang="en-US" sz="2800" dirty="0">
+                <a:solidFill>
+                  <a:srgbClr val="404040"/>
+                </a:solidFill>
+                <a:latin typeface="Montserrat" pitchFamily="2" charset="77"/>
+              </a:rPr>
+              <a:t>How do we need to prepare the data for analysis?</a:t>
+            </a:r>
+          </a:p>
+        </p:txBody>
+      </p:sp>
+      <p:pic>
+        <p:nvPicPr>
+          <p:cNvPr id="24" name="Picture 23" descr="A diagram of a city&#10;&#10;Description automatically generated">
+            <a:extLst>
+              <a:ext uri="{FF2B5EF4-FFF2-40B4-BE49-F238E27FC236}">
+                <a16:creationId xmlns:a16="http://schemas.microsoft.com/office/drawing/2014/main" id="{44D82E15-4257-27B6-0C24-D397C3E719EA}"/>
+              </a:ext>
+            </a:extLst>
+          </p:cNvPr>
+          <p:cNvPicPr>
+            <a:picLocks noChangeAspect="1"/>
+          </p:cNvPicPr>
+          <p:nvPr/>
+        </p:nvPicPr>
+        <p:blipFill>
+          <a:blip r:embed="rId4">
+            <a:extLst>
+              <a:ext uri="{28A0092B-C50C-407E-A947-70E740481C1C}">
+                <a14:useLocalDpi xmlns:a14="http://schemas.microsoft.com/office/drawing/2010/main" val="0"/>
+              </a:ext>
+            </a:extLst>
+          </a:blip>
+          <a:stretch>
+            <a:fillRect/>
+          </a:stretch>
+        </p:blipFill>
+        <p:spPr>
+          <a:xfrm>
+            <a:off x="13626206" y="5416160"/>
+            <a:ext cx="3886200" cy="3276962"/>
+          </a:xfrm>
+          <a:prstGeom prst="rect">
+            <a:avLst/>
+          </a:prstGeom>
+          <a:ln>
+            <a:solidFill>
+              <a:schemeClr val="tx1">
+                <a:lumMod val="65000"/>
+                <a:lumOff val="35000"/>
+              </a:schemeClr>
+            </a:solidFill>
+          </a:ln>
+        </p:spPr>
+      </p:pic>
+      <p:sp>
+        <p:nvSpPr>
+          <p:cNvPr id="17" name="Freeform 7">
+            <a:extLst>
+              <a:ext uri="{FF2B5EF4-FFF2-40B4-BE49-F238E27FC236}">
+                <a16:creationId xmlns:a16="http://schemas.microsoft.com/office/drawing/2014/main" id="{954F4AB2-1D8D-5F35-F4AF-DD04AEA62A51}"/>
+              </a:ext>
+            </a:extLst>
+          </p:cNvPr>
+          <p:cNvSpPr/>
+          <p:nvPr/>
+        </p:nvSpPr>
+        <p:spPr>
+          <a:xfrm>
+            <a:off x="10515600" y="3040104"/>
+            <a:ext cx="3886200" cy="3003130"/>
+          </a:xfrm>
+          <a:custGeom>
+            <a:avLst/>
+            <a:gdLst/>
+            <a:ahLst/>
+            <a:cxnLst/>
+            <a:rect l="l" t="t" r="r" b="b"/>
+            <a:pathLst>
+              <a:path w="5081874" h="3387916">
+                <a:moveTo>
+                  <a:pt x="0" y="0"/>
+                </a:moveTo>
+                <a:lnTo>
+                  <a:pt x="5081873" y="0"/>
+                </a:lnTo>
+                <a:lnTo>
+                  <a:pt x="5081873" y="3387915"/>
+                </a:lnTo>
+                <a:lnTo>
+                  <a:pt x="0" y="3387915"/>
+                </a:lnTo>
+                <a:lnTo>
+                  <a:pt x="0" y="0"/>
+                </a:lnTo>
+                <a:close/>
+              </a:path>
+            </a:pathLst>
+          </a:custGeom>
+          <a:blipFill>
+            <a:blip r:embed="rId5"/>
+            <a:stretch>
+              <a:fillRect l="-8030" t="-9319" r="-17684" b="-10845"/>
+            </a:stretch>
+          </a:blipFill>
+          <a:ln>
+            <a:solidFill>
+              <a:schemeClr val="tx1">
+                <a:lumMod val="65000"/>
+                <a:lumOff val="35000"/>
+              </a:schemeClr>
+            </a:solidFill>
+          </a:ln>
+        </p:spPr>
+        <p:txBody>
+          <a:bodyPr/>
+          <a:lstStyle/>
+          <a:p>
+            <a:endParaRPr lang="en-DK"/>
+          </a:p>
+        </p:txBody>
+      </p:sp>
+      <p:pic>
+        <p:nvPicPr>
+          <p:cNvPr id="26" name="Picture 25" descr="A diagram of different sizes and colors&#10;&#10;Description automatically generated">
+            <a:extLst>
+              <a:ext uri="{FF2B5EF4-FFF2-40B4-BE49-F238E27FC236}">
+                <a16:creationId xmlns:a16="http://schemas.microsoft.com/office/drawing/2014/main" id="{5F2AD7BF-8B15-3F54-06A5-D90833E52F64}"/>
+              </a:ext>
+            </a:extLst>
+          </p:cNvPr>
+          <p:cNvPicPr>
+            <a:picLocks noChangeAspect="1"/>
+          </p:cNvPicPr>
+          <p:nvPr/>
+        </p:nvPicPr>
+        <p:blipFill rotWithShape="1">
+          <a:blip r:embed="rId6" cstate="print">
+            <a:extLst>
+              <a:ext uri="{28A0092B-C50C-407E-A947-70E740481C1C}">
+                <a14:useLocalDpi xmlns:a14="http://schemas.microsoft.com/office/drawing/2010/main" val="0"/>
+              </a:ext>
+            </a:extLst>
+          </a:blip>
+          <a:srcRect l="10937" t="12752" r="23437" b="12830"/>
+          <a:stretch/>
+        </p:blipFill>
+        <p:spPr>
+          <a:xfrm>
+            <a:off x="13639800" y="1832086"/>
+            <a:ext cx="3886200" cy="3305211"/>
+          </a:xfrm>
+          <a:prstGeom prst="rect">
+            <a:avLst/>
+          </a:prstGeom>
+          <a:ln>
+            <a:solidFill>
+              <a:schemeClr val="tx1">
+                <a:lumMod val="65000"/>
+                <a:lumOff val="35000"/>
+              </a:schemeClr>
+            </a:solidFill>
+          </a:ln>
+        </p:spPr>
+      </p:pic>
+      <p:sp>
+        <p:nvSpPr>
+          <p:cNvPr id="30" name="TextBox 10">
+            <a:extLst>
+              <a:ext uri="{FF2B5EF4-FFF2-40B4-BE49-F238E27FC236}">
+                <a16:creationId xmlns:a16="http://schemas.microsoft.com/office/drawing/2014/main" id="{7E69BD36-6C9D-ED68-C2D3-F0AC6AEC370F}"/>
+              </a:ext>
+            </a:extLst>
+          </p:cNvPr>
+          <p:cNvSpPr txBox="1"/>
+          <p:nvPr/>
+        </p:nvSpPr>
+        <p:spPr>
+          <a:xfrm>
+            <a:off x="12238049" y="2971585"/>
+            <a:ext cx="1603876" cy="496161"/>
+          </a:xfrm>
+          <a:prstGeom prst="rect">
+            <a:avLst/>
+          </a:prstGeom>
+        </p:spPr>
+        <p:txBody>
+          <a:bodyPr wrap="square" lIns="0" tIns="0" rIns="0" bIns="0" rtlCol="0" anchor="t">
+            <a:spAutoFit/>
+          </a:bodyPr>
+          <a:lstStyle/>
+          <a:p>
+            <a:pPr>
+              <a:lnSpc>
+                <a:spcPts val="4480"/>
+              </a:lnSpc>
+            </a:pPr>
+            <a:r>
+              <a:rPr lang="en-US" sz="1600" b="1" dirty="0">
+                <a:solidFill>
+                  <a:srgbClr val="404040"/>
+                </a:solidFill>
+                <a:latin typeface="Montserrat" pitchFamily="2" charset="77"/>
+              </a:rPr>
+              <a:t>Density Plot</a:t>
+            </a:r>
+          </a:p>
+        </p:txBody>
+      </p:sp>
+      <p:sp>
+        <p:nvSpPr>
+          <p:cNvPr id="31" name="TextBox 10">
+            <a:extLst>
+              <a:ext uri="{FF2B5EF4-FFF2-40B4-BE49-F238E27FC236}">
+                <a16:creationId xmlns:a16="http://schemas.microsoft.com/office/drawing/2014/main" id="{74066E5F-ADE4-6AB1-6265-6856D2874A69}"/>
+              </a:ext>
+            </a:extLst>
+          </p:cNvPr>
+          <p:cNvSpPr txBox="1"/>
+          <p:nvPr/>
+        </p:nvSpPr>
+        <p:spPr>
+          <a:xfrm>
+            <a:off x="16636290" y="1753918"/>
+            <a:ext cx="1603876" cy="496161"/>
+          </a:xfrm>
+          <a:prstGeom prst="rect">
+            <a:avLst/>
+          </a:prstGeom>
+        </p:spPr>
+        <p:txBody>
+          <a:bodyPr wrap="square" lIns="0" tIns="0" rIns="0" bIns="0" rtlCol="0" anchor="t">
+            <a:spAutoFit/>
+          </a:bodyPr>
+          <a:lstStyle/>
+          <a:p>
+            <a:pPr>
+              <a:lnSpc>
+                <a:spcPts val="4480"/>
+              </a:lnSpc>
+            </a:pPr>
+            <a:r>
+              <a:rPr lang="en-US" sz="1600" b="1" dirty="0">
+                <a:solidFill>
+                  <a:srgbClr val="404040"/>
+                </a:solidFill>
+                <a:latin typeface="Montserrat" pitchFamily="2" charset="77"/>
+              </a:rPr>
+              <a:t>Biplot</a:t>
+            </a:r>
+          </a:p>
+        </p:txBody>
+      </p:sp>
+      <p:sp>
+        <p:nvSpPr>
+          <p:cNvPr id="32" name="TextBox 10">
+            <a:extLst>
+              <a:ext uri="{FF2B5EF4-FFF2-40B4-BE49-F238E27FC236}">
+                <a16:creationId xmlns:a16="http://schemas.microsoft.com/office/drawing/2014/main" id="{6AF05C40-21EF-2C86-57D2-B94487C8A7AF}"/>
+              </a:ext>
+            </a:extLst>
+          </p:cNvPr>
+          <p:cNvSpPr txBox="1"/>
+          <p:nvPr/>
+        </p:nvSpPr>
+        <p:spPr>
+          <a:xfrm>
+            <a:off x="12229340" y="6453209"/>
+            <a:ext cx="1603876" cy="496161"/>
+          </a:xfrm>
+          <a:prstGeom prst="rect">
+            <a:avLst/>
+          </a:prstGeom>
+        </p:spPr>
+        <p:txBody>
+          <a:bodyPr wrap="square" lIns="0" tIns="0" rIns="0" bIns="0" rtlCol="0" anchor="t">
+            <a:spAutoFit/>
+          </a:bodyPr>
+          <a:lstStyle/>
+          <a:p>
+            <a:pPr>
+              <a:lnSpc>
+                <a:spcPts val="4480"/>
+              </a:lnSpc>
+            </a:pPr>
+            <a:r>
+              <a:rPr lang="en-US" sz="1600" b="1" dirty="0">
+                <a:solidFill>
+                  <a:srgbClr val="404040"/>
+                </a:solidFill>
+                <a:latin typeface="Montserrat" pitchFamily="2" charset="77"/>
+              </a:rPr>
+              <a:t>Scatter Plot</a:t>
+            </a:r>
+          </a:p>
+        </p:txBody>
+      </p:sp>
+      <p:sp>
+        <p:nvSpPr>
+          <p:cNvPr id="33" name="TextBox 10">
+            <a:extLst>
+              <a:ext uri="{FF2B5EF4-FFF2-40B4-BE49-F238E27FC236}">
+                <a16:creationId xmlns:a16="http://schemas.microsoft.com/office/drawing/2014/main" id="{EA9DD776-6546-5CE1-929F-DD4372F77578}"/>
+              </a:ext>
+            </a:extLst>
+          </p:cNvPr>
+          <p:cNvSpPr txBox="1"/>
+          <p:nvPr/>
+        </p:nvSpPr>
+        <p:spPr>
+          <a:xfrm>
+            <a:off x="16074524" y="5416160"/>
+            <a:ext cx="1603876" cy="496161"/>
+          </a:xfrm>
+          <a:prstGeom prst="rect">
+            <a:avLst/>
+          </a:prstGeom>
+        </p:spPr>
+        <p:txBody>
+          <a:bodyPr wrap="square" lIns="0" tIns="0" rIns="0" bIns="0" rtlCol="0" anchor="t">
+            <a:spAutoFit/>
+          </a:bodyPr>
+          <a:lstStyle/>
+          <a:p>
+            <a:pPr>
+              <a:lnSpc>
+                <a:spcPts val="4480"/>
+              </a:lnSpc>
+            </a:pPr>
+            <a:r>
+              <a:rPr lang="en-US" sz="1600" b="1" dirty="0">
+                <a:solidFill>
+                  <a:srgbClr val="404040"/>
+                </a:solidFill>
+                <a:latin typeface="Montserrat" pitchFamily="2" charset="77"/>
+              </a:rPr>
+              <a:t>Dendrogram</a:t>
+            </a:r>
+          </a:p>
+        </p:txBody>
+      </p:sp>
+      <p:pic>
+        <p:nvPicPr>
+          <p:cNvPr id="34" name="Picture 33" descr="A blue and black logo&#10;&#10;Description automatically generated">
+            <a:extLst>
+              <a:ext uri="{FF2B5EF4-FFF2-40B4-BE49-F238E27FC236}">
+                <a16:creationId xmlns:a16="http://schemas.microsoft.com/office/drawing/2014/main" id="{AED0E294-2328-3B7B-8A33-090D04D7BD06}"/>
+              </a:ext>
+            </a:extLst>
+          </p:cNvPr>
+          <p:cNvPicPr>
+            <a:picLocks noChangeAspect="1"/>
+          </p:cNvPicPr>
+          <p:nvPr/>
+        </p:nvPicPr>
+        <p:blipFill>
+          <a:blip r:embed="rId7" cstate="print">
+            <a:extLst>
+              <a:ext uri="{BEBA8EAE-BF5A-486C-A8C5-ECC9F3942E4B}">
+                <a14:imgProps xmlns:a14="http://schemas.microsoft.com/office/drawing/2010/main">
+                  <a14:imgLayer r:embed="rId8">
+                    <a14:imgEffect>
+                      <a14:colorTemperature colorTemp="4700"/>
+                    </a14:imgEffect>
+                    <a14:imgEffect>
+                      <a14:saturation sat="64000"/>
+                    </a14:imgEffect>
+                  </a14:imgLayer>
+                </a14:imgProps>
+              </a:ext>
+              <a:ext uri="{28A0092B-C50C-407E-A947-70E740481C1C}">
+                <a14:useLocalDpi xmlns:a14="http://schemas.microsoft.com/office/drawing/2010/main" val="0"/>
+              </a:ext>
+            </a:extLst>
+          </a:blip>
+          <a:stretch>
+            <a:fillRect/>
+          </a:stretch>
+        </p:blipFill>
+        <p:spPr>
+          <a:xfrm>
+            <a:off x="17373600" y="9246781"/>
+            <a:ext cx="762000" cy="925919"/>
+          </a:xfrm>
+          <a:prstGeom prst="rect">
+            <a:avLst/>
+          </a:prstGeom>
+        </p:spPr>
+      </p:pic>
+    </p:spTree>
+    <p:extLst>
+      <p:ext uri="{BB962C8B-B14F-4D97-AF65-F5344CB8AC3E}">
+        <p14:creationId xmlns:p14="http://schemas.microsoft.com/office/powerpoint/2010/main" val="17367252"/>
+      </p:ext>
+    </p:extLst>
+  </p:cSld>
+  <p:clrMapOvr>
+    <a:masterClrMapping/>
+  </p:clrMapOvr>
+</p:sld>
+</file>
+
+<file path=ppt/slides/slide30.xml><?xml version="1.0" encoding="utf-8"?>
 <p:sld xmlns:a="http://schemas.openxmlformats.org/drawingml/2006/main" xmlns:r="http://schemas.openxmlformats.org/officeDocument/2006/relationships" xmlns:p="http://schemas.openxmlformats.org/presentationml/2006/main">
   <p:cSld>
     <p:spTree>
@@ -32477,7 +34662,7 @@
 </p:sld>
 </file>
 
-<file path=ppt/slides/slide29.xml><?xml version="1.0" encoding="utf-8"?>
+<file path=ppt/slides/slide31.xml><?xml version="1.0" encoding="utf-8"?>
 <p:sld xmlns:a="http://schemas.openxmlformats.org/drawingml/2006/main" xmlns:r="http://schemas.openxmlformats.org/officeDocument/2006/relationships" xmlns:p="http://schemas.openxmlformats.org/presentationml/2006/main">
   <p:cSld>
     <p:bg>
@@ -36797,878 +38982,7 @@
 </p:sld>
 </file>
 
-<file path=ppt/slides/slide3.xml><?xml version="1.0" encoding="utf-8"?>
-<p:sld xmlns:a="http://schemas.openxmlformats.org/drawingml/2006/main" xmlns:r="http://schemas.openxmlformats.org/officeDocument/2006/relationships" xmlns:p="http://schemas.openxmlformats.org/presentationml/2006/main">
-  <p:cSld>
-    <p:bg>
-      <p:bgPr>
-        <a:solidFill>
-          <a:srgbClr val="F4F4F4"/>
-        </a:solidFill>
-        <a:effectLst/>
-      </p:bgPr>
-    </p:bg>
-    <p:spTree>
-      <p:nvGrpSpPr>
-        <p:cNvPr id="1" name=""/>
-        <p:cNvGrpSpPr/>
-        <p:nvPr/>
-      </p:nvGrpSpPr>
-      <p:grpSpPr>
-        <a:xfrm>
-          <a:off x="0" y="0"/>
-          <a:ext cx="0" cy="0"/>
-          <a:chOff x="0" y="0"/>
-          <a:chExt cx="0" cy="0"/>
-        </a:xfrm>
-      </p:grpSpPr>
-      <p:grpSp>
-        <p:nvGrpSpPr>
-          <p:cNvPr id="3" name="Group 3"/>
-          <p:cNvGrpSpPr/>
-          <p:nvPr/>
-        </p:nvGrpSpPr>
-        <p:grpSpPr>
-          <a:xfrm>
-            <a:off x="0" y="1"/>
-            <a:ext cx="939346" cy="10287000"/>
-            <a:chOff x="0" y="0"/>
-            <a:chExt cx="220314" cy="2861297"/>
-          </a:xfrm>
-        </p:grpSpPr>
-        <p:sp>
-          <p:nvSpPr>
-            <p:cNvPr id="4" name="Freeform 4"/>
-            <p:cNvSpPr/>
-            <p:nvPr/>
-          </p:nvSpPr>
-          <p:spPr>
-            <a:xfrm>
-              <a:off x="0" y="0"/>
-              <a:ext cx="220314" cy="2861297"/>
-            </a:xfrm>
-            <a:custGeom>
-              <a:avLst/>
-              <a:gdLst/>
-              <a:ahLst/>
-              <a:cxnLst/>
-              <a:rect l="l" t="t" r="r" b="b"/>
-              <a:pathLst>
-                <a:path w="220314" h="2861297">
-                  <a:moveTo>
-                    <a:pt x="0" y="0"/>
-                  </a:moveTo>
-                  <a:lnTo>
-                    <a:pt x="220314" y="0"/>
-                  </a:lnTo>
-                  <a:lnTo>
-                    <a:pt x="220314" y="2861297"/>
-                  </a:lnTo>
-                  <a:lnTo>
-                    <a:pt x="0" y="2861297"/>
-                  </a:lnTo>
-                  <a:close/>
-                </a:path>
-              </a:pathLst>
-            </a:custGeom>
-            <a:solidFill>
-              <a:srgbClr val="D3D9E2">
-                <a:alpha val="83922"/>
-              </a:srgbClr>
-            </a:solidFill>
-          </p:spPr>
-          <p:txBody>
-            <a:bodyPr/>
-            <a:lstStyle/>
-            <a:p>
-              <a:endParaRPr lang="en-DK"/>
-            </a:p>
-          </p:txBody>
-        </p:sp>
-        <p:sp>
-          <p:nvSpPr>
-            <p:cNvPr id="5" name="TextBox 5"/>
-            <p:cNvSpPr txBox="1"/>
-            <p:nvPr/>
-          </p:nvSpPr>
-          <p:spPr>
-            <a:xfrm>
-              <a:off x="0" y="-38100"/>
-              <a:ext cx="812800" cy="850900"/>
-            </a:xfrm>
-            <a:prstGeom prst="rect">
-              <a:avLst/>
-            </a:prstGeom>
-          </p:spPr>
-          <p:txBody>
-            <a:bodyPr lIns="50800" tIns="50800" rIns="50800" bIns="50800" rtlCol="0" anchor="ctr"/>
-            <a:lstStyle/>
-            <a:p>
-              <a:pPr algn="ctr">
-                <a:lnSpc>
-                  <a:spcPts val="3165"/>
-                </a:lnSpc>
-              </a:pPr>
-              <a:endParaRPr/>
-            </a:p>
-          </p:txBody>
-        </p:sp>
-      </p:grpSp>
-      <p:sp>
-        <p:nvSpPr>
-          <p:cNvPr id="16" name="Rectangle 15">
-            <a:extLst>
-              <a:ext uri="{FF2B5EF4-FFF2-40B4-BE49-F238E27FC236}">
-                <a16:creationId xmlns:a16="http://schemas.microsoft.com/office/drawing/2014/main" id="{9AA12D5A-5DF4-7548-AC2B-41958F1875AD}"/>
-              </a:ext>
-            </a:extLst>
-          </p:cNvPr>
-          <p:cNvSpPr/>
-          <p:nvPr/>
-        </p:nvSpPr>
-        <p:spPr>
-          <a:xfrm>
-            <a:off x="9711885" y="30176"/>
-            <a:ext cx="8604419" cy="10287000"/>
-          </a:xfrm>
-          <a:prstGeom prst="rect">
-            <a:avLst/>
-          </a:prstGeom>
-          <a:solidFill>
-            <a:schemeClr val="bg1"/>
-          </a:solidFill>
-          <a:ln>
-            <a:noFill/>
-          </a:ln>
-        </p:spPr>
-        <p:style>
-          <a:lnRef idx="2">
-            <a:schemeClr val="accent1">
-              <a:shade val="15000"/>
-            </a:schemeClr>
-          </a:lnRef>
-          <a:fillRef idx="1">
-            <a:schemeClr val="accent1"/>
-          </a:fillRef>
-          <a:effectRef idx="0">
-            <a:schemeClr val="accent1"/>
-          </a:effectRef>
-          <a:fontRef idx="minor">
-            <a:schemeClr val="lt1"/>
-          </a:fontRef>
-        </p:style>
-        <p:txBody>
-          <a:bodyPr rtlCol="0" anchor="ctr"/>
-          <a:lstStyle/>
-          <a:p>
-            <a:pPr algn="ctr"/>
-            <a:endParaRPr lang="en-DK"/>
-          </a:p>
-        </p:txBody>
-      </p:sp>
-      <p:grpSp>
-        <p:nvGrpSpPr>
-          <p:cNvPr id="27" name="Group 26">
-            <a:extLst>
-              <a:ext uri="{FF2B5EF4-FFF2-40B4-BE49-F238E27FC236}">
-                <a16:creationId xmlns:a16="http://schemas.microsoft.com/office/drawing/2014/main" id="{27E055AA-0EC9-FBF1-B4D0-AB773551C6C7}"/>
-              </a:ext>
-            </a:extLst>
-          </p:cNvPr>
-          <p:cNvGrpSpPr/>
-          <p:nvPr/>
-        </p:nvGrpSpPr>
-        <p:grpSpPr>
-          <a:xfrm>
-            <a:off x="10515600" y="6554970"/>
-            <a:ext cx="3914503" cy="2729273"/>
-            <a:chOff x="8380145" y="7341528"/>
-            <a:chExt cx="4419600" cy="2665379"/>
-          </a:xfrm>
-        </p:grpSpPr>
-        <p:sp>
-          <p:nvSpPr>
-            <p:cNvPr id="28" name="Freeform 8">
-              <a:extLst>
-                <a:ext uri="{FF2B5EF4-FFF2-40B4-BE49-F238E27FC236}">
-                  <a16:creationId xmlns:a16="http://schemas.microsoft.com/office/drawing/2014/main" id="{7E35FD7A-53FF-AB1D-3296-37472F669CE9}"/>
-                </a:ext>
-              </a:extLst>
-            </p:cNvPr>
-            <p:cNvSpPr/>
-            <p:nvPr/>
-          </p:nvSpPr>
-          <p:spPr>
-            <a:xfrm>
-              <a:off x="8380145" y="7341528"/>
-              <a:ext cx="4419600" cy="2665379"/>
-            </a:xfrm>
-            <a:custGeom>
-              <a:avLst/>
-              <a:gdLst/>
-              <a:ahLst/>
-              <a:cxnLst/>
-              <a:rect l="l" t="t" r="r" b="b"/>
-              <a:pathLst>
-                <a:path w="4837349" h="3224899">
-                  <a:moveTo>
-                    <a:pt x="0" y="0"/>
-                  </a:moveTo>
-                  <a:lnTo>
-                    <a:pt x="4837348" y="0"/>
-                  </a:lnTo>
-                  <a:lnTo>
-                    <a:pt x="4837348" y="3224899"/>
-                  </a:lnTo>
-                  <a:lnTo>
-                    <a:pt x="0" y="3224899"/>
-                  </a:lnTo>
-                  <a:lnTo>
-                    <a:pt x="0" y="0"/>
-                  </a:lnTo>
-                  <a:close/>
-                </a:path>
-              </a:pathLst>
-            </a:custGeom>
-            <a:blipFill>
-              <a:blip r:embed="rId3"/>
-              <a:stretch>
-                <a:fillRect l="-6012" t="-12577" r="-3440" b="-8416"/>
-              </a:stretch>
-            </a:blipFill>
-            <a:ln>
-              <a:solidFill>
-                <a:schemeClr val="tx1">
-                  <a:lumMod val="65000"/>
-                  <a:lumOff val="35000"/>
-                </a:schemeClr>
-              </a:solidFill>
-            </a:ln>
-          </p:spPr>
-          <p:txBody>
-            <a:bodyPr/>
-            <a:lstStyle/>
-            <a:p>
-              <a:endParaRPr lang="en-DK"/>
-            </a:p>
-          </p:txBody>
-        </p:sp>
-        <p:cxnSp>
-          <p:nvCxnSpPr>
-            <p:cNvPr id="29" name="Straight Connector 28">
-              <a:extLst>
-                <a:ext uri="{FF2B5EF4-FFF2-40B4-BE49-F238E27FC236}">
-                  <a16:creationId xmlns:a16="http://schemas.microsoft.com/office/drawing/2014/main" id="{C54C7D09-3819-67F7-5F7F-4E696AFE6978}"/>
-                </a:ext>
-              </a:extLst>
-            </p:cNvPr>
-            <p:cNvCxnSpPr>
-              <a:cxnSpLocks/>
-            </p:cNvCxnSpPr>
-            <p:nvPr/>
-          </p:nvCxnSpPr>
-          <p:spPr>
-            <a:xfrm flipV="1">
-              <a:off x="8915400" y="7734300"/>
-              <a:ext cx="3276600" cy="2059021"/>
-            </a:xfrm>
-            <a:prstGeom prst="line">
-              <a:avLst/>
-            </a:prstGeom>
-            <a:ln w="25400">
-              <a:solidFill>
-                <a:schemeClr val="tx1">
-                  <a:lumMod val="65000"/>
-                  <a:lumOff val="35000"/>
-                </a:schemeClr>
-              </a:solidFill>
-            </a:ln>
-          </p:spPr>
-          <p:style>
-            <a:lnRef idx="1">
-              <a:schemeClr val="accent1"/>
-            </a:lnRef>
-            <a:fillRef idx="0">
-              <a:schemeClr val="accent1"/>
-            </a:fillRef>
-            <a:effectRef idx="0">
-              <a:schemeClr val="accent1"/>
-            </a:effectRef>
-            <a:fontRef idx="minor">
-              <a:schemeClr val="tx1"/>
-            </a:fontRef>
-          </p:style>
-        </p:cxnSp>
-      </p:grpSp>
-      <p:sp>
-        <p:nvSpPr>
-          <p:cNvPr id="9" name="TextBox 9"/>
-          <p:cNvSpPr txBox="1"/>
-          <p:nvPr/>
-        </p:nvSpPr>
-        <p:spPr>
-          <a:xfrm>
-            <a:off x="879216" y="1001089"/>
-            <a:ext cx="8756531" cy="1661993"/>
-          </a:xfrm>
-          <a:prstGeom prst="rect">
-            <a:avLst/>
-          </a:prstGeom>
-        </p:spPr>
-        <p:txBody>
-          <a:bodyPr wrap="square" lIns="0" tIns="0" rIns="0" bIns="0" rtlCol="0" anchor="t">
-            <a:spAutoFit/>
-          </a:bodyPr>
-          <a:lstStyle/>
-          <a:p>
-            <a:pPr algn="ctr">
-              <a:spcBef>
-                <a:spcPct val="0"/>
-              </a:spcBef>
-            </a:pPr>
-            <a:r>
-              <a:rPr lang="en-US" sz="5400" b="1" dirty="0">
-                <a:solidFill>
-                  <a:srgbClr val="404040"/>
-                </a:solidFill>
-                <a:latin typeface="Montserrat" pitchFamily="2" charset="77"/>
-              </a:rPr>
-              <a:t>EXPLORATORY </a:t>
-            </a:r>
-          </a:p>
-          <a:p>
-            <a:pPr algn="ctr">
-              <a:spcBef>
-                <a:spcPct val="0"/>
-              </a:spcBef>
-            </a:pPr>
-            <a:r>
-              <a:rPr lang="en-US" sz="5400" b="1" dirty="0">
-                <a:solidFill>
-                  <a:srgbClr val="404040"/>
-                </a:solidFill>
-                <a:latin typeface="Montserrat" pitchFamily="2" charset="77"/>
-              </a:rPr>
-              <a:t>DATA ANALYSIS</a:t>
-            </a:r>
-          </a:p>
-        </p:txBody>
-      </p:sp>
-      <p:sp>
-        <p:nvSpPr>
-          <p:cNvPr id="10" name="TextBox 10"/>
-          <p:cNvSpPr txBox="1"/>
-          <p:nvPr/>
-        </p:nvSpPr>
-        <p:spPr>
-          <a:xfrm>
-            <a:off x="1486926" y="3746483"/>
-            <a:ext cx="7587055" cy="4593502"/>
-          </a:xfrm>
-          <a:prstGeom prst="rect">
-            <a:avLst/>
-          </a:prstGeom>
-        </p:spPr>
-        <p:txBody>
-          <a:bodyPr wrap="square" lIns="0" tIns="0" rIns="0" bIns="0" rtlCol="0" anchor="t">
-            <a:spAutoFit/>
-          </a:bodyPr>
-          <a:lstStyle/>
-          <a:p>
-            <a:pPr>
-              <a:lnSpc>
-                <a:spcPts val="4480"/>
-              </a:lnSpc>
-            </a:pPr>
-            <a:r>
-              <a:rPr lang="en-US" sz="2800" dirty="0">
-                <a:solidFill>
-                  <a:srgbClr val="404040"/>
-                </a:solidFill>
-                <a:latin typeface="Montserrat" pitchFamily="2" charset="77"/>
-              </a:rPr>
-              <a:t>Before we start to do our analysis we need to get familiar with the data.</a:t>
-            </a:r>
-          </a:p>
-          <a:p>
-            <a:pPr>
-              <a:lnSpc>
-                <a:spcPts val="4480"/>
-              </a:lnSpc>
-            </a:pPr>
-            <a:endParaRPr lang="en-US" sz="2800" dirty="0">
-              <a:solidFill>
-                <a:srgbClr val="404040"/>
-              </a:solidFill>
-              <a:latin typeface="Montserrat" pitchFamily="2" charset="77"/>
-            </a:endParaRPr>
-          </a:p>
-          <a:p>
-            <a:pPr marL="457200" indent="-457200">
-              <a:lnSpc>
-                <a:spcPts val="4480"/>
-              </a:lnSpc>
-              <a:buFont typeface="Arial" panose="020B0604020202020204" pitchFamily="34" charset="0"/>
-              <a:buChar char="•"/>
-            </a:pPr>
-            <a:r>
-              <a:rPr lang="en-US" sz="2800" dirty="0">
-                <a:solidFill>
-                  <a:srgbClr val="404040"/>
-                </a:solidFill>
-                <a:latin typeface="Montserrat" pitchFamily="2" charset="77"/>
-              </a:rPr>
-              <a:t>What data do we have?</a:t>
-            </a:r>
-          </a:p>
-          <a:p>
-            <a:pPr marL="457200" indent="-457200">
-              <a:lnSpc>
-                <a:spcPts val="4480"/>
-              </a:lnSpc>
-              <a:buFont typeface="Arial" panose="020B0604020202020204" pitchFamily="34" charset="0"/>
-              <a:buChar char="•"/>
-            </a:pPr>
-            <a:r>
-              <a:rPr lang="en-US" sz="2800" dirty="0">
-                <a:solidFill>
-                  <a:srgbClr val="404040"/>
-                </a:solidFill>
-                <a:latin typeface="Montserrat" pitchFamily="2" charset="77"/>
-              </a:rPr>
-              <a:t>Does it look as you expected? </a:t>
-            </a:r>
-          </a:p>
-          <a:p>
-            <a:pPr marL="457200" indent="-457200">
-              <a:lnSpc>
-                <a:spcPts val="4480"/>
-              </a:lnSpc>
-              <a:buFont typeface="Arial" panose="020B0604020202020204" pitchFamily="34" charset="0"/>
-              <a:buChar char="•"/>
-            </a:pPr>
-            <a:r>
-              <a:rPr lang="en-US" sz="2800" dirty="0">
-                <a:solidFill>
-                  <a:srgbClr val="404040"/>
-                </a:solidFill>
-                <a:latin typeface="Montserrat" pitchFamily="2" charset="77"/>
-              </a:rPr>
-              <a:t>Is it suitable for the planned analysis?</a:t>
-            </a:r>
-          </a:p>
-          <a:p>
-            <a:pPr marL="457200" indent="-457200">
-              <a:lnSpc>
-                <a:spcPts val="4480"/>
-              </a:lnSpc>
-              <a:buFont typeface="Arial" panose="020B0604020202020204" pitchFamily="34" charset="0"/>
-              <a:buChar char="•"/>
-            </a:pPr>
-            <a:r>
-              <a:rPr lang="en-US" sz="2800" dirty="0">
-                <a:solidFill>
-                  <a:srgbClr val="404040"/>
-                </a:solidFill>
-                <a:latin typeface="Montserrat" pitchFamily="2" charset="77"/>
-              </a:rPr>
-              <a:t>How do we need to prepare the data for analysis?</a:t>
-            </a:r>
-          </a:p>
-        </p:txBody>
-      </p:sp>
-      <p:pic>
-        <p:nvPicPr>
-          <p:cNvPr id="24" name="Picture 23" descr="A diagram of a city&#10;&#10;Description automatically generated">
-            <a:extLst>
-              <a:ext uri="{FF2B5EF4-FFF2-40B4-BE49-F238E27FC236}">
-                <a16:creationId xmlns:a16="http://schemas.microsoft.com/office/drawing/2014/main" id="{44D82E15-4257-27B6-0C24-D397C3E719EA}"/>
-              </a:ext>
-            </a:extLst>
-          </p:cNvPr>
-          <p:cNvPicPr>
-            <a:picLocks noChangeAspect="1"/>
-          </p:cNvPicPr>
-          <p:nvPr/>
-        </p:nvPicPr>
-        <p:blipFill>
-          <a:blip r:embed="rId4">
-            <a:extLst>
-              <a:ext uri="{28A0092B-C50C-407E-A947-70E740481C1C}">
-                <a14:useLocalDpi xmlns:a14="http://schemas.microsoft.com/office/drawing/2010/main" val="0"/>
-              </a:ext>
-            </a:extLst>
-          </a:blip>
-          <a:stretch>
-            <a:fillRect/>
-          </a:stretch>
-        </p:blipFill>
-        <p:spPr>
-          <a:xfrm>
-            <a:off x="13626206" y="5416160"/>
-            <a:ext cx="3886200" cy="3276962"/>
-          </a:xfrm>
-          <a:prstGeom prst="rect">
-            <a:avLst/>
-          </a:prstGeom>
-          <a:ln>
-            <a:solidFill>
-              <a:schemeClr val="tx1">
-                <a:lumMod val="65000"/>
-                <a:lumOff val="35000"/>
-              </a:schemeClr>
-            </a:solidFill>
-          </a:ln>
-        </p:spPr>
-      </p:pic>
-      <p:sp>
-        <p:nvSpPr>
-          <p:cNvPr id="17" name="Freeform 7">
-            <a:extLst>
-              <a:ext uri="{FF2B5EF4-FFF2-40B4-BE49-F238E27FC236}">
-                <a16:creationId xmlns:a16="http://schemas.microsoft.com/office/drawing/2014/main" id="{954F4AB2-1D8D-5F35-F4AF-DD04AEA62A51}"/>
-              </a:ext>
-            </a:extLst>
-          </p:cNvPr>
-          <p:cNvSpPr/>
-          <p:nvPr/>
-        </p:nvSpPr>
-        <p:spPr>
-          <a:xfrm>
-            <a:off x="10515600" y="3040104"/>
-            <a:ext cx="3886200" cy="3003130"/>
-          </a:xfrm>
-          <a:custGeom>
-            <a:avLst/>
-            <a:gdLst/>
-            <a:ahLst/>
-            <a:cxnLst/>
-            <a:rect l="l" t="t" r="r" b="b"/>
-            <a:pathLst>
-              <a:path w="5081874" h="3387916">
-                <a:moveTo>
-                  <a:pt x="0" y="0"/>
-                </a:moveTo>
-                <a:lnTo>
-                  <a:pt x="5081873" y="0"/>
-                </a:lnTo>
-                <a:lnTo>
-                  <a:pt x="5081873" y="3387915"/>
-                </a:lnTo>
-                <a:lnTo>
-                  <a:pt x="0" y="3387915"/>
-                </a:lnTo>
-                <a:lnTo>
-                  <a:pt x="0" y="0"/>
-                </a:lnTo>
-                <a:close/>
-              </a:path>
-            </a:pathLst>
-          </a:custGeom>
-          <a:blipFill>
-            <a:blip r:embed="rId5"/>
-            <a:stretch>
-              <a:fillRect l="-8030" t="-9319" r="-17684" b="-10845"/>
-            </a:stretch>
-          </a:blipFill>
-          <a:ln>
-            <a:solidFill>
-              <a:schemeClr val="tx1">
-                <a:lumMod val="65000"/>
-                <a:lumOff val="35000"/>
-              </a:schemeClr>
-            </a:solidFill>
-          </a:ln>
-        </p:spPr>
-        <p:txBody>
-          <a:bodyPr/>
-          <a:lstStyle/>
-          <a:p>
-            <a:endParaRPr lang="en-DK"/>
-          </a:p>
-        </p:txBody>
-      </p:sp>
-      <p:pic>
-        <p:nvPicPr>
-          <p:cNvPr id="26" name="Picture 25" descr="A diagram of different sizes and colors&#10;&#10;Description automatically generated">
-            <a:extLst>
-              <a:ext uri="{FF2B5EF4-FFF2-40B4-BE49-F238E27FC236}">
-                <a16:creationId xmlns:a16="http://schemas.microsoft.com/office/drawing/2014/main" id="{5F2AD7BF-8B15-3F54-06A5-D90833E52F64}"/>
-              </a:ext>
-            </a:extLst>
-          </p:cNvPr>
-          <p:cNvPicPr>
-            <a:picLocks noChangeAspect="1"/>
-          </p:cNvPicPr>
-          <p:nvPr/>
-        </p:nvPicPr>
-        <p:blipFill rotWithShape="1">
-          <a:blip r:embed="rId6" cstate="print">
-            <a:extLst>
-              <a:ext uri="{28A0092B-C50C-407E-A947-70E740481C1C}">
-                <a14:useLocalDpi xmlns:a14="http://schemas.microsoft.com/office/drawing/2010/main" val="0"/>
-              </a:ext>
-            </a:extLst>
-          </a:blip>
-          <a:srcRect l="10937" t="12752" r="23437" b="12830"/>
-          <a:stretch/>
-        </p:blipFill>
-        <p:spPr>
-          <a:xfrm>
-            <a:off x="13639800" y="1832086"/>
-            <a:ext cx="3886200" cy="3305211"/>
-          </a:xfrm>
-          <a:prstGeom prst="rect">
-            <a:avLst/>
-          </a:prstGeom>
-          <a:ln>
-            <a:solidFill>
-              <a:schemeClr val="tx1">
-                <a:lumMod val="65000"/>
-                <a:lumOff val="35000"/>
-              </a:schemeClr>
-            </a:solidFill>
-          </a:ln>
-        </p:spPr>
-      </p:pic>
-      <p:sp>
-        <p:nvSpPr>
-          <p:cNvPr id="30" name="TextBox 10">
-            <a:extLst>
-              <a:ext uri="{FF2B5EF4-FFF2-40B4-BE49-F238E27FC236}">
-                <a16:creationId xmlns:a16="http://schemas.microsoft.com/office/drawing/2014/main" id="{7E69BD36-6C9D-ED68-C2D3-F0AC6AEC370F}"/>
-              </a:ext>
-            </a:extLst>
-          </p:cNvPr>
-          <p:cNvSpPr txBox="1"/>
-          <p:nvPr/>
-        </p:nvSpPr>
-        <p:spPr>
-          <a:xfrm>
-            <a:off x="12238049" y="2971585"/>
-            <a:ext cx="1603876" cy="496161"/>
-          </a:xfrm>
-          <a:prstGeom prst="rect">
-            <a:avLst/>
-          </a:prstGeom>
-        </p:spPr>
-        <p:txBody>
-          <a:bodyPr wrap="square" lIns="0" tIns="0" rIns="0" bIns="0" rtlCol="0" anchor="t">
-            <a:spAutoFit/>
-          </a:bodyPr>
-          <a:lstStyle/>
-          <a:p>
-            <a:pPr>
-              <a:lnSpc>
-                <a:spcPts val="4480"/>
-              </a:lnSpc>
-            </a:pPr>
-            <a:r>
-              <a:rPr lang="en-US" sz="1600" b="1" dirty="0">
-                <a:solidFill>
-                  <a:srgbClr val="404040"/>
-                </a:solidFill>
-                <a:latin typeface="Montserrat" pitchFamily="2" charset="77"/>
-              </a:rPr>
-              <a:t>Density Plot</a:t>
-            </a:r>
-          </a:p>
-        </p:txBody>
-      </p:sp>
-      <p:sp>
-        <p:nvSpPr>
-          <p:cNvPr id="31" name="TextBox 10">
-            <a:extLst>
-              <a:ext uri="{FF2B5EF4-FFF2-40B4-BE49-F238E27FC236}">
-                <a16:creationId xmlns:a16="http://schemas.microsoft.com/office/drawing/2014/main" id="{74066E5F-ADE4-6AB1-6265-6856D2874A69}"/>
-              </a:ext>
-            </a:extLst>
-          </p:cNvPr>
-          <p:cNvSpPr txBox="1"/>
-          <p:nvPr/>
-        </p:nvSpPr>
-        <p:spPr>
-          <a:xfrm>
-            <a:off x="16636290" y="1753918"/>
-            <a:ext cx="1603876" cy="496161"/>
-          </a:xfrm>
-          <a:prstGeom prst="rect">
-            <a:avLst/>
-          </a:prstGeom>
-        </p:spPr>
-        <p:txBody>
-          <a:bodyPr wrap="square" lIns="0" tIns="0" rIns="0" bIns="0" rtlCol="0" anchor="t">
-            <a:spAutoFit/>
-          </a:bodyPr>
-          <a:lstStyle/>
-          <a:p>
-            <a:pPr>
-              <a:lnSpc>
-                <a:spcPts val="4480"/>
-              </a:lnSpc>
-            </a:pPr>
-            <a:r>
-              <a:rPr lang="en-US" sz="1600" b="1" dirty="0">
-                <a:solidFill>
-                  <a:srgbClr val="404040"/>
-                </a:solidFill>
-                <a:latin typeface="Montserrat" pitchFamily="2" charset="77"/>
-              </a:rPr>
-              <a:t>Biplot</a:t>
-            </a:r>
-          </a:p>
-        </p:txBody>
-      </p:sp>
-      <p:sp>
-        <p:nvSpPr>
-          <p:cNvPr id="32" name="TextBox 10">
-            <a:extLst>
-              <a:ext uri="{FF2B5EF4-FFF2-40B4-BE49-F238E27FC236}">
-                <a16:creationId xmlns:a16="http://schemas.microsoft.com/office/drawing/2014/main" id="{6AF05C40-21EF-2C86-57D2-B94487C8A7AF}"/>
-              </a:ext>
-            </a:extLst>
-          </p:cNvPr>
-          <p:cNvSpPr txBox="1"/>
-          <p:nvPr/>
-        </p:nvSpPr>
-        <p:spPr>
-          <a:xfrm>
-            <a:off x="12229340" y="6453209"/>
-            <a:ext cx="1603876" cy="496161"/>
-          </a:xfrm>
-          <a:prstGeom prst="rect">
-            <a:avLst/>
-          </a:prstGeom>
-        </p:spPr>
-        <p:txBody>
-          <a:bodyPr wrap="square" lIns="0" tIns="0" rIns="0" bIns="0" rtlCol="0" anchor="t">
-            <a:spAutoFit/>
-          </a:bodyPr>
-          <a:lstStyle/>
-          <a:p>
-            <a:pPr>
-              <a:lnSpc>
-                <a:spcPts val="4480"/>
-              </a:lnSpc>
-            </a:pPr>
-            <a:r>
-              <a:rPr lang="en-US" sz="1600" b="1" dirty="0">
-                <a:solidFill>
-                  <a:srgbClr val="404040"/>
-                </a:solidFill>
-                <a:latin typeface="Montserrat" pitchFamily="2" charset="77"/>
-              </a:rPr>
-              <a:t>Scatter Plot</a:t>
-            </a:r>
-          </a:p>
-        </p:txBody>
-      </p:sp>
-      <p:sp>
-        <p:nvSpPr>
-          <p:cNvPr id="33" name="TextBox 10">
-            <a:extLst>
-              <a:ext uri="{FF2B5EF4-FFF2-40B4-BE49-F238E27FC236}">
-                <a16:creationId xmlns:a16="http://schemas.microsoft.com/office/drawing/2014/main" id="{EA9DD776-6546-5CE1-929F-DD4372F77578}"/>
-              </a:ext>
-            </a:extLst>
-          </p:cNvPr>
-          <p:cNvSpPr txBox="1"/>
-          <p:nvPr/>
-        </p:nvSpPr>
-        <p:spPr>
-          <a:xfrm>
-            <a:off x="16074524" y="5416160"/>
-            <a:ext cx="1603876" cy="496161"/>
-          </a:xfrm>
-          <a:prstGeom prst="rect">
-            <a:avLst/>
-          </a:prstGeom>
-        </p:spPr>
-        <p:txBody>
-          <a:bodyPr wrap="square" lIns="0" tIns="0" rIns="0" bIns="0" rtlCol="0" anchor="t">
-            <a:spAutoFit/>
-          </a:bodyPr>
-          <a:lstStyle/>
-          <a:p>
-            <a:pPr>
-              <a:lnSpc>
-                <a:spcPts val="4480"/>
-              </a:lnSpc>
-            </a:pPr>
-            <a:r>
-              <a:rPr lang="en-US" sz="1600" b="1" dirty="0">
-                <a:solidFill>
-                  <a:srgbClr val="404040"/>
-                </a:solidFill>
-                <a:latin typeface="Montserrat" pitchFamily="2" charset="77"/>
-              </a:rPr>
-              <a:t>Dendrogram</a:t>
-            </a:r>
-          </a:p>
-        </p:txBody>
-      </p:sp>
-      <p:pic>
-        <p:nvPicPr>
-          <p:cNvPr id="34" name="Picture 33" descr="A blue and black logo&#10;&#10;Description automatically generated">
-            <a:extLst>
-              <a:ext uri="{FF2B5EF4-FFF2-40B4-BE49-F238E27FC236}">
-                <a16:creationId xmlns:a16="http://schemas.microsoft.com/office/drawing/2014/main" id="{AED0E294-2328-3B7B-8A33-090D04D7BD06}"/>
-              </a:ext>
-            </a:extLst>
-          </p:cNvPr>
-          <p:cNvPicPr>
-            <a:picLocks noChangeAspect="1"/>
-          </p:cNvPicPr>
-          <p:nvPr/>
-        </p:nvPicPr>
-        <p:blipFill>
-          <a:blip r:embed="rId7" cstate="print">
-            <a:extLst>
-              <a:ext uri="{BEBA8EAE-BF5A-486C-A8C5-ECC9F3942E4B}">
-                <a14:imgProps xmlns:a14="http://schemas.microsoft.com/office/drawing/2010/main">
-                  <a14:imgLayer r:embed="rId8">
-                    <a14:imgEffect>
-                      <a14:colorTemperature colorTemp="4700"/>
-                    </a14:imgEffect>
-                    <a14:imgEffect>
-                      <a14:saturation sat="64000"/>
-                    </a14:imgEffect>
-                  </a14:imgLayer>
-                </a14:imgProps>
-              </a:ext>
-              <a:ext uri="{28A0092B-C50C-407E-A947-70E740481C1C}">
-                <a14:useLocalDpi xmlns:a14="http://schemas.microsoft.com/office/drawing/2010/main" val="0"/>
-              </a:ext>
-            </a:extLst>
-          </a:blip>
-          <a:stretch>
-            <a:fillRect/>
-          </a:stretch>
-        </p:blipFill>
-        <p:spPr>
-          <a:xfrm>
-            <a:off x="17373600" y="9246781"/>
-            <a:ext cx="762000" cy="925919"/>
-          </a:xfrm>
-          <a:prstGeom prst="rect">
-            <a:avLst/>
-          </a:prstGeom>
-        </p:spPr>
-      </p:pic>
-    </p:spTree>
-    <p:extLst>
-      <p:ext uri="{BB962C8B-B14F-4D97-AF65-F5344CB8AC3E}">
-        <p14:creationId xmlns:p14="http://schemas.microsoft.com/office/powerpoint/2010/main" val="17367252"/>
-      </p:ext>
-    </p:extLst>
-  </p:cSld>
-  <p:clrMapOvr>
-    <a:masterClrMapping/>
-  </p:clrMapOvr>
-</p:sld>
-</file>
-
-<file path=ppt/slides/slide30.xml><?xml version="1.0" encoding="utf-8"?>
+<file path=ppt/slides/slide32.xml><?xml version="1.0" encoding="utf-8"?>
 <p:sld xmlns:a="http://schemas.openxmlformats.org/drawingml/2006/main" xmlns:r="http://schemas.openxmlformats.org/officeDocument/2006/relationships" xmlns:p="http://schemas.openxmlformats.org/presentationml/2006/main">
   <p:cSld>
     <p:bg>
@@ -38198,7 +39512,7 @@
 </p:sld>
 </file>
 
-<file path=ppt/slides/slide31.xml><?xml version="1.0" encoding="utf-8"?>
+<file path=ppt/slides/slide33.xml><?xml version="1.0" encoding="utf-8"?>
 <p:sld xmlns:a="http://schemas.openxmlformats.org/drawingml/2006/main" xmlns:r="http://schemas.openxmlformats.org/officeDocument/2006/relationships" xmlns:p="http://schemas.openxmlformats.org/presentationml/2006/main">
   <p:cSld>
     <p:bg>
@@ -38643,7 +39957,7 @@
 </p:sld>
 </file>
 
-<file path=ppt/slides/slide32.xml><?xml version="1.0" encoding="utf-8"?>
+<file path=ppt/slides/slide34.xml><?xml version="1.0" encoding="utf-8"?>
 <p:sld xmlns:a="http://schemas.openxmlformats.org/drawingml/2006/main" xmlns:r="http://schemas.openxmlformats.org/officeDocument/2006/relationships" xmlns:p="http://schemas.openxmlformats.org/presentationml/2006/main">
   <p:cSld>
     <p:spTree>
@@ -39110,7 +40424,7 @@
 </p:sld>
 </file>
 
-<file path=ppt/slides/slide33.xml><?xml version="1.0" encoding="utf-8"?>
+<file path=ppt/slides/slide35.xml><?xml version="1.0" encoding="utf-8"?>
 <p:sld xmlns:a="http://schemas.openxmlformats.org/drawingml/2006/main" xmlns:r="http://schemas.openxmlformats.org/officeDocument/2006/relationships" xmlns:p="http://schemas.openxmlformats.org/presentationml/2006/main">
   <p:cSld>
     <p:spTree>
@@ -40303,7 +41617,7 @@
 </p:sld>
 </file>
 
-<file path=ppt/slides/slide34.xml><?xml version="1.0" encoding="utf-8"?>
+<file path=ppt/slides/slide36.xml><?xml version="1.0" encoding="utf-8"?>
 <p:sld xmlns:a="http://schemas.openxmlformats.org/drawingml/2006/main" xmlns:r="http://schemas.openxmlformats.org/officeDocument/2006/relationships" xmlns:p="http://schemas.openxmlformats.org/presentationml/2006/main">
   <p:cSld>
     <p:spTree>
@@ -41380,7 +42694,7 @@
 </p:sld>
 </file>
 
-<file path=ppt/slides/slide35.xml><?xml version="1.0" encoding="utf-8"?>
+<file path=ppt/slides/slide37.xml><?xml version="1.0" encoding="utf-8"?>
 <p:sld xmlns:a="http://schemas.openxmlformats.org/drawingml/2006/main" xmlns:r="http://schemas.openxmlformats.org/officeDocument/2006/relationships" xmlns:p="http://schemas.openxmlformats.org/presentationml/2006/main">
   <p:cSld>
     <p:spTree>
@@ -42395,7 +43709,7 @@
 </p:sld>
 </file>
 
-<file path=ppt/slides/slide36.xml><?xml version="1.0" encoding="utf-8"?>
+<file path=ppt/slides/slide38.xml><?xml version="1.0" encoding="utf-8"?>
 <p:sld xmlns:a="http://schemas.openxmlformats.org/drawingml/2006/main" xmlns:r="http://schemas.openxmlformats.org/officeDocument/2006/relationships" xmlns:p="http://schemas.openxmlformats.org/presentationml/2006/main">
   <p:cSld>
     <p:spTree>
@@ -43460,7 +44774,7 @@
 </p:sld>
 </file>
 
-<file path=ppt/slides/slide37.xml><?xml version="1.0" encoding="utf-8"?>
+<file path=ppt/slides/slide39.xml><?xml version="1.0" encoding="utf-8"?>
 <p:sld xmlns:a="http://schemas.openxmlformats.org/drawingml/2006/main" xmlns:r="http://schemas.openxmlformats.org/officeDocument/2006/relationships" xmlns:p="http://schemas.openxmlformats.org/presentationml/2006/main">
   <p:cSld>
     <p:spTree>
@@ -44519,1002 +45833,6 @@
     <p:extLst>
       <p:ext uri="{BB962C8B-B14F-4D97-AF65-F5344CB8AC3E}">
         <p14:creationId xmlns:p14="http://schemas.microsoft.com/office/powerpoint/2010/main" val="723481322"/>
-      </p:ext>
-    </p:extLst>
-  </p:cSld>
-  <p:clrMapOvr>
-    <a:masterClrMapping/>
-  </p:clrMapOvr>
-</p:sld>
-</file>
-
-<file path=ppt/slides/slide38.xml><?xml version="1.0" encoding="utf-8"?>
-<p:sld xmlns:a="http://schemas.openxmlformats.org/drawingml/2006/main" xmlns:r="http://schemas.openxmlformats.org/officeDocument/2006/relationships" xmlns:p="http://schemas.openxmlformats.org/presentationml/2006/main">
-  <p:cSld>
-    <p:spTree>
-      <p:nvGrpSpPr>
-        <p:cNvPr id="1" name=""/>
-        <p:cNvGrpSpPr/>
-        <p:nvPr/>
-      </p:nvGrpSpPr>
-      <p:grpSpPr>
-        <a:xfrm>
-          <a:off x="0" y="0"/>
-          <a:ext cx="0" cy="0"/>
-          <a:chOff x="0" y="0"/>
-          <a:chExt cx="0" cy="0"/>
-        </a:xfrm>
-      </p:grpSpPr>
-      <mc:AlternateContent xmlns:mc="http://schemas.openxmlformats.org/markup-compatibility/2006" xmlns:we="http://schemas.microsoft.com/office/webextensions/webextension/2010/11" xmlns:pca="http://schemas.microsoft.com/office/powerpoint/2013/contentapp">
-        <mc:Choice Requires="we pca">
-          <p:graphicFrame>
-            <p:nvGraphicFramePr>
-              <p:cNvPr id="5" name="Add-in 4" title="Breaktime">
-                <a:extLst>
-                  <a:ext uri="{FF2B5EF4-FFF2-40B4-BE49-F238E27FC236}">
-                    <a16:creationId xmlns:a16="http://schemas.microsoft.com/office/drawing/2014/main" id="{836BC707-9937-78B5-605B-EB757213B90D}"/>
-                  </a:ext>
-                </a:extLst>
-              </p:cNvPr>
-              <p:cNvGraphicFramePr>
-                <a:graphicFrameLocks noGrp="1"/>
-              </p:cNvGraphicFramePr>
-              <p:nvPr>
-                <p:extLst>
-                  <p:ext uri="{D42A27DB-BD31-4B8C-83A1-F6EECF244321}">
-                    <p14:modId xmlns:p14="http://schemas.microsoft.com/office/powerpoint/2010/main" val="2108620494"/>
-                  </p:ext>
-                </p:extLst>
-              </p:nvPr>
-            </p:nvGraphicFramePr>
-            <p:xfrm>
-              <a:off x="5986130" y="4229100"/>
-              <a:ext cx="9804400" cy="3810000"/>
-            </p:xfrm>
-            <a:graphic>
-              <a:graphicData uri="http://schemas.microsoft.com/office/webextensions/webextension/2010/11">
-                <we:webextensionref xmlns:we="http://schemas.microsoft.com/office/webextensions/webextension/2010/11" xmlns:r="http://schemas.openxmlformats.org/officeDocument/2006/relationships" r:id="rId3"/>
-              </a:graphicData>
-            </a:graphic>
-          </p:graphicFrame>
-        </mc:Choice>
-        <mc:Fallback xmlns="">
-          <p:pic>
-            <p:nvPicPr>
-              <p:cNvPr id="5" name="Add-in 4" title="Breaktime">
-                <a:extLst>
-                  <a:ext uri="{FF2B5EF4-FFF2-40B4-BE49-F238E27FC236}">
-                    <a16:creationId xmlns:a16="http://schemas.microsoft.com/office/drawing/2014/main" id="{836BC707-9937-78B5-605B-EB757213B90D}"/>
-                  </a:ext>
-                </a:extLst>
-              </p:cNvPr>
-              <p:cNvPicPr>
-                <a:picLocks noGrp="1" noRot="1" noChangeAspect="1" noMove="1" noResize="1" noEditPoints="1" noAdjustHandles="1" noChangeArrowheads="1" noChangeShapeType="1"/>
-              </p:cNvPicPr>
-              <p:nvPr/>
-            </p:nvPicPr>
-            <p:blipFill>
-              <a:blip r:embed="rId4"/>
-              <a:stretch>
-                <a:fillRect/>
-              </a:stretch>
-            </p:blipFill>
-            <p:spPr>
-              <a:xfrm>
-                <a:off x="5986130" y="4229100"/>
-                <a:ext cx="9804400" cy="3810000"/>
-              </a:xfrm>
-              <a:prstGeom prst="rect">
-                <a:avLst/>
-              </a:prstGeom>
-            </p:spPr>
-          </p:pic>
-        </mc:Fallback>
-      </mc:AlternateContent>
-      <p:sp>
-        <p:nvSpPr>
-          <p:cNvPr id="4" name="Rounded Rectangle 3">
-            <a:extLst>
-              <a:ext uri="{FF2B5EF4-FFF2-40B4-BE49-F238E27FC236}">
-                <a16:creationId xmlns:a16="http://schemas.microsoft.com/office/drawing/2014/main" id="{0E14F0BF-4413-979A-6A77-37E012F4FF9A}"/>
-              </a:ext>
-            </a:extLst>
-          </p:cNvPr>
-          <p:cNvSpPr/>
-          <p:nvPr/>
-        </p:nvSpPr>
-        <p:spPr>
-          <a:xfrm>
-            <a:off x="4876800" y="986020"/>
-            <a:ext cx="8686800" cy="2476122"/>
-          </a:xfrm>
-          <a:prstGeom prst="roundRect">
-            <a:avLst/>
-          </a:prstGeom>
-          <a:solidFill>
-            <a:srgbClr val="FCD5B5"/>
-          </a:solidFill>
-          <a:ln>
-            <a:noFill/>
-          </a:ln>
-        </p:spPr>
-        <p:style>
-          <a:lnRef idx="2">
-            <a:schemeClr val="accent1">
-              <a:shade val="50000"/>
-            </a:schemeClr>
-          </a:lnRef>
-          <a:fillRef idx="1">
-            <a:schemeClr val="accent1"/>
-          </a:fillRef>
-          <a:effectRef idx="0">
-            <a:schemeClr val="accent1"/>
-          </a:effectRef>
-          <a:fontRef idx="minor">
-            <a:schemeClr val="lt1"/>
-          </a:fontRef>
-        </p:style>
-        <p:txBody>
-          <a:bodyPr rtlCol="0" anchor="ctr"/>
-          <a:lstStyle/>
-          <a:p>
-            <a:pPr algn="ctr"/>
-            <a:endParaRPr lang="en-DK" dirty="0"/>
-          </a:p>
-        </p:txBody>
-      </p:sp>
-      <p:sp>
-        <p:nvSpPr>
-          <p:cNvPr id="27" name="TextBox 26">
-            <a:extLst>
-              <a:ext uri="{FF2B5EF4-FFF2-40B4-BE49-F238E27FC236}">
-                <a16:creationId xmlns:a16="http://schemas.microsoft.com/office/drawing/2014/main" id="{2F36445D-6A47-0C90-1CB8-8A4D9208EE83}"/>
-              </a:ext>
-            </a:extLst>
-          </p:cNvPr>
-          <p:cNvSpPr txBox="1"/>
-          <p:nvPr/>
-        </p:nvSpPr>
-        <p:spPr>
-          <a:xfrm>
-            <a:off x="5346699" y="1275148"/>
-            <a:ext cx="7747001" cy="1940596"/>
-          </a:xfrm>
-          <a:prstGeom prst="rect">
-            <a:avLst/>
-          </a:prstGeom>
-        </p:spPr>
-        <p:txBody>
-          <a:bodyPr wrap="square" lIns="0" tIns="0" rIns="0" bIns="0" rtlCol="0" anchor="t">
-            <a:spAutoFit/>
-          </a:bodyPr>
-          <a:lstStyle/>
-          <a:p>
-            <a:pPr algn="ctr">
-              <a:lnSpc>
-                <a:spcPts val="7807"/>
-              </a:lnSpc>
-              <a:spcBef>
-                <a:spcPct val="0"/>
-              </a:spcBef>
-            </a:pPr>
-            <a:r>
-              <a:rPr lang="en-US" sz="6000" b="1" dirty="0">
-                <a:solidFill>
-                  <a:srgbClr val="404040"/>
-                </a:solidFill>
-                <a:latin typeface="Montserrat" pitchFamily="2" charset="77"/>
-              </a:rPr>
-              <a:t>LUNCH BREAK </a:t>
-            </a:r>
-          </a:p>
-          <a:p>
-            <a:pPr algn="ctr">
-              <a:lnSpc>
-                <a:spcPts val="7807"/>
-              </a:lnSpc>
-              <a:spcBef>
-                <a:spcPct val="0"/>
-              </a:spcBef>
-            </a:pPr>
-            <a:r>
-              <a:rPr lang="en-US" sz="6000" b="1" dirty="0">
-                <a:solidFill>
-                  <a:srgbClr val="404040"/>
-                </a:solidFill>
-                <a:latin typeface="Montserrat" pitchFamily="2" charset="77"/>
-              </a:rPr>
-              <a:t>IN OUR JOURNEY</a:t>
-            </a:r>
-          </a:p>
-        </p:txBody>
-      </p:sp>
-      <p:sp>
-        <p:nvSpPr>
-          <p:cNvPr id="28" name="TextBox 27">
-            <a:extLst>
-              <a:ext uri="{FF2B5EF4-FFF2-40B4-BE49-F238E27FC236}">
-                <a16:creationId xmlns:a16="http://schemas.microsoft.com/office/drawing/2014/main" id="{40AC6CFC-CB27-ED9E-5F3C-168A9D93B0E9}"/>
-              </a:ext>
-            </a:extLst>
-          </p:cNvPr>
-          <p:cNvSpPr txBox="1"/>
-          <p:nvPr/>
-        </p:nvSpPr>
-        <p:spPr>
-          <a:xfrm>
-            <a:off x="3180522" y="357809"/>
-            <a:ext cx="184731" cy="369332"/>
-          </a:xfrm>
-          <a:prstGeom prst="rect">
-            <a:avLst/>
-          </a:prstGeom>
-          <a:noFill/>
-        </p:spPr>
-        <p:txBody>
-          <a:bodyPr wrap="none" rtlCol="0">
-            <a:spAutoFit/>
-          </a:bodyPr>
-          <a:lstStyle/>
-          <a:p>
-            <a:endParaRPr lang="en-DK" dirty="0"/>
-          </a:p>
-        </p:txBody>
-      </p:sp>
-      <p:pic>
-        <p:nvPicPr>
-          <p:cNvPr id="29" name="Graphic 28" descr="Sailboat with solid fill">
-            <a:extLst>
-              <a:ext uri="{FF2B5EF4-FFF2-40B4-BE49-F238E27FC236}">
-                <a16:creationId xmlns:a16="http://schemas.microsoft.com/office/drawing/2014/main" id="{097C06D0-BF51-8BE4-9304-F04CDACE509E}"/>
-              </a:ext>
-            </a:extLst>
-          </p:cNvPr>
-          <p:cNvPicPr>
-            <a:picLocks noChangeAspect="1"/>
-          </p:cNvPicPr>
-          <p:nvPr/>
-        </p:nvPicPr>
-        <p:blipFill>
-          <a:blip r:embed="rId5">
-            <a:extLst>
-              <a:ext uri="{28A0092B-C50C-407E-A947-70E740481C1C}">
-                <a14:useLocalDpi xmlns:a14="http://schemas.microsoft.com/office/drawing/2010/main" val="0"/>
-              </a:ext>
-              <a:ext uri="{96DAC541-7B7A-43D3-8B79-37D633B846F1}">
-                <asvg:svgBlip xmlns:asvg="http://schemas.microsoft.com/office/drawing/2016/SVG/main" r:embed="rId6"/>
-              </a:ext>
-            </a:extLst>
-          </a:blip>
-          <a:stretch>
-            <a:fillRect/>
-          </a:stretch>
-        </p:blipFill>
-        <p:spPr>
-          <a:xfrm rot="21009353">
-            <a:off x="164460" y="6569635"/>
-            <a:ext cx="3624239" cy="3624239"/>
-          </a:xfrm>
-          <a:prstGeom prst="rect">
-            <a:avLst/>
-          </a:prstGeom>
-        </p:spPr>
-      </p:pic>
-      <p:grpSp>
-        <p:nvGrpSpPr>
-          <p:cNvPr id="30" name="Group 29">
-            <a:extLst>
-              <a:ext uri="{FF2B5EF4-FFF2-40B4-BE49-F238E27FC236}">
-                <a16:creationId xmlns:a16="http://schemas.microsoft.com/office/drawing/2014/main" id="{2E297D74-D6EE-F0AC-07EC-F6D3D9F315B9}"/>
-              </a:ext>
-            </a:extLst>
-          </p:cNvPr>
-          <p:cNvGrpSpPr/>
-          <p:nvPr/>
-        </p:nvGrpSpPr>
-        <p:grpSpPr>
-          <a:xfrm>
-            <a:off x="-152400" y="8953500"/>
-            <a:ext cx="18592800" cy="1524000"/>
-            <a:chOff x="-152400" y="8953500"/>
-            <a:chExt cx="18592800" cy="1524000"/>
-          </a:xfrm>
-        </p:grpSpPr>
-        <p:grpSp>
-          <p:nvGrpSpPr>
-            <p:cNvPr id="31" name="Group 30">
-              <a:extLst>
-                <a:ext uri="{FF2B5EF4-FFF2-40B4-BE49-F238E27FC236}">
-                  <a16:creationId xmlns:a16="http://schemas.microsoft.com/office/drawing/2014/main" id="{E7DC3945-34A5-A068-BA92-477A63353CEF}"/>
-                </a:ext>
-              </a:extLst>
-            </p:cNvPr>
-            <p:cNvGrpSpPr/>
-            <p:nvPr/>
-          </p:nvGrpSpPr>
-          <p:grpSpPr>
-            <a:xfrm>
-              <a:off x="-152400" y="8953500"/>
-              <a:ext cx="3962400" cy="1524000"/>
-              <a:chOff x="-152400" y="8953500"/>
-              <a:chExt cx="3962400" cy="1524000"/>
-            </a:xfrm>
-          </p:grpSpPr>
-          <p:pic>
-            <p:nvPicPr>
-              <p:cNvPr id="49" name="Graphic 48" descr="Wave with solid fill">
-                <a:extLst>
-                  <a:ext uri="{FF2B5EF4-FFF2-40B4-BE49-F238E27FC236}">
-                    <a16:creationId xmlns:a16="http://schemas.microsoft.com/office/drawing/2014/main" id="{09E633E2-61A3-0A68-B980-2EAEACBEF9E7}"/>
-                  </a:ext>
-                </a:extLst>
-              </p:cNvPr>
-              <p:cNvPicPr>
-                <a:picLocks noChangeAspect="1"/>
-              </p:cNvPicPr>
-              <p:nvPr/>
-            </p:nvPicPr>
-            <p:blipFill>
-              <a:blip r:embed="rId7">
-                <a:extLst>
-                  <a:ext uri="{28A0092B-C50C-407E-A947-70E740481C1C}">
-                    <a14:useLocalDpi xmlns:a14="http://schemas.microsoft.com/office/drawing/2010/main" val="0"/>
-                  </a:ext>
-                  <a:ext uri="{96DAC541-7B7A-43D3-8B79-37D633B846F1}">
-                    <asvg:svgBlip xmlns:asvg="http://schemas.microsoft.com/office/drawing/2016/SVG/main" r:embed="rId8"/>
-                  </a:ext>
-                </a:extLst>
-              </a:blip>
-              <a:stretch>
-                <a:fillRect/>
-              </a:stretch>
-            </p:blipFill>
-            <p:spPr>
-              <a:xfrm>
-                <a:off x="-152400" y="8953500"/>
-                <a:ext cx="1524000" cy="1524000"/>
-              </a:xfrm>
-              <a:prstGeom prst="rect">
-                <a:avLst/>
-              </a:prstGeom>
-            </p:spPr>
-          </p:pic>
-          <p:pic>
-            <p:nvPicPr>
-              <p:cNvPr id="50" name="Graphic 49" descr="Wave with solid fill">
-                <a:extLst>
-                  <a:ext uri="{FF2B5EF4-FFF2-40B4-BE49-F238E27FC236}">
-                    <a16:creationId xmlns:a16="http://schemas.microsoft.com/office/drawing/2014/main" id="{6990AE3C-C244-4C4C-676A-3651B49B5603}"/>
-                  </a:ext>
-                </a:extLst>
-              </p:cNvPr>
-              <p:cNvPicPr>
-                <a:picLocks noChangeAspect="1"/>
-              </p:cNvPicPr>
-              <p:nvPr/>
-            </p:nvPicPr>
-            <p:blipFill>
-              <a:blip r:embed="rId7">
-                <a:extLst>
-                  <a:ext uri="{28A0092B-C50C-407E-A947-70E740481C1C}">
-                    <a14:useLocalDpi xmlns:a14="http://schemas.microsoft.com/office/drawing/2010/main" val="0"/>
-                  </a:ext>
-                  <a:ext uri="{96DAC541-7B7A-43D3-8B79-37D633B846F1}">
-                    <asvg:svgBlip xmlns:asvg="http://schemas.microsoft.com/office/drawing/2016/SVG/main" r:embed="rId8"/>
-                  </a:ext>
-                </a:extLst>
-              </a:blip>
-              <a:stretch>
-                <a:fillRect/>
-              </a:stretch>
-            </p:blipFill>
-            <p:spPr>
-              <a:xfrm>
-                <a:off x="1066800" y="8953500"/>
-                <a:ext cx="1524000" cy="1524000"/>
-              </a:xfrm>
-              <a:prstGeom prst="rect">
-                <a:avLst/>
-              </a:prstGeom>
-            </p:spPr>
-          </p:pic>
-          <p:pic>
-            <p:nvPicPr>
-              <p:cNvPr id="51" name="Graphic 50" descr="Wave with solid fill">
-                <a:extLst>
-                  <a:ext uri="{FF2B5EF4-FFF2-40B4-BE49-F238E27FC236}">
-                    <a16:creationId xmlns:a16="http://schemas.microsoft.com/office/drawing/2014/main" id="{2527B4FD-87AE-64D7-80AE-ADB62AB82F7F}"/>
-                  </a:ext>
-                </a:extLst>
-              </p:cNvPr>
-              <p:cNvPicPr>
-                <a:picLocks noChangeAspect="1"/>
-              </p:cNvPicPr>
-              <p:nvPr/>
-            </p:nvPicPr>
-            <p:blipFill>
-              <a:blip r:embed="rId7">
-                <a:extLst>
-                  <a:ext uri="{28A0092B-C50C-407E-A947-70E740481C1C}">
-                    <a14:useLocalDpi xmlns:a14="http://schemas.microsoft.com/office/drawing/2010/main" val="0"/>
-                  </a:ext>
-                  <a:ext uri="{96DAC541-7B7A-43D3-8B79-37D633B846F1}">
-                    <asvg:svgBlip xmlns:asvg="http://schemas.microsoft.com/office/drawing/2016/SVG/main" r:embed="rId8"/>
-                  </a:ext>
-                </a:extLst>
-              </a:blip>
-              <a:stretch>
-                <a:fillRect/>
-              </a:stretch>
-            </p:blipFill>
-            <p:spPr>
-              <a:xfrm>
-                <a:off x="2286000" y="8953500"/>
-                <a:ext cx="1524000" cy="1524000"/>
-              </a:xfrm>
-              <a:prstGeom prst="rect">
-                <a:avLst/>
-              </a:prstGeom>
-            </p:spPr>
-          </p:pic>
-        </p:grpSp>
-        <p:grpSp>
-          <p:nvGrpSpPr>
-            <p:cNvPr id="32" name="Group 31">
-              <a:extLst>
-                <a:ext uri="{FF2B5EF4-FFF2-40B4-BE49-F238E27FC236}">
-                  <a16:creationId xmlns:a16="http://schemas.microsoft.com/office/drawing/2014/main" id="{610F47D3-9A84-91A8-AE54-211802745771}"/>
-                </a:ext>
-              </a:extLst>
-            </p:cNvPr>
-            <p:cNvGrpSpPr/>
-            <p:nvPr/>
-          </p:nvGrpSpPr>
-          <p:grpSpPr>
-            <a:xfrm>
-              <a:off x="3505200" y="8953500"/>
-              <a:ext cx="3962400" cy="1524000"/>
-              <a:chOff x="-152400" y="8953500"/>
-              <a:chExt cx="3962400" cy="1524000"/>
-            </a:xfrm>
-          </p:grpSpPr>
-          <p:pic>
-            <p:nvPicPr>
-              <p:cNvPr id="46" name="Graphic 45" descr="Wave with solid fill">
-                <a:extLst>
-                  <a:ext uri="{FF2B5EF4-FFF2-40B4-BE49-F238E27FC236}">
-                    <a16:creationId xmlns:a16="http://schemas.microsoft.com/office/drawing/2014/main" id="{2E9AF98E-CEFB-6291-AD44-822C17F3A1D8}"/>
-                  </a:ext>
-                </a:extLst>
-              </p:cNvPr>
-              <p:cNvPicPr>
-                <a:picLocks noChangeAspect="1"/>
-              </p:cNvPicPr>
-              <p:nvPr/>
-            </p:nvPicPr>
-            <p:blipFill>
-              <a:blip r:embed="rId7">
-                <a:extLst>
-                  <a:ext uri="{28A0092B-C50C-407E-A947-70E740481C1C}">
-                    <a14:useLocalDpi xmlns:a14="http://schemas.microsoft.com/office/drawing/2010/main" val="0"/>
-                  </a:ext>
-                  <a:ext uri="{96DAC541-7B7A-43D3-8B79-37D633B846F1}">
-                    <asvg:svgBlip xmlns:asvg="http://schemas.microsoft.com/office/drawing/2016/SVG/main" r:embed="rId8"/>
-                  </a:ext>
-                </a:extLst>
-              </a:blip>
-              <a:stretch>
-                <a:fillRect/>
-              </a:stretch>
-            </p:blipFill>
-            <p:spPr>
-              <a:xfrm>
-                <a:off x="-152400" y="8953500"/>
-                <a:ext cx="1524000" cy="1524000"/>
-              </a:xfrm>
-              <a:prstGeom prst="rect">
-                <a:avLst/>
-              </a:prstGeom>
-            </p:spPr>
-          </p:pic>
-          <p:pic>
-            <p:nvPicPr>
-              <p:cNvPr id="47" name="Graphic 46" descr="Wave with solid fill">
-                <a:extLst>
-                  <a:ext uri="{FF2B5EF4-FFF2-40B4-BE49-F238E27FC236}">
-                    <a16:creationId xmlns:a16="http://schemas.microsoft.com/office/drawing/2014/main" id="{E9F0F1E3-95EA-AEF8-62A7-CA33ACE7DEB2}"/>
-                  </a:ext>
-                </a:extLst>
-              </p:cNvPr>
-              <p:cNvPicPr>
-                <a:picLocks noChangeAspect="1"/>
-              </p:cNvPicPr>
-              <p:nvPr/>
-            </p:nvPicPr>
-            <p:blipFill>
-              <a:blip r:embed="rId7">
-                <a:extLst>
-                  <a:ext uri="{28A0092B-C50C-407E-A947-70E740481C1C}">
-                    <a14:useLocalDpi xmlns:a14="http://schemas.microsoft.com/office/drawing/2010/main" val="0"/>
-                  </a:ext>
-                  <a:ext uri="{96DAC541-7B7A-43D3-8B79-37D633B846F1}">
-                    <asvg:svgBlip xmlns:asvg="http://schemas.microsoft.com/office/drawing/2016/SVG/main" r:embed="rId8"/>
-                  </a:ext>
-                </a:extLst>
-              </a:blip>
-              <a:stretch>
-                <a:fillRect/>
-              </a:stretch>
-            </p:blipFill>
-            <p:spPr>
-              <a:xfrm>
-                <a:off x="1066800" y="8953500"/>
-                <a:ext cx="1524000" cy="1524000"/>
-              </a:xfrm>
-              <a:prstGeom prst="rect">
-                <a:avLst/>
-              </a:prstGeom>
-            </p:spPr>
-          </p:pic>
-          <p:pic>
-            <p:nvPicPr>
-              <p:cNvPr id="48" name="Graphic 47" descr="Wave with solid fill">
-                <a:extLst>
-                  <a:ext uri="{FF2B5EF4-FFF2-40B4-BE49-F238E27FC236}">
-                    <a16:creationId xmlns:a16="http://schemas.microsoft.com/office/drawing/2014/main" id="{26B723B9-01E6-284D-D29A-B9B54DB8291C}"/>
-                  </a:ext>
-                </a:extLst>
-              </p:cNvPr>
-              <p:cNvPicPr>
-                <a:picLocks noChangeAspect="1"/>
-              </p:cNvPicPr>
-              <p:nvPr/>
-            </p:nvPicPr>
-            <p:blipFill>
-              <a:blip r:embed="rId7">
-                <a:extLst>
-                  <a:ext uri="{28A0092B-C50C-407E-A947-70E740481C1C}">
-                    <a14:useLocalDpi xmlns:a14="http://schemas.microsoft.com/office/drawing/2010/main" val="0"/>
-                  </a:ext>
-                  <a:ext uri="{96DAC541-7B7A-43D3-8B79-37D633B846F1}">
-                    <asvg:svgBlip xmlns:asvg="http://schemas.microsoft.com/office/drawing/2016/SVG/main" r:embed="rId8"/>
-                  </a:ext>
-                </a:extLst>
-              </a:blip>
-              <a:stretch>
-                <a:fillRect/>
-              </a:stretch>
-            </p:blipFill>
-            <p:spPr>
-              <a:xfrm>
-                <a:off x="2286000" y="8953500"/>
-                <a:ext cx="1524000" cy="1524000"/>
-              </a:xfrm>
-              <a:prstGeom prst="rect">
-                <a:avLst/>
-              </a:prstGeom>
-            </p:spPr>
-          </p:pic>
-        </p:grpSp>
-        <p:grpSp>
-          <p:nvGrpSpPr>
-            <p:cNvPr id="33" name="Group 32">
-              <a:extLst>
-                <a:ext uri="{FF2B5EF4-FFF2-40B4-BE49-F238E27FC236}">
-                  <a16:creationId xmlns:a16="http://schemas.microsoft.com/office/drawing/2014/main" id="{7343E2A9-3867-2E22-FC54-D0B2710133ED}"/>
-                </a:ext>
-              </a:extLst>
-            </p:cNvPr>
-            <p:cNvGrpSpPr/>
-            <p:nvPr/>
-          </p:nvGrpSpPr>
-          <p:grpSpPr>
-            <a:xfrm>
-              <a:off x="7162800" y="8953500"/>
-              <a:ext cx="3962400" cy="1524000"/>
-              <a:chOff x="-152400" y="8953500"/>
-              <a:chExt cx="3962400" cy="1524000"/>
-            </a:xfrm>
-          </p:grpSpPr>
-          <p:pic>
-            <p:nvPicPr>
-              <p:cNvPr id="43" name="Graphic 42" descr="Wave with solid fill">
-                <a:extLst>
-                  <a:ext uri="{FF2B5EF4-FFF2-40B4-BE49-F238E27FC236}">
-                    <a16:creationId xmlns:a16="http://schemas.microsoft.com/office/drawing/2014/main" id="{FA0A45FD-893C-9C2B-3F8D-7C5D207A54C1}"/>
-                  </a:ext>
-                </a:extLst>
-              </p:cNvPr>
-              <p:cNvPicPr>
-                <a:picLocks noChangeAspect="1"/>
-              </p:cNvPicPr>
-              <p:nvPr/>
-            </p:nvPicPr>
-            <p:blipFill>
-              <a:blip r:embed="rId7">
-                <a:extLst>
-                  <a:ext uri="{28A0092B-C50C-407E-A947-70E740481C1C}">
-                    <a14:useLocalDpi xmlns:a14="http://schemas.microsoft.com/office/drawing/2010/main" val="0"/>
-                  </a:ext>
-                  <a:ext uri="{96DAC541-7B7A-43D3-8B79-37D633B846F1}">
-                    <asvg:svgBlip xmlns:asvg="http://schemas.microsoft.com/office/drawing/2016/SVG/main" r:embed="rId8"/>
-                  </a:ext>
-                </a:extLst>
-              </a:blip>
-              <a:stretch>
-                <a:fillRect/>
-              </a:stretch>
-            </p:blipFill>
-            <p:spPr>
-              <a:xfrm>
-                <a:off x="-152400" y="8953500"/>
-                <a:ext cx="1524000" cy="1524000"/>
-              </a:xfrm>
-              <a:prstGeom prst="rect">
-                <a:avLst/>
-              </a:prstGeom>
-            </p:spPr>
-          </p:pic>
-          <p:pic>
-            <p:nvPicPr>
-              <p:cNvPr id="44" name="Graphic 43" descr="Wave with solid fill">
-                <a:extLst>
-                  <a:ext uri="{FF2B5EF4-FFF2-40B4-BE49-F238E27FC236}">
-                    <a16:creationId xmlns:a16="http://schemas.microsoft.com/office/drawing/2014/main" id="{7C50268B-9566-737B-93A3-154C7F02C98D}"/>
-                  </a:ext>
-                </a:extLst>
-              </p:cNvPr>
-              <p:cNvPicPr>
-                <a:picLocks noChangeAspect="1"/>
-              </p:cNvPicPr>
-              <p:nvPr/>
-            </p:nvPicPr>
-            <p:blipFill>
-              <a:blip r:embed="rId7">
-                <a:extLst>
-                  <a:ext uri="{28A0092B-C50C-407E-A947-70E740481C1C}">
-                    <a14:useLocalDpi xmlns:a14="http://schemas.microsoft.com/office/drawing/2010/main" val="0"/>
-                  </a:ext>
-                  <a:ext uri="{96DAC541-7B7A-43D3-8B79-37D633B846F1}">
-                    <asvg:svgBlip xmlns:asvg="http://schemas.microsoft.com/office/drawing/2016/SVG/main" r:embed="rId8"/>
-                  </a:ext>
-                </a:extLst>
-              </a:blip>
-              <a:stretch>
-                <a:fillRect/>
-              </a:stretch>
-            </p:blipFill>
-            <p:spPr>
-              <a:xfrm>
-                <a:off x="1066800" y="8953500"/>
-                <a:ext cx="1524000" cy="1524000"/>
-              </a:xfrm>
-              <a:prstGeom prst="rect">
-                <a:avLst/>
-              </a:prstGeom>
-            </p:spPr>
-          </p:pic>
-          <p:pic>
-            <p:nvPicPr>
-              <p:cNvPr id="45" name="Graphic 44" descr="Wave with solid fill">
-                <a:extLst>
-                  <a:ext uri="{FF2B5EF4-FFF2-40B4-BE49-F238E27FC236}">
-                    <a16:creationId xmlns:a16="http://schemas.microsoft.com/office/drawing/2014/main" id="{2EFD9F6F-50AF-869F-035F-ACB25B99E04D}"/>
-                  </a:ext>
-                </a:extLst>
-              </p:cNvPr>
-              <p:cNvPicPr>
-                <a:picLocks noChangeAspect="1"/>
-              </p:cNvPicPr>
-              <p:nvPr/>
-            </p:nvPicPr>
-            <p:blipFill>
-              <a:blip r:embed="rId7">
-                <a:extLst>
-                  <a:ext uri="{28A0092B-C50C-407E-A947-70E740481C1C}">
-                    <a14:useLocalDpi xmlns:a14="http://schemas.microsoft.com/office/drawing/2010/main" val="0"/>
-                  </a:ext>
-                  <a:ext uri="{96DAC541-7B7A-43D3-8B79-37D633B846F1}">
-                    <asvg:svgBlip xmlns:asvg="http://schemas.microsoft.com/office/drawing/2016/SVG/main" r:embed="rId8"/>
-                  </a:ext>
-                </a:extLst>
-              </a:blip>
-              <a:stretch>
-                <a:fillRect/>
-              </a:stretch>
-            </p:blipFill>
-            <p:spPr>
-              <a:xfrm>
-                <a:off x="2286000" y="8953500"/>
-                <a:ext cx="1524000" cy="1524000"/>
-              </a:xfrm>
-              <a:prstGeom prst="rect">
-                <a:avLst/>
-              </a:prstGeom>
-            </p:spPr>
-          </p:pic>
-        </p:grpSp>
-        <p:grpSp>
-          <p:nvGrpSpPr>
-            <p:cNvPr id="34" name="Group 33">
-              <a:extLst>
-                <a:ext uri="{FF2B5EF4-FFF2-40B4-BE49-F238E27FC236}">
-                  <a16:creationId xmlns:a16="http://schemas.microsoft.com/office/drawing/2014/main" id="{ED82AC2E-2C8B-2ECC-82A4-8810DE33225C}"/>
-                </a:ext>
-              </a:extLst>
-            </p:cNvPr>
-            <p:cNvGrpSpPr/>
-            <p:nvPr/>
-          </p:nvGrpSpPr>
-          <p:grpSpPr>
-            <a:xfrm>
-              <a:off x="10820400" y="8953500"/>
-              <a:ext cx="3962400" cy="1524000"/>
-              <a:chOff x="-152400" y="8953500"/>
-              <a:chExt cx="3962400" cy="1524000"/>
-            </a:xfrm>
-          </p:grpSpPr>
-          <p:pic>
-            <p:nvPicPr>
-              <p:cNvPr id="39" name="Graphic 38" descr="Wave with solid fill">
-                <a:extLst>
-                  <a:ext uri="{FF2B5EF4-FFF2-40B4-BE49-F238E27FC236}">
-                    <a16:creationId xmlns:a16="http://schemas.microsoft.com/office/drawing/2014/main" id="{DC0A4F51-13BF-7AF5-142F-A4F1933FA0F3}"/>
-                  </a:ext>
-                </a:extLst>
-              </p:cNvPr>
-              <p:cNvPicPr>
-                <a:picLocks noChangeAspect="1"/>
-              </p:cNvPicPr>
-              <p:nvPr/>
-            </p:nvPicPr>
-            <p:blipFill>
-              <a:blip r:embed="rId7">
-                <a:extLst>
-                  <a:ext uri="{28A0092B-C50C-407E-A947-70E740481C1C}">
-                    <a14:useLocalDpi xmlns:a14="http://schemas.microsoft.com/office/drawing/2010/main" val="0"/>
-                  </a:ext>
-                  <a:ext uri="{96DAC541-7B7A-43D3-8B79-37D633B846F1}">
-                    <asvg:svgBlip xmlns:asvg="http://schemas.microsoft.com/office/drawing/2016/SVG/main" r:embed="rId8"/>
-                  </a:ext>
-                </a:extLst>
-              </a:blip>
-              <a:stretch>
-                <a:fillRect/>
-              </a:stretch>
-            </p:blipFill>
-            <p:spPr>
-              <a:xfrm>
-                <a:off x="-152400" y="8953500"/>
-                <a:ext cx="1524000" cy="1524000"/>
-              </a:xfrm>
-              <a:prstGeom prst="rect">
-                <a:avLst/>
-              </a:prstGeom>
-            </p:spPr>
-          </p:pic>
-          <p:pic>
-            <p:nvPicPr>
-              <p:cNvPr id="40" name="Graphic 39" descr="Wave with solid fill">
-                <a:extLst>
-                  <a:ext uri="{FF2B5EF4-FFF2-40B4-BE49-F238E27FC236}">
-                    <a16:creationId xmlns:a16="http://schemas.microsoft.com/office/drawing/2014/main" id="{AC2DC900-A6A7-EF9C-9188-CAF6ED8881AF}"/>
-                  </a:ext>
-                </a:extLst>
-              </p:cNvPr>
-              <p:cNvPicPr>
-                <a:picLocks noChangeAspect="1"/>
-              </p:cNvPicPr>
-              <p:nvPr/>
-            </p:nvPicPr>
-            <p:blipFill>
-              <a:blip r:embed="rId7">
-                <a:extLst>
-                  <a:ext uri="{28A0092B-C50C-407E-A947-70E740481C1C}">
-                    <a14:useLocalDpi xmlns:a14="http://schemas.microsoft.com/office/drawing/2010/main" val="0"/>
-                  </a:ext>
-                  <a:ext uri="{96DAC541-7B7A-43D3-8B79-37D633B846F1}">
-                    <asvg:svgBlip xmlns:asvg="http://schemas.microsoft.com/office/drawing/2016/SVG/main" r:embed="rId8"/>
-                  </a:ext>
-                </a:extLst>
-              </a:blip>
-              <a:stretch>
-                <a:fillRect/>
-              </a:stretch>
-            </p:blipFill>
-            <p:spPr>
-              <a:xfrm>
-                <a:off x="1066800" y="8953500"/>
-                <a:ext cx="1524000" cy="1524000"/>
-              </a:xfrm>
-              <a:prstGeom prst="rect">
-                <a:avLst/>
-              </a:prstGeom>
-            </p:spPr>
-          </p:pic>
-          <p:pic>
-            <p:nvPicPr>
-              <p:cNvPr id="42" name="Graphic 41" descr="Wave with solid fill">
-                <a:extLst>
-                  <a:ext uri="{FF2B5EF4-FFF2-40B4-BE49-F238E27FC236}">
-                    <a16:creationId xmlns:a16="http://schemas.microsoft.com/office/drawing/2014/main" id="{BB05BA10-D324-07FF-1FF7-55371CB23D21}"/>
-                  </a:ext>
-                </a:extLst>
-              </p:cNvPr>
-              <p:cNvPicPr>
-                <a:picLocks noChangeAspect="1"/>
-              </p:cNvPicPr>
-              <p:nvPr/>
-            </p:nvPicPr>
-            <p:blipFill>
-              <a:blip r:embed="rId7">
-                <a:extLst>
-                  <a:ext uri="{28A0092B-C50C-407E-A947-70E740481C1C}">
-                    <a14:useLocalDpi xmlns:a14="http://schemas.microsoft.com/office/drawing/2010/main" val="0"/>
-                  </a:ext>
-                  <a:ext uri="{96DAC541-7B7A-43D3-8B79-37D633B846F1}">
-                    <asvg:svgBlip xmlns:asvg="http://schemas.microsoft.com/office/drawing/2016/SVG/main" r:embed="rId8"/>
-                  </a:ext>
-                </a:extLst>
-              </a:blip>
-              <a:stretch>
-                <a:fillRect/>
-              </a:stretch>
-            </p:blipFill>
-            <p:spPr>
-              <a:xfrm>
-                <a:off x="2286000" y="8953500"/>
-                <a:ext cx="1524000" cy="1524000"/>
-              </a:xfrm>
-              <a:prstGeom prst="rect">
-                <a:avLst/>
-              </a:prstGeom>
-            </p:spPr>
-          </p:pic>
-        </p:grpSp>
-        <p:grpSp>
-          <p:nvGrpSpPr>
-            <p:cNvPr id="35" name="Group 34">
-              <a:extLst>
-                <a:ext uri="{FF2B5EF4-FFF2-40B4-BE49-F238E27FC236}">
-                  <a16:creationId xmlns:a16="http://schemas.microsoft.com/office/drawing/2014/main" id="{B2A3F2F7-D4E6-C7D2-558F-C2F7F2F2279E}"/>
-                </a:ext>
-              </a:extLst>
-            </p:cNvPr>
-            <p:cNvGrpSpPr/>
-            <p:nvPr/>
-          </p:nvGrpSpPr>
-          <p:grpSpPr>
-            <a:xfrm>
-              <a:off x="14478000" y="8953500"/>
-              <a:ext cx="3962400" cy="1524000"/>
-              <a:chOff x="-152400" y="8953500"/>
-              <a:chExt cx="3962400" cy="1524000"/>
-            </a:xfrm>
-          </p:grpSpPr>
-          <p:pic>
-            <p:nvPicPr>
-              <p:cNvPr id="36" name="Graphic 35" descr="Wave with solid fill">
-                <a:extLst>
-                  <a:ext uri="{FF2B5EF4-FFF2-40B4-BE49-F238E27FC236}">
-                    <a16:creationId xmlns:a16="http://schemas.microsoft.com/office/drawing/2014/main" id="{F6A1C610-5CAC-636E-2994-4BC80B6E25DA}"/>
-                  </a:ext>
-                </a:extLst>
-              </p:cNvPr>
-              <p:cNvPicPr>
-                <a:picLocks noChangeAspect="1"/>
-              </p:cNvPicPr>
-              <p:nvPr/>
-            </p:nvPicPr>
-            <p:blipFill>
-              <a:blip r:embed="rId7">
-                <a:extLst>
-                  <a:ext uri="{28A0092B-C50C-407E-A947-70E740481C1C}">
-                    <a14:useLocalDpi xmlns:a14="http://schemas.microsoft.com/office/drawing/2010/main" val="0"/>
-                  </a:ext>
-                  <a:ext uri="{96DAC541-7B7A-43D3-8B79-37D633B846F1}">
-                    <asvg:svgBlip xmlns:asvg="http://schemas.microsoft.com/office/drawing/2016/SVG/main" r:embed="rId8"/>
-                  </a:ext>
-                </a:extLst>
-              </a:blip>
-              <a:stretch>
-                <a:fillRect/>
-              </a:stretch>
-            </p:blipFill>
-            <p:spPr>
-              <a:xfrm>
-                <a:off x="-152400" y="8953500"/>
-                <a:ext cx="1524000" cy="1524000"/>
-              </a:xfrm>
-              <a:prstGeom prst="rect">
-                <a:avLst/>
-              </a:prstGeom>
-            </p:spPr>
-          </p:pic>
-          <p:pic>
-            <p:nvPicPr>
-              <p:cNvPr id="37" name="Graphic 36" descr="Wave with solid fill">
-                <a:extLst>
-                  <a:ext uri="{FF2B5EF4-FFF2-40B4-BE49-F238E27FC236}">
-                    <a16:creationId xmlns:a16="http://schemas.microsoft.com/office/drawing/2014/main" id="{CCDA47A1-9550-80FD-CD1C-F3EC5302200B}"/>
-                  </a:ext>
-                </a:extLst>
-              </p:cNvPr>
-              <p:cNvPicPr>
-                <a:picLocks noChangeAspect="1"/>
-              </p:cNvPicPr>
-              <p:nvPr/>
-            </p:nvPicPr>
-            <p:blipFill>
-              <a:blip r:embed="rId7">
-                <a:extLst>
-                  <a:ext uri="{28A0092B-C50C-407E-A947-70E740481C1C}">
-                    <a14:useLocalDpi xmlns:a14="http://schemas.microsoft.com/office/drawing/2010/main" val="0"/>
-                  </a:ext>
-                  <a:ext uri="{96DAC541-7B7A-43D3-8B79-37D633B846F1}">
-                    <asvg:svgBlip xmlns:asvg="http://schemas.microsoft.com/office/drawing/2016/SVG/main" r:embed="rId8"/>
-                  </a:ext>
-                </a:extLst>
-              </a:blip>
-              <a:stretch>
-                <a:fillRect/>
-              </a:stretch>
-            </p:blipFill>
-            <p:spPr>
-              <a:xfrm>
-                <a:off x="1066800" y="8953500"/>
-                <a:ext cx="1524000" cy="1524000"/>
-              </a:xfrm>
-              <a:prstGeom prst="rect">
-                <a:avLst/>
-              </a:prstGeom>
-            </p:spPr>
-          </p:pic>
-          <p:pic>
-            <p:nvPicPr>
-              <p:cNvPr id="38" name="Graphic 37" descr="Wave with solid fill">
-                <a:extLst>
-                  <a:ext uri="{FF2B5EF4-FFF2-40B4-BE49-F238E27FC236}">
-                    <a16:creationId xmlns:a16="http://schemas.microsoft.com/office/drawing/2014/main" id="{9D75A349-AFA6-1F9F-020B-8033E0C6DF53}"/>
-                  </a:ext>
-                </a:extLst>
-              </p:cNvPr>
-              <p:cNvPicPr>
-                <a:picLocks noChangeAspect="1"/>
-              </p:cNvPicPr>
-              <p:nvPr/>
-            </p:nvPicPr>
-            <p:blipFill>
-              <a:blip r:embed="rId7">
-                <a:extLst>
-                  <a:ext uri="{28A0092B-C50C-407E-A947-70E740481C1C}">
-                    <a14:useLocalDpi xmlns:a14="http://schemas.microsoft.com/office/drawing/2010/main" val="0"/>
-                  </a:ext>
-                  <a:ext uri="{96DAC541-7B7A-43D3-8B79-37D633B846F1}">
-                    <asvg:svgBlip xmlns:asvg="http://schemas.microsoft.com/office/drawing/2016/SVG/main" r:embed="rId8"/>
-                  </a:ext>
-                </a:extLst>
-              </a:blip>
-              <a:stretch>
-                <a:fillRect/>
-              </a:stretch>
-            </p:blipFill>
-            <p:spPr>
-              <a:xfrm>
-                <a:off x="2286000" y="8953500"/>
-                <a:ext cx="1524000" cy="1524000"/>
-              </a:xfrm>
-              <a:prstGeom prst="rect">
-                <a:avLst/>
-              </a:prstGeom>
-            </p:spPr>
-          </p:pic>
-        </p:grpSp>
-      </p:grpSp>
-    </p:spTree>
-    <p:extLst>
-      <p:ext uri="{BB962C8B-B14F-4D97-AF65-F5344CB8AC3E}">
-        <p14:creationId xmlns:p14="http://schemas.microsoft.com/office/powerpoint/2010/main" val="2666509463"/>
       </p:ext>
     </p:extLst>
   </p:cSld>
@@ -46193,6 +46511,1002 @@
         </p:txBody>
       </p:sp>
     </p:spTree>
+  </p:cSld>
+  <p:clrMapOvr>
+    <a:masterClrMapping/>
+  </p:clrMapOvr>
+</p:sld>
+</file>
+
+<file path=ppt/slides/slide40.xml><?xml version="1.0" encoding="utf-8"?>
+<p:sld xmlns:a="http://schemas.openxmlformats.org/drawingml/2006/main" xmlns:r="http://schemas.openxmlformats.org/officeDocument/2006/relationships" xmlns:p="http://schemas.openxmlformats.org/presentationml/2006/main">
+  <p:cSld>
+    <p:spTree>
+      <p:nvGrpSpPr>
+        <p:cNvPr id="1" name=""/>
+        <p:cNvGrpSpPr/>
+        <p:nvPr/>
+      </p:nvGrpSpPr>
+      <p:grpSpPr>
+        <a:xfrm>
+          <a:off x="0" y="0"/>
+          <a:ext cx="0" cy="0"/>
+          <a:chOff x="0" y="0"/>
+          <a:chExt cx="0" cy="0"/>
+        </a:xfrm>
+      </p:grpSpPr>
+      <mc:AlternateContent xmlns:mc="http://schemas.openxmlformats.org/markup-compatibility/2006" xmlns:we="http://schemas.microsoft.com/office/webextensions/webextension/2010/11" xmlns:pca="http://schemas.microsoft.com/office/powerpoint/2013/contentapp">
+        <mc:Choice Requires="we pca">
+          <p:graphicFrame>
+            <p:nvGraphicFramePr>
+              <p:cNvPr id="5" name="Add-in 4" title="Breaktime">
+                <a:extLst>
+                  <a:ext uri="{FF2B5EF4-FFF2-40B4-BE49-F238E27FC236}">
+                    <a16:creationId xmlns:a16="http://schemas.microsoft.com/office/drawing/2014/main" id="{836BC707-9937-78B5-605B-EB757213B90D}"/>
+                  </a:ext>
+                </a:extLst>
+              </p:cNvPr>
+              <p:cNvGraphicFramePr>
+                <a:graphicFrameLocks noGrp="1"/>
+              </p:cNvGraphicFramePr>
+              <p:nvPr>
+                <p:extLst>
+                  <p:ext uri="{D42A27DB-BD31-4B8C-83A1-F6EECF244321}">
+                    <p14:modId xmlns:p14="http://schemas.microsoft.com/office/powerpoint/2010/main" val="2108620494"/>
+                  </p:ext>
+                </p:extLst>
+              </p:nvPr>
+            </p:nvGraphicFramePr>
+            <p:xfrm>
+              <a:off x="5986130" y="4229100"/>
+              <a:ext cx="9804400" cy="3810000"/>
+            </p:xfrm>
+            <a:graphic>
+              <a:graphicData uri="http://schemas.microsoft.com/office/webextensions/webextension/2010/11">
+                <we:webextensionref xmlns:we="http://schemas.microsoft.com/office/webextensions/webextension/2010/11" xmlns:r="http://schemas.openxmlformats.org/officeDocument/2006/relationships" r:id="rId3"/>
+              </a:graphicData>
+            </a:graphic>
+          </p:graphicFrame>
+        </mc:Choice>
+        <mc:Fallback xmlns="">
+          <p:pic>
+            <p:nvPicPr>
+              <p:cNvPr id="5" name="Add-in 4" title="Breaktime">
+                <a:extLst>
+                  <a:ext uri="{FF2B5EF4-FFF2-40B4-BE49-F238E27FC236}">
+                    <a16:creationId xmlns:a16="http://schemas.microsoft.com/office/drawing/2014/main" id="{836BC707-9937-78B5-605B-EB757213B90D}"/>
+                  </a:ext>
+                </a:extLst>
+              </p:cNvPr>
+              <p:cNvPicPr>
+                <a:picLocks noGrp="1" noRot="1" noChangeAspect="1" noMove="1" noResize="1" noEditPoints="1" noAdjustHandles="1" noChangeArrowheads="1" noChangeShapeType="1"/>
+              </p:cNvPicPr>
+              <p:nvPr/>
+            </p:nvPicPr>
+            <p:blipFill>
+              <a:blip r:embed="rId4"/>
+              <a:stretch>
+                <a:fillRect/>
+              </a:stretch>
+            </p:blipFill>
+            <p:spPr>
+              <a:xfrm>
+                <a:off x="5986130" y="4229100"/>
+                <a:ext cx="9804400" cy="3810000"/>
+              </a:xfrm>
+              <a:prstGeom prst="rect">
+                <a:avLst/>
+              </a:prstGeom>
+            </p:spPr>
+          </p:pic>
+        </mc:Fallback>
+      </mc:AlternateContent>
+      <p:sp>
+        <p:nvSpPr>
+          <p:cNvPr id="4" name="Rounded Rectangle 3">
+            <a:extLst>
+              <a:ext uri="{FF2B5EF4-FFF2-40B4-BE49-F238E27FC236}">
+                <a16:creationId xmlns:a16="http://schemas.microsoft.com/office/drawing/2014/main" id="{0E14F0BF-4413-979A-6A77-37E012F4FF9A}"/>
+              </a:ext>
+            </a:extLst>
+          </p:cNvPr>
+          <p:cNvSpPr/>
+          <p:nvPr/>
+        </p:nvSpPr>
+        <p:spPr>
+          <a:xfrm>
+            <a:off x="4876800" y="986020"/>
+            <a:ext cx="8686800" cy="2476122"/>
+          </a:xfrm>
+          <a:prstGeom prst="roundRect">
+            <a:avLst/>
+          </a:prstGeom>
+          <a:solidFill>
+            <a:srgbClr val="FCD5B5"/>
+          </a:solidFill>
+          <a:ln>
+            <a:noFill/>
+          </a:ln>
+        </p:spPr>
+        <p:style>
+          <a:lnRef idx="2">
+            <a:schemeClr val="accent1">
+              <a:shade val="50000"/>
+            </a:schemeClr>
+          </a:lnRef>
+          <a:fillRef idx="1">
+            <a:schemeClr val="accent1"/>
+          </a:fillRef>
+          <a:effectRef idx="0">
+            <a:schemeClr val="accent1"/>
+          </a:effectRef>
+          <a:fontRef idx="minor">
+            <a:schemeClr val="lt1"/>
+          </a:fontRef>
+        </p:style>
+        <p:txBody>
+          <a:bodyPr rtlCol="0" anchor="ctr"/>
+          <a:lstStyle/>
+          <a:p>
+            <a:pPr algn="ctr"/>
+            <a:endParaRPr lang="en-DK" dirty="0"/>
+          </a:p>
+        </p:txBody>
+      </p:sp>
+      <p:sp>
+        <p:nvSpPr>
+          <p:cNvPr id="27" name="TextBox 26">
+            <a:extLst>
+              <a:ext uri="{FF2B5EF4-FFF2-40B4-BE49-F238E27FC236}">
+                <a16:creationId xmlns:a16="http://schemas.microsoft.com/office/drawing/2014/main" id="{2F36445D-6A47-0C90-1CB8-8A4D9208EE83}"/>
+              </a:ext>
+            </a:extLst>
+          </p:cNvPr>
+          <p:cNvSpPr txBox="1"/>
+          <p:nvPr/>
+        </p:nvSpPr>
+        <p:spPr>
+          <a:xfrm>
+            <a:off x="5346699" y="1275148"/>
+            <a:ext cx="7747001" cy="1940596"/>
+          </a:xfrm>
+          <a:prstGeom prst="rect">
+            <a:avLst/>
+          </a:prstGeom>
+        </p:spPr>
+        <p:txBody>
+          <a:bodyPr wrap="square" lIns="0" tIns="0" rIns="0" bIns="0" rtlCol="0" anchor="t">
+            <a:spAutoFit/>
+          </a:bodyPr>
+          <a:lstStyle/>
+          <a:p>
+            <a:pPr algn="ctr">
+              <a:lnSpc>
+                <a:spcPts val="7807"/>
+              </a:lnSpc>
+              <a:spcBef>
+                <a:spcPct val="0"/>
+              </a:spcBef>
+            </a:pPr>
+            <a:r>
+              <a:rPr lang="en-US" sz="6000" b="1" dirty="0">
+                <a:solidFill>
+                  <a:srgbClr val="404040"/>
+                </a:solidFill>
+                <a:latin typeface="Montserrat" pitchFamily="2" charset="77"/>
+              </a:rPr>
+              <a:t>LUNCH BREAK </a:t>
+            </a:r>
+          </a:p>
+          <a:p>
+            <a:pPr algn="ctr">
+              <a:lnSpc>
+                <a:spcPts val="7807"/>
+              </a:lnSpc>
+              <a:spcBef>
+                <a:spcPct val="0"/>
+              </a:spcBef>
+            </a:pPr>
+            <a:r>
+              <a:rPr lang="en-US" sz="6000" b="1" dirty="0">
+                <a:solidFill>
+                  <a:srgbClr val="404040"/>
+                </a:solidFill>
+                <a:latin typeface="Montserrat" pitchFamily="2" charset="77"/>
+              </a:rPr>
+              <a:t>IN OUR JOURNEY</a:t>
+            </a:r>
+          </a:p>
+        </p:txBody>
+      </p:sp>
+      <p:sp>
+        <p:nvSpPr>
+          <p:cNvPr id="28" name="TextBox 27">
+            <a:extLst>
+              <a:ext uri="{FF2B5EF4-FFF2-40B4-BE49-F238E27FC236}">
+                <a16:creationId xmlns:a16="http://schemas.microsoft.com/office/drawing/2014/main" id="{40AC6CFC-CB27-ED9E-5F3C-168A9D93B0E9}"/>
+              </a:ext>
+            </a:extLst>
+          </p:cNvPr>
+          <p:cNvSpPr txBox="1"/>
+          <p:nvPr/>
+        </p:nvSpPr>
+        <p:spPr>
+          <a:xfrm>
+            <a:off x="3180522" y="357809"/>
+            <a:ext cx="184731" cy="369332"/>
+          </a:xfrm>
+          <a:prstGeom prst="rect">
+            <a:avLst/>
+          </a:prstGeom>
+          <a:noFill/>
+        </p:spPr>
+        <p:txBody>
+          <a:bodyPr wrap="none" rtlCol="0">
+            <a:spAutoFit/>
+          </a:bodyPr>
+          <a:lstStyle/>
+          <a:p>
+            <a:endParaRPr lang="en-DK" dirty="0"/>
+          </a:p>
+        </p:txBody>
+      </p:sp>
+      <p:pic>
+        <p:nvPicPr>
+          <p:cNvPr id="29" name="Graphic 28" descr="Sailboat with solid fill">
+            <a:extLst>
+              <a:ext uri="{FF2B5EF4-FFF2-40B4-BE49-F238E27FC236}">
+                <a16:creationId xmlns:a16="http://schemas.microsoft.com/office/drawing/2014/main" id="{097C06D0-BF51-8BE4-9304-F04CDACE509E}"/>
+              </a:ext>
+            </a:extLst>
+          </p:cNvPr>
+          <p:cNvPicPr>
+            <a:picLocks noChangeAspect="1"/>
+          </p:cNvPicPr>
+          <p:nvPr/>
+        </p:nvPicPr>
+        <p:blipFill>
+          <a:blip r:embed="rId5">
+            <a:extLst>
+              <a:ext uri="{28A0092B-C50C-407E-A947-70E740481C1C}">
+                <a14:useLocalDpi xmlns:a14="http://schemas.microsoft.com/office/drawing/2010/main" val="0"/>
+              </a:ext>
+              <a:ext uri="{96DAC541-7B7A-43D3-8B79-37D633B846F1}">
+                <asvg:svgBlip xmlns:asvg="http://schemas.microsoft.com/office/drawing/2016/SVG/main" r:embed="rId6"/>
+              </a:ext>
+            </a:extLst>
+          </a:blip>
+          <a:stretch>
+            <a:fillRect/>
+          </a:stretch>
+        </p:blipFill>
+        <p:spPr>
+          <a:xfrm rot="21009353">
+            <a:off x="164460" y="6569635"/>
+            <a:ext cx="3624239" cy="3624239"/>
+          </a:xfrm>
+          <a:prstGeom prst="rect">
+            <a:avLst/>
+          </a:prstGeom>
+        </p:spPr>
+      </p:pic>
+      <p:grpSp>
+        <p:nvGrpSpPr>
+          <p:cNvPr id="30" name="Group 29">
+            <a:extLst>
+              <a:ext uri="{FF2B5EF4-FFF2-40B4-BE49-F238E27FC236}">
+                <a16:creationId xmlns:a16="http://schemas.microsoft.com/office/drawing/2014/main" id="{2E297D74-D6EE-F0AC-07EC-F6D3D9F315B9}"/>
+              </a:ext>
+            </a:extLst>
+          </p:cNvPr>
+          <p:cNvGrpSpPr/>
+          <p:nvPr/>
+        </p:nvGrpSpPr>
+        <p:grpSpPr>
+          <a:xfrm>
+            <a:off x="-152400" y="8953500"/>
+            <a:ext cx="18592800" cy="1524000"/>
+            <a:chOff x="-152400" y="8953500"/>
+            <a:chExt cx="18592800" cy="1524000"/>
+          </a:xfrm>
+        </p:grpSpPr>
+        <p:grpSp>
+          <p:nvGrpSpPr>
+            <p:cNvPr id="31" name="Group 30">
+              <a:extLst>
+                <a:ext uri="{FF2B5EF4-FFF2-40B4-BE49-F238E27FC236}">
+                  <a16:creationId xmlns:a16="http://schemas.microsoft.com/office/drawing/2014/main" id="{E7DC3945-34A5-A068-BA92-477A63353CEF}"/>
+                </a:ext>
+              </a:extLst>
+            </p:cNvPr>
+            <p:cNvGrpSpPr/>
+            <p:nvPr/>
+          </p:nvGrpSpPr>
+          <p:grpSpPr>
+            <a:xfrm>
+              <a:off x="-152400" y="8953500"/>
+              <a:ext cx="3962400" cy="1524000"/>
+              <a:chOff x="-152400" y="8953500"/>
+              <a:chExt cx="3962400" cy="1524000"/>
+            </a:xfrm>
+          </p:grpSpPr>
+          <p:pic>
+            <p:nvPicPr>
+              <p:cNvPr id="49" name="Graphic 48" descr="Wave with solid fill">
+                <a:extLst>
+                  <a:ext uri="{FF2B5EF4-FFF2-40B4-BE49-F238E27FC236}">
+                    <a16:creationId xmlns:a16="http://schemas.microsoft.com/office/drawing/2014/main" id="{09E633E2-61A3-0A68-B980-2EAEACBEF9E7}"/>
+                  </a:ext>
+                </a:extLst>
+              </p:cNvPr>
+              <p:cNvPicPr>
+                <a:picLocks noChangeAspect="1"/>
+              </p:cNvPicPr>
+              <p:nvPr/>
+            </p:nvPicPr>
+            <p:blipFill>
+              <a:blip r:embed="rId7">
+                <a:extLst>
+                  <a:ext uri="{28A0092B-C50C-407E-A947-70E740481C1C}">
+                    <a14:useLocalDpi xmlns:a14="http://schemas.microsoft.com/office/drawing/2010/main" val="0"/>
+                  </a:ext>
+                  <a:ext uri="{96DAC541-7B7A-43D3-8B79-37D633B846F1}">
+                    <asvg:svgBlip xmlns:asvg="http://schemas.microsoft.com/office/drawing/2016/SVG/main" r:embed="rId8"/>
+                  </a:ext>
+                </a:extLst>
+              </a:blip>
+              <a:stretch>
+                <a:fillRect/>
+              </a:stretch>
+            </p:blipFill>
+            <p:spPr>
+              <a:xfrm>
+                <a:off x="-152400" y="8953500"/>
+                <a:ext cx="1524000" cy="1524000"/>
+              </a:xfrm>
+              <a:prstGeom prst="rect">
+                <a:avLst/>
+              </a:prstGeom>
+            </p:spPr>
+          </p:pic>
+          <p:pic>
+            <p:nvPicPr>
+              <p:cNvPr id="50" name="Graphic 49" descr="Wave with solid fill">
+                <a:extLst>
+                  <a:ext uri="{FF2B5EF4-FFF2-40B4-BE49-F238E27FC236}">
+                    <a16:creationId xmlns:a16="http://schemas.microsoft.com/office/drawing/2014/main" id="{6990AE3C-C244-4C4C-676A-3651B49B5603}"/>
+                  </a:ext>
+                </a:extLst>
+              </p:cNvPr>
+              <p:cNvPicPr>
+                <a:picLocks noChangeAspect="1"/>
+              </p:cNvPicPr>
+              <p:nvPr/>
+            </p:nvPicPr>
+            <p:blipFill>
+              <a:blip r:embed="rId7">
+                <a:extLst>
+                  <a:ext uri="{28A0092B-C50C-407E-A947-70E740481C1C}">
+                    <a14:useLocalDpi xmlns:a14="http://schemas.microsoft.com/office/drawing/2010/main" val="0"/>
+                  </a:ext>
+                  <a:ext uri="{96DAC541-7B7A-43D3-8B79-37D633B846F1}">
+                    <asvg:svgBlip xmlns:asvg="http://schemas.microsoft.com/office/drawing/2016/SVG/main" r:embed="rId8"/>
+                  </a:ext>
+                </a:extLst>
+              </a:blip>
+              <a:stretch>
+                <a:fillRect/>
+              </a:stretch>
+            </p:blipFill>
+            <p:spPr>
+              <a:xfrm>
+                <a:off x="1066800" y="8953500"/>
+                <a:ext cx="1524000" cy="1524000"/>
+              </a:xfrm>
+              <a:prstGeom prst="rect">
+                <a:avLst/>
+              </a:prstGeom>
+            </p:spPr>
+          </p:pic>
+          <p:pic>
+            <p:nvPicPr>
+              <p:cNvPr id="51" name="Graphic 50" descr="Wave with solid fill">
+                <a:extLst>
+                  <a:ext uri="{FF2B5EF4-FFF2-40B4-BE49-F238E27FC236}">
+                    <a16:creationId xmlns:a16="http://schemas.microsoft.com/office/drawing/2014/main" id="{2527B4FD-87AE-64D7-80AE-ADB62AB82F7F}"/>
+                  </a:ext>
+                </a:extLst>
+              </p:cNvPr>
+              <p:cNvPicPr>
+                <a:picLocks noChangeAspect="1"/>
+              </p:cNvPicPr>
+              <p:nvPr/>
+            </p:nvPicPr>
+            <p:blipFill>
+              <a:blip r:embed="rId7">
+                <a:extLst>
+                  <a:ext uri="{28A0092B-C50C-407E-A947-70E740481C1C}">
+                    <a14:useLocalDpi xmlns:a14="http://schemas.microsoft.com/office/drawing/2010/main" val="0"/>
+                  </a:ext>
+                  <a:ext uri="{96DAC541-7B7A-43D3-8B79-37D633B846F1}">
+                    <asvg:svgBlip xmlns:asvg="http://schemas.microsoft.com/office/drawing/2016/SVG/main" r:embed="rId8"/>
+                  </a:ext>
+                </a:extLst>
+              </a:blip>
+              <a:stretch>
+                <a:fillRect/>
+              </a:stretch>
+            </p:blipFill>
+            <p:spPr>
+              <a:xfrm>
+                <a:off x="2286000" y="8953500"/>
+                <a:ext cx="1524000" cy="1524000"/>
+              </a:xfrm>
+              <a:prstGeom prst="rect">
+                <a:avLst/>
+              </a:prstGeom>
+            </p:spPr>
+          </p:pic>
+        </p:grpSp>
+        <p:grpSp>
+          <p:nvGrpSpPr>
+            <p:cNvPr id="32" name="Group 31">
+              <a:extLst>
+                <a:ext uri="{FF2B5EF4-FFF2-40B4-BE49-F238E27FC236}">
+                  <a16:creationId xmlns:a16="http://schemas.microsoft.com/office/drawing/2014/main" id="{610F47D3-9A84-91A8-AE54-211802745771}"/>
+                </a:ext>
+              </a:extLst>
+            </p:cNvPr>
+            <p:cNvGrpSpPr/>
+            <p:nvPr/>
+          </p:nvGrpSpPr>
+          <p:grpSpPr>
+            <a:xfrm>
+              <a:off x="3505200" y="8953500"/>
+              <a:ext cx="3962400" cy="1524000"/>
+              <a:chOff x="-152400" y="8953500"/>
+              <a:chExt cx="3962400" cy="1524000"/>
+            </a:xfrm>
+          </p:grpSpPr>
+          <p:pic>
+            <p:nvPicPr>
+              <p:cNvPr id="46" name="Graphic 45" descr="Wave with solid fill">
+                <a:extLst>
+                  <a:ext uri="{FF2B5EF4-FFF2-40B4-BE49-F238E27FC236}">
+                    <a16:creationId xmlns:a16="http://schemas.microsoft.com/office/drawing/2014/main" id="{2E9AF98E-CEFB-6291-AD44-822C17F3A1D8}"/>
+                  </a:ext>
+                </a:extLst>
+              </p:cNvPr>
+              <p:cNvPicPr>
+                <a:picLocks noChangeAspect="1"/>
+              </p:cNvPicPr>
+              <p:nvPr/>
+            </p:nvPicPr>
+            <p:blipFill>
+              <a:blip r:embed="rId7">
+                <a:extLst>
+                  <a:ext uri="{28A0092B-C50C-407E-A947-70E740481C1C}">
+                    <a14:useLocalDpi xmlns:a14="http://schemas.microsoft.com/office/drawing/2010/main" val="0"/>
+                  </a:ext>
+                  <a:ext uri="{96DAC541-7B7A-43D3-8B79-37D633B846F1}">
+                    <asvg:svgBlip xmlns:asvg="http://schemas.microsoft.com/office/drawing/2016/SVG/main" r:embed="rId8"/>
+                  </a:ext>
+                </a:extLst>
+              </a:blip>
+              <a:stretch>
+                <a:fillRect/>
+              </a:stretch>
+            </p:blipFill>
+            <p:spPr>
+              <a:xfrm>
+                <a:off x="-152400" y="8953500"/>
+                <a:ext cx="1524000" cy="1524000"/>
+              </a:xfrm>
+              <a:prstGeom prst="rect">
+                <a:avLst/>
+              </a:prstGeom>
+            </p:spPr>
+          </p:pic>
+          <p:pic>
+            <p:nvPicPr>
+              <p:cNvPr id="47" name="Graphic 46" descr="Wave with solid fill">
+                <a:extLst>
+                  <a:ext uri="{FF2B5EF4-FFF2-40B4-BE49-F238E27FC236}">
+                    <a16:creationId xmlns:a16="http://schemas.microsoft.com/office/drawing/2014/main" id="{E9F0F1E3-95EA-AEF8-62A7-CA33ACE7DEB2}"/>
+                  </a:ext>
+                </a:extLst>
+              </p:cNvPr>
+              <p:cNvPicPr>
+                <a:picLocks noChangeAspect="1"/>
+              </p:cNvPicPr>
+              <p:nvPr/>
+            </p:nvPicPr>
+            <p:blipFill>
+              <a:blip r:embed="rId7">
+                <a:extLst>
+                  <a:ext uri="{28A0092B-C50C-407E-A947-70E740481C1C}">
+                    <a14:useLocalDpi xmlns:a14="http://schemas.microsoft.com/office/drawing/2010/main" val="0"/>
+                  </a:ext>
+                  <a:ext uri="{96DAC541-7B7A-43D3-8B79-37D633B846F1}">
+                    <asvg:svgBlip xmlns:asvg="http://schemas.microsoft.com/office/drawing/2016/SVG/main" r:embed="rId8"/>
+                  </a:ext>
+                </a:extLst>
+              </a:blip>
+              <a:stretch>
+                <a:fillRect/>
+              </a:stretch>
+            </p:blipFill>
+            <p:spPr>
+              <a:xfrm>
+                <a:off x="1066800" y="8953500"/>
+                <a:ext cx="1524000" cy="1524000"/>
+              </a:xfrm>
+              <a:prstGeom prst="rect">
+                <a:avLst/>
+              </a:prstGeom>
+            </p:spPr>
+          </p:pic>
+          <p:pic>
+            <p:nvPicPr>
+              <p:cNvPr id="48" name="Graphic 47" descr="Wave with solid fill">
+                <a:extLst>
+                  <a:ext uri="{FF2B5EF4-FFF2-40B4-BE49-F238E27FC236}">
+                    <a16:creationId xmlns:a16="http://schemas.microsoft.com/office/drawing/2014/main" id="{26B723B9-01E6-284D-D29A-B9B54DB8291C}"/>
+                  </a:ext>
+                </a:extLst>
+              </p:cNvPr>
+              <p:cNvPicPr>
+                <a:picLocks noChangeAspect="1"/>
+              </p:cNvPicPr>
+              <p:nvPr/>
+            </p:nvPicPr>
+            <p:blipFill>
+              <a:blip r:embed="rId7">
+                <a:extLst>
+                  <a:ext uri="{28A0092B-C50C-407E-A947-70E740481C1C}">
+                    <a14:useLocalDpi xmlns:a14="http://schemas.microsoft.com/office/drawing/2010/main" val="0"/>
+                  </a:ext>
+                  <a:ext uri="{96DAC541-7B7A-43D3-8B79-37D633B846F1}">
+                    <asvg:svgBlip xmlns:asvg="http://schemas.microsoft.com/office/drawing/2016/SVG/main" r:embed="rId8"/>
+                  </a:ext>
+                </a:extLst>
+              </a:blip>
+              <a:stretch>
+                <a:fillRect/>
+              </a:stretch>
+            </p:blipFill>
+            <p:spPr>
+              <a:xfrm>
+                <a:off x="2286000" y="8953500"/>
+                <a:ext cx="1524000" cy="1524000"/>
+              </a:xfrm>
+              <a:prstGeom prst="rect">
+                <a:avLst/>
+              </a:prstGeom>
+            </p:spPr>
+          </p:pic>
+        </p:grpSp>
+        <p:grpSp>
+          <p:nvGrpSpPr>
+            <p:cNvPr id="33" name="Group 32">
+              <a:extLst>
+                <a:ext uri="{FF2B5EF4-FFF2-40B4-BE49-F238E27FC236}">
+                  <a16:creationId xmlns:a16="http://schemas.microsoft.com/office/drawing/2014/main" id="{7343E2A9-3867-2E22-FC54-D0B2710133ED}"/>
+                </a:ext>
+              </a:extLst>
+            </p:cNvPr>
+            <p:cNvGrpSpPr/>
+            <p:nvPr/>
+          </p:nvGrpSpPr>
+          <p:grpSpPr>
+            <a:xfrm>
+              <a:off x="7162800" y="8953500"/>
+              <a:ext cx="3962400" cy="1524000"/>
+              <a:chOff x="-152400" y="8953500"/>
+              <a:chExt cx="3962400" cy="1524000"/>
+            </a:xfrm>
+          </p:grpSpPr>
+          <p:pic>
+            <p:nvPicPr>
+              <p:cNvPr id="43" name="Graphic 42" descr="Wave with solid fill">
+                <a:extLst>
+                  <a:ext uri="{FF2B5EF4-FFF2-40B4-BE49-F238E27FC236}">
+                    <a16:creationId xmlns:a16="http://schemas.microsoft.com/office/drawing/2014/main" id="{FA0A45FD-893C-9C2B-3F8D-7C5D207A54C1}"/>
+                  </a:ext>
+                </a:extLst>
+              </p:cNvPr>
+              <p:cNvPicPr>
+                <a:picLocks noChangeAspect="1"/>
+              </p:cNvPicPr>
+              <p:nvPr/>
+            </p:nvPicPr>
+            <p:blipFill>
+              <a:blip r:embed="rId7">
+                <a:extLst>
+                  <a:ext uri="{28A0092B-C50C-407E-A947-70E740481C1C}">
+                    <a14:useLocalDpi xmlns:a14="http://schemas.microsoft.com/office/drawing/2010/main" val="0"/>
+                  </a:ext>
+                  <a:ext uri="{96DAC541-7B7A-43D3-8B79-37D633B846F1}">
+                    <asvg:svgBlip xmlns:asvg="http://schemas.microsoft.com/office/drawing/2016/SVG/main" r:embed="rId8"/>
+                  </a:ext>
+                </a:extLst>
+              </a:blip>
+              <a:stretch>
+                <a:fillRect/>
+              </a:stretch>
+            </p:blipFill>
+            <p:spPr>
+              <a:xfrm>
+                <a:off x="-152400" y="8953500"/>
+                <a:ext cx="1524000" cy="1524000"/>
+              </a:xfrm>
+              <a:prstGeom prst="rect">
+                <a:avLst/>
+              </a:prstGeom>
+            </p:spPr>
+          </p:pic>
+          <p:pic>
+            <p:nvPicPr>
+              <p:cNvPr id="44" name="Graphic 43" descr="Wave with solid fill">
+                <a:extLst>
+                  <a:ext uri="{FF2B5EF4-FFF2-40B4-BE49-F238E27FC236}">
+                    <a16:creationId xmlns:a16="http://schemas.microsoft.com/office/drawing/2014/main" id="{7C50268B-9566-737B-93A3-154C7F02C98D}"/>
+                  </a:ext>
+                </a:extLst>
+              </p:cNvPr>
+              <p:cNvPicPr>
+                <a:picLocks noChangeAspect="1"/>
+              </p:cNvPicPr>
+              <p:nvPr/>
+            </p:nvPicPr>
+            <p:blipFill>
+              <a:blip r:embed="rId7">
+                <a:extLst>
+                  <a:ext uri="{28A0092B-C50C-407E-A947-70E740481C1C}">
+                    <a14:useLocalDpi xmlns:a14="http://schemas.microsoft.com/office/drawing/2010/main" val="0"/>
+                  </a:ext>
+                  <a:ext uri="{96DAC541-7B7A-43D3-8B79-37D633B846F1}">
+                    <asvg:svgBlip xmlns:asvg="http://schemas.microsoft.com/office/drawing/2016/SVG/main" r:embed="rId8"/>
+                  </a:ext>
+                </a:extLst>
+              </a:blip>
+              <a:stretch>
+                <a:fillRect/>
+              </a:stretch>
+            </p:blipFill>
+            <p:spPr>
+              <a:xfrm>
+                <a:off x="1066800" y="8953500"/>
+                <a:ext cx="1524000" cy="1524000"/>
+              </a:xfrm>
+              <a:prstGeom prst="rect">
+                <a:avLst/>
+              </a:prstGeom>
+            </p:spPr>
+          </p:pic>
+          <p:pic>
+            <p:nvPicPr>
+              <p:cNvPr id="45" name="Graphic 44" descr="Wave with solid fill">
+                <a:extLst>
+                  <a:ext uri="{FF2B5EF4-FFF2-40B4-BE49-F238E27FC236}">
+                    <a16:creationId xmlns:a16="http://schemas.microsoft.com/office/drawing/2014/main" id="{2EFD9F6F-50AF-869F-035F-ACB25B99E04D}"/>
+                  </a:ext>
+                </a:extLst>
+              </p:cNvPr>
+              <p:cNvPicPr>
+                <a:picLocks noChangeAspect="1"/>
+              </p:cNvPicPr>
+              <p:nvPr/>
+            </p:nvPicPr>
+            <p:blipFill>
+              <a:blip r:embed="rId7">
+                <a:extLst>
+                  <a:ext uri="{28A0092B-C50C-407E-A947-70E740481C1C}">
+                    <a14:useLocalDpi xmlns:a14="http://schemas.microsoft.com/office/drawing/2010/main" val="0"/>
+                  </a:ext>
+                  <a:ext uri="{96DAC541-7B7A-43D3-8B79-37D633B846F1}">
+                    <asvg:svgBlip xmlns:asvg="http://schemas.microsoft.com/office/drawing/2016/SVG/main" r:embed="rId8"/>
+                  </a:ext>
+                </a:extLst>
+              </a:blip>
+              <a:stretch>
+                <a:fillRect/>
+              </a:stretch>
+            </p:blipFill>
+            <p:spPr>
+              <a:xfrm>
+                <a:off x="2286000" y="8953500"/>
+                <a:ext cx="1524000" cy="1524000"/>
+              </a:xfrm>
+              <a:prstGeom prst="rect">
+                <a:avLst/>
+              </a:prstGeom>
+            </p:spPr>
+          </p:pic>
+        </p:grpSp>
+        <p:grpSp>
+          <p:nvGrpSpPr>
+            <p:cNvPr id="34" name="Group 33">
+              <a:extLst>
+                <a:ext uri="{FF2B5EF4-FFF2-40B4-BE49-F238E27FC236}">
+                  <a16:creationId xmlns:a16="http://schemas.microsoft.com/office/drawing/2014/main" id="{ED82AC2E-2C8B-2ECC-82A4-8810DE33225C}"/>
+                </a:ext>
+              </a:extLst>
+            </p:cNvPr>
+            <p:cNvGrpSpPr/>
+            <p:nvPr/>
+          </p:nvGrpSpPr>
+          <p:grpSpPr>
+            <a:xfrm>
+              <a:off x="10820400" y="8953500"/>
+              <a:ext cx="3962400" cy="1524000"/>
+              <a:chOff x="-152400" y="8953500"/>
+              <a:chExt cx="3962400" cy="1524000"/>
+            </a:xfrm>
+          </p:grpSpPr>
+          <p:pic>
+            <p:nvPicPr>
+              <p:cNvPr id="39" name="Graphic 38" descr="Wave with solid fill">
+                <a:extLst>
+                  <a:ext uri="{FF2B5EF4-FFF2-40B4-BE49-F238E27FC236}">
+                    <a16:creationId xmlns:a16="http://schemas.microsoft.com/office/drawing/2014/main" id="{DC0A4F51-13BF-7AF5-142F-A4F1933FA0F3}"/>
+                  </a:ext>
+                </a:extLst>
+              </p:cNvPr>
+              <p:cNvPicPr>
+                <a:picLocks noChangeAspect="1"/>
+              </p:cNvPicPr>
+              <p:nvPr/>
+            </p:nvPicPr>
+            <p:blipFill>
+              <a:blip r:embed="rId7">
+                <a:extLst>
+                  <a:ext uri="{28A0092B-C50C-407E-A947-70E740481C1C}">
+                    <a14:useLocalDpi xmlns:a14="http://schemas.microsoft.com/office/drawing/2010/main" val="0"/>
+                  </a:ext>
+                  <a:ext uri="{96DAC541-7B7A-43D3-8B79-37D633B846F1}">
+                    <asvg:svgBlip xmlns:asvg="http://schemas.microsoft.com/office/drawing/2016/SVG/main" r:embed="rId8"/>
+                  </a:ext>
+                </a:extLst>
+              </a:blip>
+              <a:stretch>
+                <a:fillRect/>
+              </a:stretch>
+            </p:blipFill>
+            <p:spPr>
+              <a:xfrm>
+                <a:off x="-152400" y="8953500"/>
+                <a:ext cx="1524000" cy="1524000"/>
+              </a:xfrm>
+              <a:prstGeom prst="rect">
+                <a:avLst/>
+              </a:prstGeom>
+            </p:spPr>
+          </p:pic>
+          <p:pic>
+            <p:nvPicPr>
+              <p:cNvPr id="40" name="Graphic 39" descr="Wave with solid fill">
+                <a:extLst>
+                  <a:ext uri="{FF2B5EF4-FFF2-40B4-BE49-F238E27FC236}">
+                    <a16:creationId xmlns:a16="http://schemas.microsoft.com/office/drawing/2014/main" id="{AC2DC900-A6A7-EF9C-9188-CAF6ED8881AF}"/>
+                  </a:ext>
+                </a:extLst>
+              </p:cNvPr>
+              <p:cNvPicPr>
+                <a:picLocks noChangeAspect="1"/>
+              </p:cNvPicPr>
+              <p:nvPr/>
+            </p:nvPicPr>
+            <p:blipFill>
+              <a:blip r:embed="rId7">
+                <a:extLst>
+                  <a:ext uri="{28A0092B-C50C-407E-A947-70E740481C1C}">
+                    <a14:useLocalDpi xmlns:a14="http://schemas.microsoft.com/office/drawing/2010/main" val="0"/>
+                  </a:ext>
+                  <a:ext uri="{96DAC541-7B7A-43D3-8B79-37D633B846F1}">
+                    <asvg:svgBlip xmlns:asvg="http://schemas.microsoft.com/office/drawing/2016/SVG/main" r:embed="rId8"/>
+                  </a:ext>
+                </a:extLst>
+              </a:blip>
+              <a:stretch>
+                <a:fillRect/>
+              </a:stretch>
+            </p:blipFill>
+            <p:spPr>
+              <a:xfrm>
+                <a:off x="1066800" y="8953500"/>
+                <a:ext cx="1524000" cy="1524000"/>
+              </a:xfrm>
+              <a:prstGeom prst="rect">
+                <a:avLst/>
+              </a:prstGeom>
+            </p:spPr>
+          </p:pic>
+          <p:pic>
+            <p:nvPicPr>
+              <p:cNvPr id="42" name="Graphic 41" descr="Wave with solid fill">
+                <a:extLst>
+                  <a:ext uri="{FF2B5EF4-FFF2-40B4-BE49-F238E27FC236}">
+                    <a16:creationId xmlns:a16="http://schemas.microsoft.com/office/drawing/2014/main" id="{BB05BA10-D324-07FF-1FF7-55371CB23D21}"/>
+                  </a:ext>
+                </a:extLst>
+              </p:cNvPr>
+              <p:cNvPicPr>
+                <a:picLocks noChangeAspect="1"/>
+              </p:cNvPicPr>
+              <p:nvPr/>
+            </p:nvPicPr>
+            <p:blipFill>
+              <a:blip r:embed="rId7">
+                <a:extLst>
+                  <a:ext uri="{28A0092B-C50C-407E-A947-70E740481C1C}">
+                    <a14:useLocalDpi xmlns:a14="http://schemas.microsoft.com/office/drawing/2010/main" val="0"/>
+                  </a:ext>
+                  <a:ext uri="{96DAC541-7B7A-43D3-8B79-37D633B846F1}">
+                    <asvg:svgBlip xmlns:asvg="http://schemas.microsoft.com/office/drawing/2016/SVG/main" r:embed="rId8"/>
+                  </a:ext>
+                </a:extLst>
+              </a:blip>
+              <a:stretch>
+                <a:fillRect/>
+              </a:stretch>
+            </p:blipFill>
+            <p:spPr>
+              <a:xfrm>
+                <a:off x="2286000" y="8953500"/>
+                <a:ext cx="1524000" cy="1524000"/>
+              </a:xfrm>
+              <a:prstGeom prst="rect">
+                <a:avLst/>
+              </a:prstGeom>
+            </p:spPr>
+          </p:pic>
+        </p:grpSp>
+        <p:grpSp>
+          <p:nvGrpSpPr>
+            <p:cNvPr id="35" name="Group 34">
+              <a:extLst>
+                <a:ext uri="{FF2B5EF4-FFF2-40B4-BE49-F238E27FC236}">
+                  <a16:creationId xmlns:a16="http://schemas.microsoft.com/office/drawing/2014/main" id="{B2A3F2F7-D4E6-C7D2-558F-C2F7F2F2279E}"/>
+                </a:ext>
+              </a:extLst>
+            </p:cNvPr>
+            <p:cNvGrpSpPr/>
+            <p:nvPr/>
+          </p:nvGrpSpPr>
+          <p:grpSpPr>
+            <a:xfrm>
+              <a:off x="14478000" y="8953500"/>
+              <a:ext cx="3962400" cy="1524000"/>
+              <a:chOff x="-152400" y="8953500"/>
+              <a:chExt cx="3962400" cy="1524000"/>
+            </a:xfrm>
+          </p:grpSpPr>
+          <p:pic>
+            <p:nvPicPr>
+              <p:cNvPr id="36" name="Graphic 35" descr="Wave with solid fill">
+                <a:extLst>
+                  <a:ext uri="{FF2B5EF4-FFF2-40B4-BE49-F238E27FC236}">
+                    <a16:creationId xmlns:a16="http://schemas.microsoft.com/office/drawing/2014/main" id="{F6A1C610-5CAC-636E-2994-4BC80B6E25DA}"/>
+                  </a:ext>
+                </a:extLst>
+              </p:cNvPr>
+              <p:cNvPicPr>
+                <a:picLocks noChangeAspect="1"/>
+              </p:cNvPicPr>
+              <p:nvPr/>
+            </p:nvPicPr>
+            <p:blipFill>
+              <a:blip r:embed="rId7">
+                <a:extLst>
+                  <a:ext uri="{28A0092B-C50C-407E-A947-70E740481C1C}">
+                    <a14:useLocalDpi xmlns:a14="http://schemas.microsoft.com/office/drawing/2010/main" val="0"/>
+                  </a:ext>
+                  <a:ext uri="{96DAC541-7B7A-43D3-8B79-37D633B846F1}">
+                    <asvg:svgBlip xmlns:asvg="http://schemas.microsoft.com/office/drawing/2016/SVG/main" r:embed="rId8"/>
+                  </a:ext>
+                </a:extLst>
+              </a:blip>
+              <a:stretch>
+                <a:fillRect/>
+              </a:stretch>
+            </p:blipFill>
+            <p:spPr>
+              <a:xfrm>
+                <a:off x="-152400" y="8953500"/>
+                <a:ext cx="1524000" cy="1524000"/>
+              </a:xfrm>
+              <a:prstGeom prst="rect">
+                <a:avLst/>
+              </a:prstGeom>
+            </p:spPr>
+          </p:pic>
+          <p:pic>
+            <p:nvPicPr>
+              <p:cNvPr id="37" name="Graphic 36" descr="Wave with solid fill">
+                <a:extLst>
+                  <a:ext uri="{FF2B5EF4-FFF2-40B4-BE49-F238E27FC236}">
+                    <a16:creationId xmlns:a16="http://schemas.microsoft.com/office/drawing/2014/main" id="{CCDA47A1-9550-80FD-CD1C-F3EC5302200B}"/>
+                  </a:ext>
+                </a:extLst>
+              </p:cNvPr>
+              <p:cNvPicPr>
+                <a:picLocks noChangeAspect="1"/>
+              </p:cNvPicPr>
+              <p:nvPr/>
+            </p:nvPicPr>
+            <p:blipFill>
+              <a:blip r:embed="rId7">
+                <a:extLst>
+                  <a:ext uri="{28A0092B-C50C-407E-A947-70E740481C1C}">
+                    <a14:useLocalDpi xmlns:a14="http://schemas.microsoft.com/office/drawing/2010/main" val="0"/>
+                  </a:ext>
+                  <a:ext uri="{96DAC541-7B7A-43D3-8B79-37D633B846F1}">
+                    <asvg:svgBlip xmlns:asvg="http://schemas.microsoft.com/office/drawing/2016/SVG/main" r:embed="rId8"/>
+                  </a:ext>
+                </a:extLst>
+              </a:blip>
+              <a:stretch>
+                <a:fillRect/>
+              </a:stretch>
+            </p:blipFill>
+            <p:spPr>
+              <a:xfrm>
+                <a:off x="1066800" y="8953500"/>
+                <a:ext cx="1524000" cy="1524000"/>
+              </a:xfrm>
+              <a:prstGeom prst="rect">
+                <a:avLst/>
+              </a:prstGeom>
+            </p:spPr>
+          </p:pic>
+          <p:pic>
+            <p:nvPicPr>
+              <p:cNvPr id="38" name="Graphic 37" descr="Wave with solid fill">
+                <a:extLst>
+                  <a:ext uri="{FF2B5EF4-FFF2-40B4-BE49-F238E27FC236}">
+                    <a16:creationId xmlns:a16="http://schemas.microsoft.com/office/drawing/2014/main" id="{9D75A349-AFA6-1F9F-020B-8033E0C6DF53}"/>
+                  </a:ext>
+                </a:extLst>
+              </p:cNvPr>
+              <p:cNvPicPr>
+                <a:picLocks noChangeAspect="1"/>
+              </p:cNvPicPr>
+              <p:nvPr/>
+            </p:nvPicPr>
+            <p:blipFill>
+              <a:blip r:embed="rId7">
+                <a:extLst>
+                  <a:ext uri="{28A0092B-C50C-407E-A947-70E740481C1C}">
+                    <a14:useLocalDpi xmlns:a14="http://schemas.microsoft.com/office/drawing/2010/main" val="0"/>
+                  </a:ext>
+                  <a:ext uri="{96DAC541-7B7A-43D3-8B79-37D633B846F1}">
+                    <asvg:svgBlip xmlns:asvg="http://schemas.microsoft.com/office/drawing/2016/SVG/main" r:embed="rId8"/>
+                  </a:ext>
+                </a:extLst>
+              </a:blip>
+              <a:stretch>
+                <a:fillRect/>
+              </a:stretch>
+            </p:blipFill>
+            <p:spPr>
+              <a:xfrm>
+                <a:off x="2286000" y="8953500"/>
+                <a:ext cx="1524000" cy="1524000"/>
+              </a:xfrm>
+              <a:prstGeom prst="rect">
+                <a:avLst/>
+              </a:prstGeom>
+            </p:spPr>
+          </p:pic>
+        </p:grpSp>
+      </p:grpSp>
+    </p:spTree>
+    <p:extLst>
+      <p:ext uri="{BB962C8B-B14F-4D97-AF65-F5344CB8AC3E}">
+        <p14:creationId xmlns:p14="http://schemas.microsoft.com/office/powerpoint/2010/main" val="2666509463"/>
+      </p:ext>
+    </p:extLst>
   </p:cSld>
   <p:clrMapOvr>
     <a:masterClrMapping/>
@@ -48738,26 +50052,6 @@
 </file>
 
 <file path=customXml/item1.xml><?xml version="1.0" encoding="utf-8"?>
-<?mso-contentType ?>
-<FormTemplates xmlns="http://schemas.microsoft.com/sharepoint/v3/contenttype/forms">
-  <Display>DocumentLibraryForm</Display>
-  <Edit>DocumentLibraryForm</Edit>
-  <New>DocumentLibraryForm</New>
-</FormTemplates>
-</file>
-
-<file path=customXml/item2.xml><?xml version="1.0" encoding="utf-8"?>
-<p:properties xmlns:p="http://schemas.microsoft.com/office/2006/metadata/properties" xmlns:xsi="http://www.w3.org/2001/XMLSchema-instance" xmlns:pc="http://schemas.microsoft.com/office/infopath/2007/PartnerControls">
-  <documentManagement>
-    <TaxCatchAll xmlns="c12dc4f0-a365-46b3-9e07-9aae8de5ba6f" xsi:nil="true"/>
-    <lcf76f155ced4ddcb4097134ff3c332f xmlns="b30be232-03ea-456c-8192-b7ea3ce3ddcd">
-      <Terms xmlns="http://schemas.microsoft.com/office/infopath/2007/PartnerControls"/>
-    </lcf76f155ced4ddcb4097134ff3c332f>
-  </documentManagement>
-</p:properties>
-</file>
-
-<file path=customXml/item3.xml><?xml version="1.0" encoding="utf-8"?>
 <ct:contentTypeSchema xmlns:ct="http://schemas.microsoft.com/office/2006/metadata/contentType" xmlns:ma="http://schemas.microsoft.com/office/2006/metadata/properties/metaAttributes" ct:_="" ma:_="" ma:contentTypeName="Document" ma:contentTypeID="0x010100338C0C0DDBC9B742BC44458BFD432381" ma:contentTypeVersion="16" ma:contentTypeDescription="Create a new document." ma:contentTypeScope="" ma:versionID="9e3a3b9664c02b87506af07230493c03">
   <xsd:schema xmlns:xsd="http://www.w3.org/2001/XMLSchema" xmlns:xs="http://www.w3.org/2001/XMLSchema" xmlns:p="http://schemas.microsoft.com/office/2006/metadata/properties" xmlns:ns2="b30be232-03ea-456c-8192-b7ea3ce3ddcd" xmlns:ns3="c12dc4f0-a365-46b3-9e07-9aae8de5ba6f" targetNamespace="http://schemas.microsoft.com/office/2006/metadata/properties" ma:root="true" ma:fieldsID="97668ca7a1f544c2cd9291a5bcfce177" ns2:_="" ns3:_="">
     <xsd:import namespace="b30be232-03ea-456c-8192-b7ea3ce3ddcd"/>
@@ -49000,32 +50294,27 @@
 </ct:contentTypeSchema>
 </file>
 
-<file path=customXml/itemProps1.xml><?xml version="1.0" encoding="utf-8"?>
-<ds:datastoreItem xmlns:ds="http://schemas.openxmlformats.org/officeDocument/2006/customXml" ds:itemID="{62192324-B2BD-44ED-9189-FD50B4E08E52}">
-  <ds:schemaRefs>
-    <ds:schemaRef ds:uri="http://schemas.microsoft.com/sharepoint/v3/contenttype/forms"/>
-  </ds:schemaRefs>
-</ds:datastoreItem>
+<file path=customXml/item2.xml><?xml version="1.0" encoding="utf-8"?>
+<?mso-contentType ?>
+<FormTemplates xmlns="http://schemas.microsoft.com/sharepoint/v3/contenttype/forms">
+  <Display>DocumentLibraryForm</Display>
+  <Edit>DocumentLibraryForm</Edit>
+  <New>DocumentLibraryForm</New>
+</FormTemplates>
 </file>
 
-<file path=customXml/itemProps2.xml><?xml version="1.0" encoding="utf-8"?>
-<ds:datastoreItem xmlns:ds="http://schemas.openxmlformats.org/officeDocument/2006/customXml" ds:itemID="{7ADE2A51-02EA-4AA8-8B29-AE3416880B26}">
-  <ds:schemaRefs>
-    <ds:schemaRef ds:uri="b30be232-03ea-456c-8192-b7ea3ce3ddcd"/>
-    <ds:schemaRef ds:uri="http://www.w3.org/XML/1998/namespace"/>
-    <ds:schemaRef ds:uri="http://schemas.microsoft.com/office/infopath/2007/PartnerControls"/>
-    <ds:schemaRef ds:uri="http://purl.org/dc/elements/1.1/"/>
-    <ds:schemaRef ds:uri="http://purl.org/dc/dcmitype/"/>
-    <ds:schemaRef ds:uri="http://schemas.microsoft.com/office/2006/metadata/properties"/>
-    <ds:schemaRef ds:uri="http://schemas.openxmlformats.org/package/2006/metadata/core-properties"/>
-    <ds:schemaRef ds:uri="http://schemas.microsoft.com/office/2006/documentManagement/types"/>
-    <ds:schemaRef ds:uri="c12dc4f0-a365-46b3-9e07-9aae8de5ba6f"/>
-    <ds:schemaRef ds:uri="http://purl.org/dc/terms/"/>
-  </ds:schemaRefs>
-</ds:datastoreItem>
+<file path=customXml/item3.xml><?xml version="1.0" encoding="utf-8"?>
+<p:properties xmlns:p="http://schemas.microsoft.com/office/2006/metadata/properties" xmlns:xsi="http://www.w3.org/2001/XMLSchema-instance" xmlns:pc="http://schemas.microsoft.com/office/infopath/2007/PartnerControls">
+  <documentManagement>
+    <TaxCatchAll xmlns="c12dc4f0-a365-46b3-9e07-9aae8de5ba6f" xsi:nil="true"/>
+    <lcf76f155ced4ddcb4097134ff3c332f xmlns="b30be232-03ea-456c-8192-b7ea3ce3ddcd">
+      <Terms xmlns="http://schemas.microsoft.com/office/infopath/2007/PartnerControls"/>
+    </lcf76f155ced4ddcb4097134ff3c332f>
+  </documentManagement>
+</p:properties>
 </file>
 
-<file path=customXml/itemProps3.xml><?xml version="1.0" encoding="utf-8"?>
+<file path=customXml/itemProps1.xml><?xml version="1.0" encoding="utf-8"?>
 <ds:datastoreItem xmlns:ds="http://schemas.openxmlformats.org/officeDocument/2006/customXml" ds:itemID="{B307509C-F6F5-45A5-8F96-BB1A9C2DDFA4}">
   <ds:schemaRefs>
     <ds:schemaRef ds:uri="http://schemas.microsoft.com/office/2006/metadata/contentType"/>
@@ -49044,6 +50333,31 @@
 </ds:datastoreItem>
 </file>
 
+<file path=customXml/itemProps2.xml><?xml version="1.0" encoding="utf-8"?>
+<ds:datastoreItem xmlns:ds="http://schemas.openxmlformats.org/officeDocument/2006/customXml" ds:itemID="{62192324-B2BD-44ED-9189-FD50B4E08E52}">
+  <ds:schemaRefs>
+    <ds:schemaRef ds:uri="http://schemas.microsoft.com/sharepoint/v3/contenttype/forms"/>
+  </ds:schemaRefs>
+</ds:datastoreItem>
+</file>
+
+<file path=customXml/itemProps3.xml><?xml version="1.0" encoding="utf-8"?>
+<ds:datastoreItem xmlns:ds="http://schemas.openxmlformats.org/officeDocument/2006/customXml" ds:itemID="{7ADE2A51-02EA-4AA8-8B29-AE3416880B26}">
+  <ds:schemaRefs>
+    <ds:schemaRef ds:uri="b30be232-03ea-456c-8192-b7ea3ce3ddcd"/>
+    <ds:schemaRef ds:uri="http://www.w3.org/XML/1998/namespace"/>
+    <ds:schemaRef ds:uri="http://schemas.microsoft.com/office/infopath/2007/PartnerControls"/>
+    <ds:schemaRef ds:uri="http://purl.org/dc/elements/1.1/"/>
+    <ds:schemaRef ds:uri="http://purl.org/dc/dcmitype/"/>
+    <ds:schemaRef ds:uri="http://schemas.microsoft.com/office/2006/metadata/properties"/>
+    <ds:schemaRef ds:uri="http://schemas.openxmlformats.org/package/2006/metadata/core-properties"/>
+    <ds:schemaRef ds:uri="http://schemas.microsoft.com/office/2006/documentManagement/types"/>
+    <ds:schemaRef ds:uri="c12dc4f0-a365-46b3-9e07-9aae8de5ba6f"/>
+    <ds:schemaRef ds:uri="http://purl.org/dc/terms/"/>
+  </ds:schemaRefs>
+</ds:datastoreItem>
+</file>
+
 <file path=docMetadata/LabelInfo.xml><?xml version="1.0" encoding="utf-8"?>
 <clbl:labelList xmlns:clbl="http://schemas.microsoft.com/office/2020/mipLabelMetadata">
   <clbl:label id="{6a2630e2-1ac5-455e-8217-0156b1936a76}" enabled="1" method="Standard" siteId="{a3927f91-cda1-4696-af89-8c9f1ceffa91}" contentBits="0" removed="0"/>
